--- a/NavMeshGeneration.pptx
+++ b/NavMeshGeneration.pptx
@@ -1,39 +1,39 @@
 
 <file path=ppt/presentation.xml><?xml version="1.0" encoding="utf-8"?>
-<p:presentation xmlns:a="http://schemas.openxmlformats.org/drawingml/2006/main" xmlns:r="http://schemas.openxmlformats.org/officeDocument/2006/relationships" xmlns:mc="http://schemas.openxmlformats.org/markup-compatibility/2006" xmlns:mv="urn:schemas-microsoft-com:mac:vml" xmlns:p="http://schemas.openxmlformats.org/presentationml/2006/main" xmlns:c="http://schemas.openxmlformats.org/drawingml/2006/chart" xmlns:dgm="http://schemas.openxmlformats.org/drawingml/2006/diagram" xmlns:o="urn:schemas-microsoft-com:office:office" xmlns:v="urn:schemas-microsoft-com:vml" xmlns:pvml="urn:schemas-microsoft-com:office:powerpoint" xmlns:com="http://schemas.openxmlformats.org/drawingml/2006/compatibility" xmlns:p14="http://schemas.microsoft.com/office/powerpoint/2010/main" xmlns:p15="http://schemas.microsoft.com/office/powerpoint/2012/main" autoCompressPictures="0" embedTrueTypeFonts="1" strictFirstAndLastChars="0" saveSubsetFonts="1">
+<p:presentation xmlns:a="http://schemas.openxmlformats.org/drawingml/2006/main" xmlns:r="http://schemas.openxmlformats.org/officeDocument/2006/relationships" xmlns:p="http://schemas.openxmlformats.org/presentationml/2006/main" strictFirstAndLastChars="0" embedTrueTypeFonts="1" saveSubsetFonts="1" autoCompressPictures="0">
   <p:sldMasterIdLst>
-    <p:sldMasterId id="2147483659" r:id="rId4"/>
+    <p:sldMasterId id="2147483659" r:id="rId1"/>
   </p:sldMasterIdLst>
   <p:notesMasterIdLst>
-    <p:notesMasterId r:id="rId5"/>
+    <p:notesMasterId r:id="rId14"/>
   </p:notesMasterIdLst>
   <p:sldIdLst>
-    <p:sldId id="256" r:id="rId6"/>
-    <p:sldId id="257" r:id="rId7"/>
-    <p:sldId id="258" r:id="rId8"/>
-    <p:sldId id="259" r:id="rId9"/>
-    <p:sldId id="260" r:id="rId10"/>
-    <p:sldId id="261" r:id="rId11"/>
-    <p:sldId id="262" r:id="rId12"/>
-    <p:sldId id="263" r:id="rId13"/>
-    <p:sldId id="264" r:id="rId14"/>
-    <p:sldId id="265" r:id="rId15"/>
-    <p:sldId id="266" r:id="rId16"/>
-    <p:sldId id="267" r:id="rId17"/>
+    <p:sldId id="256" r:id="rId2"/>
+    <p:sldId id="257" r:id="rId3"/>
+    <p:sldId id="258" r:id="rId4"/>
+    <p:sldId id="259" r:id="rId5"/>
+    <p:sldId id="260" r:id="rId6"/>
+    <p:sldId id="261" r:id="rId7"/>
+    <p:sldId id="262" r:id="rId8"/>
+    <p:sldId id="263" r:id="rId9"/>
+    <p:sldId id="264" r:id="rId10"/>
+    <p:sldId id="265" r:id="rId11"/>
+    <p:sldId id="266" r:id="rId12"/>
+    <p:sldId id="267" r:id="rId13"/>
   </p:sldIdLst>
-  <p:sldSz cy="5143500" cx="9144000"/>
+  <p:sldSz cx="9144000" cy="5143500" type="screen16x9"/>
   <p:notesSz cx="6858000" cy="9144000"/>
   <p:embeddedFontLst>
     <p:embeddedFont>
-      <p:font typeface="Century Gothic"/>
-      <p:regular r:id="rId18"/>
-      <p:bold r:id="rId19"/>
-      <p:italic r:id="rId20"/>
-      <p:boldItalic r:id="rId21"/>
+      <p:font typeface="Century Gothic" panose="020B0502020202020204" pitchFamily="34" charset="0"/>
+      <p:regular r:id="rId15"/>
+      <p:bold r:id="rId16"/>
+      <p:italic r:id="rId17"/>
+      <p:boldItalic r:id="rId18"/>
     </p:embeddedFont>
   </p:embeddedFontLst>
   <p:defaultTextStyle>
-    <a:defPPr lvl="0" marR="0" rtl="0" algn="l">
+    <a:defPPr marR="0" lvl="0" algn="l" rtl="0">
       <a:lnSpc>
         <a:spcPct val="100000"/>
       </a:lnSpc>
@@ -44,7 +44,7 @@
         <a:spcPts val="0"/>
       </a:spcAft>
     </a:defPPr>
-    <a:lvl1pPr lvl="0" marR="0" rtl="0" algn="l">
+    <a:lvl1pPr marR="0" lvl="0" algn="l" rtl="0">
       <a:lnSpc>
         <a:spcPct val="100000"/>
       </a:lnSpc>
@@ -58,7 +58,7 @@
         <a:srgbClr val="000000"/>
       </a:buClr>
       <a:buFont typeface="Arial"/>
-      <a:defRPr b="0" i="0" sz="1400" u="none" cap="none" strike="noStrike">
+      <a:defRPr sz="1400" b="0" i="0" u="none" strike="noStrike" cap="none">
         <a:solidFill>
           <a:srgbClr val="000000"/>
         </a:solidFill>
@@ -68,7 +68,7 @@
         <a:sym typeface="Arial"/>
       </a:defRPr>
     </a:lvl1pPr>
-    <a:lvl2pPr lvl="1" marR="0" rtl="0" algn="l">
+    <a:lvl2pPr marR="0" lvl="1" algn="l" rtl="0">
       <a:lnSpc>
         <a:spcPct val="100000"/>
       </a:lnSpc>
@@ -82,7 +82,7 @@
         <a:srgbClr val="000000"/>
       </a:buClr>
       <a:buFont typeface="Arial"/>
-      <a:defRPr b="0" i="0" sz="1400" u="none" cap="none" strike="noStrike">
+      <a:defRPr sz="1400" b="0" i="0" u="none" strike="noStrike" cap="none">
         <a:solidFill>
           <a:srgbClr val="000000"/>
         </a:solidFill>
@@ -92,7 +92,7 @@
         <a:sym typeface="Arial"/>
       </a:defRPr>
     </a:lvl2pPr>
-    <a:lvl3pPr lvl="2" marR="0" rtl="0" algn="l">
+    <a:lvl3pPr marR="0" lvl="2" algn="l" rtl="0">
       <a:lnSpc>
         <a:spcPct val="100000"/>
       </a:lnSpc>
@@ -106,7 +106,7 @@
         <a:srgbClr val="000000"/>
       </a:buClr>
       <a:buFont typeface="Arial"/>
-      <a:defRPr b="0" i="0" sz="1400" u="none" cap="none" strike="noStrike">
+      <a:defRPr sz="1400" b="0" i="0" u="none" strike="noStrike" cap="none">
         <a:solidFill>
           <a:srgbClr val="000000"/>
         </a:solidFill>
@@ -116,7 +116,7 @@
         <a:sym typeface="Arial"/>
       </a:defRPr>
     </a:lvl3pPr>
-    <a:lvl4pPr lvl="3" marR="0" rtl="0" algn="l">
+    <a:lvl4pPr marR="0" lvl="3" algn="l" rtl="0">
       <a:lnSpc>
         <a:spcPct val="100000"/>
       </a:lnSpc>
@@ -130,7 +130,7 @@
         <a:srgbClr val="000000"/>
       </a:buClr>
       <a:buFont typeface="Arial"/>
-      <a:defRPr b="0" i="0" sz="1400" u="none" cap="none" strike="noStrike">
+      <a:defRPr sz="1400" b="0" i="0" u="none" strike="noStrike" cap="none">
         <a:solidFill>
           <a:srgbClr val="000000"/>
         </a:solidFill>
@@ -140,7 +140,7 @@
         <a:sym typeface="Arial"/>
       </a:defRPr>
     </a:lvl4pPr>
-    <a:lvl5pPr lvl="4" marR="0" rtl="0" algn="l">
+    <a:lvl5pPr marR="0" lvl="4" algn="l" rtl="0">
       <a:lnSpc>
         <a:spcPct val="100000"/>
       </a:lnSpc>
@@ -154,7 +154,7 @@
         <a:srgbClr val="000000"/>
       </a:buClr>
       <a:buFont typeface="Arial"/>
-      <a:defRPr b="0" i="0" sz="1400" u="none" cap="none" strike="noStrike">
+      <a:defRPr sz="1400" b="0" i="0" u="none" strike="noStrike" cap="none">
         <a:solidFill>
           <a:srgbClr val="000000"/>
         </a:solidFill>
@@ -164,7 +164,7 @@
         <a:sym typeface="Arial"/>
       </a:defRPr>
     </a:lvl5pPr>
-    <a:lvl6pPr lvl="5" marR="0" rtl="0" algn="l">
+    <a:lvl6pPr marR="0" lvl="5" algn="l" rtl="0">
       <a:lnSpc>
         <a:spcPct val="100000"/>
       </a:lnSpc>
@@ -178,7 +178,7 @@
         <a:srgbClr val="000000"/>
       </a:buClr>
       <a:buFont typeface="Arial"/>
-      <a:defRPr b="0" i="0" sz="1400" u="none" cap="none" strike="noStrike">
+      <a:defRPr sz="1400" b="0" i="0" u="none" strike="noStrike" cap="none">
         <a:solidFill>
           <a:srgbClr val="000000"/>
         </a:solidFill>
@@ -188,7 +188,7 @@
         <a:sym typeface="Arial"/>
       </a:defRPr>
     </a:lvl6pPr>
-    <a:lvl7pPr lvl="6" marR="0" rtl="0" algn="l">
+    <a:lvl7pPr marR="0" lvl="6" algn="l" rtl="0">
       <a:lnSpc>
         <a:spcPct val="100000"/>
       </a:lnSpc>
@@ -202,7 +202,7 @@
         <a:srgbClr val="000000"/>
       </a:buClr>
       <a:buFont typeface="Arial"/>
-      <a:defRPr b="0" i="0" sz="1400" u="none" cap="none" strike="noStrike">
+      <a:defRPr sz="1400" b="0" i="0" u="none" strike="noStrike" cap="none">
         <a:solidFill>
           <a:srgbClr val="000000"/>
         </a:solidFill>
@@ -212,7 +212,7 @@
         <a:sym typeface="Arial"/>
       </a:defRPr>
     </a:lvl7pPr>
-    <a:lvl8pPr lvl="7" marR="0" rtl="0" algn="l">
+    <a:lvl8pPr marR="0" lvl="7" algn="l" rtl="0">
       <a:lnSpc>
         <a:spcPct val="100000"/>
       </a:lnSpc>
@@ -226,7 +226,7 @@
         <a:srgbClr val="000000"/>
       </a:buClr>
       <a:buFont typeface="Arial"/>
-      <a:defRPr b="0" i="0" sz="1400" u="none" cap="none" strike="noStrike">
+      <a:defRPr sz="1400" b="0" i="0" u="none" strike="noStrike" cap="none">
         <a:solidFill>
           <a:srgbClr val="000000"/>
         </a:solidFill>
@@ -236,7 +236,7 @@
         <a:sym typeface="Arial"/>
       </a:defRPr>
     </a:lvl8pPr>
-    <a:lvl9pPr lvl="8" marR="0" rtl="0" algn="l">
+    <a:lvl9pPr marR="0" lvl="8" algn="l" rtl="0">
       <a:lnSpc>
         <a:spcPct val="100000"/>
       </a:lnSpc>
@@ -250,7 +250,7 @@
         <a:srgbClr val="000000"/>
       </a:buClr>
       <a:buFont typeface="Arial"/>
-      <a:defRPr b="0" i="0" sz="1400" u="none" cap="none" strike="noStrike">
+      <a:defRPr sz="1400" b="0" i="0" u="none" strike="noStrike" cap="none">
         <a:solidFill>
           <a:srgbClr val="000000"/>
         </a:solidFill>
@@ -263,7 +263,7 @@
   </p:defaultTextStyle>
   <p:extLst>
     <p:ext uri="{EFAFB233-063F-42B5-8137-9DF3F51BA10A}">
-      <p15:sldGuideLst>
+      <p15:sldGuideLst xmlns:p15="http://schemas.microsoft.com/office/powerpoint/2012/main">
         <p15:guide id="1" orient="horz" pos="1620">
           <p15:clr>
             <a:srgbClr val="A4A3A4"/>
@@ -281,11 +281,16 @@
 </file>
 
 <file path=ppt/notesMasters/notesMaster1.xml><?xml version="1.0" encoding="utf-8"?>
-<p:notesMaster xmlns:a="http://schemas.openxmlformats.org/drawingml/2006/main" xmlns:r="http://schemas.openxmlformats.org/officeDocument/2006/relationships" xmlns:mc="http://schemas.openxmlformats.org/markup-compatibility/2006" xmlns:mv="urn:schemas-microsoft-com:mac:vml" xmlns:p="http://schemas.openxmlformats.org/presentationml/2006/main" xmlns:c="http://schemas.openxmlformats.org/drawingml/2006/chart" xmlns:dgm="http://schemas.openxmlformats.org/drawingml/2006/diagram" xmlns:o="urn:schemas-microsoft-com:office:office" xmlns:v="urn:schemas-microsoft-com:vml" xmlns:pvml="urn:schemas-microsoft-com:office:powerpoint" xmlns:com="http://schemas.openxmlformats.org/drawingml/2006/compatibility" xmlns:p14="http://schemas.microsoft.com/office/powerpoint/2010/main" xmlns:p15="http://schemas.microsoft.com/office/powerpoint/2012/main">
+<p:notesMaster xmlns:a="http://schemas.openxmlformats.org/drawingml/2006/main" xmlns:r="http://schemas.openxmlformats.org/officeDocument/2006/relationships" xmlns:p="http://schemas.openxmlformats.org/presentationml/2006/main">
   <p:cSld>
+    <p:bg>
+      <p:bgRef idx="1001">
+        <a:schemeClr val="bg1"/>
+      </p:bgRef>
+    </p:bg>
     <p:spTree>
       <p:nvGrpSpPr>
-        <p:cNvPr id="2" name="Shape 2"/>
+        <p:cNvPr id="1" name="Shape 2"/>
         <p:cNvGrpSpPr/>
         <p:nvPr/>
       </p:nvGrpSpPr>
@@ -300,9 +305,11 @@
       <p:sp>
         <p:nvSpPr>
           <p:cNvPr id="3" name="Google Shape;3;n"/>
-          <p:cNvSpPr/>
+          <p:cNvSpPr>
+            <a:spLocks noGrp="1" noRot="1" noChangeAspect="1"/>
+          </p:cNvSpPr>
           <p:nvPr>
-            <p:ph idx="2" type="sldImg"/>
+            <p:ph type="sldImg" idx="2"/>
           </p:nvPr>
         </p:nvSpPr>
         <p:spPr>
@@ -311,9 +318,13 @@
             <a:ext cx="6096075" cy="3429000"/>
           </a:xfrm>
           <a:custGeom>
-            <a:rect b="b" l="l" r="r" t="t"/>
+            <a:avLst/>
+            <a:gdLst/>
+            <a:ahLst/>
+            <a:cxnLst/>
+            <a:rect l="l" t="t" r="r" b="b"/>
             <a:pathLst>
-              <a:path extrusionOk="0" h="120000" w="120000">
+              <a:path w="120000" h="120000" extrusionOk="0">
                 <a:moveTo>
                   <a:pt x="0" y="0"/>
                 </a:moveTo>
@@ -331,23 +342,25 @@
             </a:pathLst>
           </a:custGeom>
           <a:noFill/>
-          <a:ln cap="flat" cmpd="sng" w="9525">
+          <a:ln w="9525" cap="flat" cmpd="sng">
             <a:solidFill>
               <a:srgbClr val="000000"/>
             </a:solidFill>
             <a:prstDash val="solid"/>
             <a:round/>
-            <a:headEnd len="sm" w="sm" type="none"/>
-            <a:tailEnd len="sm" w="sm" type="none"/>
+            <a:headEnd type="none" w="sm" len="sm"/>
+            <a:tailEnd type="none" w="sm" len="sm"/>
           </a:ln>
         </p:spPr>
       </p:sp>
       <p:sp>
         <p:nvSpPr>
           <p:cNvPr id="4" name="Google Shape;4;n"/>
-          <p:cNvSpPr txBox="1"/>
+          <p:cNvSpPr txBox="1">
+            <a:spLocks noGrp="1"/>
+          </p:cNvSpPr>
           <p:nvPr>
-            <p:ph idx="1" type="body"/>
+            <p:ph type="body" idx="1"/>
           </p:nvPr>
         </p:nvSpPr>
         <p:spPr>
@@ -364,11 +377,11 @@
           </a:ln>
         </p:spPr>
         <p:txBody>
-          <a:bodyPr anchorCtr="0" anchor="t" bIns="91425" lIns="91425" spcFirstLastPara="1" rIns="91425" wrap="square" tIns="91425">
+          <a:bodyPr spcFirstLastPara="1" wrap="square" lIns="91425" tIns="91425" rIns="91425" bIns="91425" anchor="t" anchorCtr="0">
             <a:noAutofit/>
           </a:bodyPr>
           <a:lstStyle>
-            <a:lvl1pPr indent="-298450" lvl="0" marL="457200">
+            <a:lvl1pPr marL="457200" lvl="0" indent="-298450">
               <a:spcBef>
                 <a:spcPts val="0"/>
               </a:spcBef>
@@ -379,7 +392,7 @@
               <a:buChar char="●"/>
               <a:defRPr sz="1100"/>
             </a:lvl1pPr>
-            <a:lvl2pPr indent="-298450" lvl="1" marL="914400">
+            <a:lvl2pPr marL="914400" lvl="1" indent="-298450">
               <a:spcBef>
                 <a:spcPts val="0"/>
               </a:spcBef>
@@ -390,7 +403,7 @@
               <a:buChar char="○"/>
               <a:defRPr sz="1100"/>
             </a:lvl2pPr>
-            <a:lvl3pPr indent="-298450" lvl="2" marL="1371600">
+            <a:lvl3pPr marL="1371600" lvl="2" indent="-298450">
               <a:spcBef>
                 <a:spcPts val="0"/>
               </a:spcBef>
@@ -401,7 +414,7 @@
               <a:buChar char="■"/>
               <a:defRPr sz="1100"/>
             </a:lvl3pPr>
-            <a:lvl4pPr indent="-298450" lvl="3" marL="1828800">
+            <a:lvl4pPr marL="1828800" lvl="3" indent="-298450">
               <a:spcBef>
                 <a:spcPts val="0"/>
               </a:spcBef>
@@ -412,7 +425,7 @@
               <a:buChar char="●"/>
               <a:defRPr sz="1100"/>
             </a:lvl4pPr>
-            <a:lvl5pPr indent="-298450" lvl="4" marL="2286000">
+            <a:lvl5pPr marL="2286000" lvl="4" indent="-298450">
               <a:spcBef>
                 <a:spcPts val="0"/>
               </a:spcBef>
@@ -423,7 +436,7 @@
               <a:buChar char="○"/>
               <a:defRPr sz="1100"/>
             </a:lvl5pPr>
-            <a:lvl6pPr indent="-298450" lvl="5" marL="2743200">
+            <a:lvl6pPr marL="2743200" lvl="5" indent="-298450">
               <a:spcBef>
                 <a:spcPts val="0"/>
               </a:spcBef>
@@ -434,7 +447,7 @@
               <a:buChar char="■"/>
               <a:defRPr sz="1100"/>
             </a:lvl6pPr>
-            <a:lvl7pPr indent="-298450" lvl="6" marL="3200400">
+            <a:lvl7pPr marL="3200400" lvl="6" indent="-298450">
               <a:spcBef>
                 <a:spcPts val="0"/>
               </a:spcBef>
@@ -445,7 +458,7 @@
               <a:buChar char="●"/>
               <a:defRPr sz="1100"/>
             </a:lvl7pPr>
-            <a:lvl8pPr indent="-298450" lvl="7" marL="3657600">
+            <a:lvl8pPr marL="3657600" lvl="7" indent="-298450">
               <a:spcBef>
                 <a:spcPts val="0"/>
               </a:spcBef>
@@ -456,7 +469,7 @@
               <a:buChar char="○"/>
               <a:defRPr sz="1100"/>
             </a:lvl8pPr>
-            <a:lvl9pPr indent="-298450" lvl="8" marL="4114800">
+            <a:lvl9pPr marL="4114800" lvl="8" indent="-298450">
               <a:spcBef>
                 <a:spcPts val="0"/>
               </a:spcBef>
@@ -468,14 +481,16 @@
               <a:defRPr sz="1100"/>
             </a:lvl9pPr>
           </a:lstStyle>
-          <a:p/>
+          <a:p>
+            <a:endParaRPr/>
+          </a:p>
         </p:txBody>
       </p:sp>
     </p:spTree>
   </p:cSld>
-  <p:clrMap accent1="accent1" accent2="accent2" accent3="accent3" accent4="accent4" accent5="accent5" accent6="accent6" bg1="lt1" bg2="dk2" tx1="dk1" tx2="lt2" folHlink="folHlink" hlink="hlink"/>
+  <p:clrMap bg1="lt1" tx1="dk1" bg2="dk2" tx2="lt2" accent1="accent1" accent2="accent2" accent3="accent3" accent4="accent4" accent5="accent5" accent6="accent6" hlink="hlink" folHlink="folHlink"/>
   <p:notesStyle>
-    <a:defPPr lvl="0" marR="0" rtl="0" algn="l">
+    <a:defPPr marR="0" lvl="0" algn="l" rtl="0">
       <a:lnSpc>
         <a:spcPct val="100000"/>
       </a:lnSpc>
@@ -486,7 +501,7 @@
         <a:spcPts val="0"/>
       </a:spcAft>
     </a:defPPr>
-    <a:lvl1pPr lvl="0" marR="0" rtl="0" algn="l">
+    <a:lvl1pPr marR="0" lvl="0" algn="l" rtl="0">
       <a:lnSpc>
         <a:spcPct val="100000"/>
       </a:lnSpc>
@@ -500,7 +515,7 @@
         <a:srgbClr val="000000"/>
       </a:buClr>
       <a:buFont typeface="Arial"/>
-      <a:defRPr b="0" i="0" sz="1400" u="none" cap="none" strike="noStrike">
+      <a:defRPr sz="1400" b="0" i="0" u="none" strike="noStrike" cap="none">
         <a:solidFill>
           <a:srgbClr val="000000"/>
         </a:solidFill>
@@ -510,7 +525,7 @@
         <a:sym typeface="Arial"/>
       </a:defRPr>
     </a:lvl1pPr>
-    <a:lvl2pPr lvl="1" marR="0" rtl="0" algn="l">
+    <a:lvl2pPr marR="0" lvl="1" algn="l" rtl="0">
       <a:lnSpc>
         <a:spcPct val="100000"/>
       </a:lnSpc>
@@ -524,7 +539,7 @@
         <a:srgbClr val="000000"/>
       </a:buClr>
       <a:buFont typeface="Arial"/>
-      <a:defRPr b="0" i="0" sz="1400" u="none" cap="none" strike="noStrike">
+      <a:defRPr sz="1400" b="0" i="0" u="none" strike="noStrike" cap="none">
         <a:solidFill>
           <a:srgbClr val="000000"/>
         </a:solidFill>
@@ -534,7 +549,7 @@
         <a:sym typeface="Arial"/>
       </a:defRPr>
     </a:lvl2pPr>
-    <a:lvl3pPr lvl="2" marR="0" rtl="0" algn="l">
+    <a:lvl3pPr marR="0" lvl="2" algn="l" rtl="0">
       <a:lnSpc>
         <a:spcPct val="100000"/>
       </a:lnSpc>
@@ -548,7 +563,7 @@
         <a:srgbClr val="000000"/>
       </a:buClr>
       <a:buFont typeface="Arial"/>
-      <a:defRPr b="0" i="0" sz="1400" u="none" cap="none" strike="noStrike">
+      <a:defRPr sz="1400" b="0" i="0" u="none" strike="noStrike" cap="none">
         <a:solidFill>
           <a:srgbClr val="000000"/>
         </a:solidFill>
@@ -558,7 +573,7 @@
         <a:sym typeface="Arial"/>
       </a:defRPr>
     </a:lvl3pPr>
-    <a:lvl4pPr lvl="3" marR="0" rtl="0" algn="l">
+    <a:lvl4pPr marR="0" lvl="3" algn="l" rtl="0">
       <a:lnSpc>
         <a:spcPct val="100000"/>
       </a:lnSpc>
@@ -572,7 +587,7 @@
         <a:srgbClr val="000000"/>
       </a:buClr>
       <a:buFont typeface="Arial"/>
-      <a:defRPr b="0" i="0" sz="1400" u="none" cap="none" strike="noStrike">
+      <a:defRPr sz="1400" b="0" i="0" u="none" strike="noStrike" cap="none">
         <a:solidFill>
           <a:srgbClr val="000000"/>
         </a:solidFill>
@@ -582,7 +597,7 @@
         <a:sym typeface="Arial"/>
       </a:defRPr>
     </a:lvl4pPr>
-    <a:lvl5pPr lvl="4" marR="0" rtl="0" algn="l">
+    <a:lvl5pPr marR="0" lvl="4" algn="l" rtl="0">
       <a:lnSpc>
         <a:spcPct val="100000"/>
       </a:lnSpc>
@@ -596,7 +611,7 @@
         <a:srgbClr val="000000"/>
       </a:buClr>
       <a:buFont typeface="Arial"/>
-      <a:defRPr b="0" i="0" sz="1400" u="none" cap="none" strike="noStrike">
+      <a:defRPr sz="1400" b="0" i="0" u="none" strike="noStrike" cap="none">
         <a:solidFill>
           <a:srgbClr val="000000"/>
         </a:solidFill>
@@ -606,7 +621,7 @@
         <a:sym typeface="Arial"/>
       </a:defRPr>
     </a:lvl5pPr>
-    <a:lvl6pPr lvl="5" marR="0" rtl="0" algn="l">
+    <a:lvl6pPr marR="0" lvl="5" algn="l" rtl="0">
       <a:lnSpc>
         <a:spcPct val="100000"/>
       </a:lnSpc>
@@ -620,7 +635,7 @@
         <a:srgbClr val="000000"/>
       </a:buClr>
       <a:buFont typeface="Arial"/>
-      <a:defRPr b="0" i="0" sz="1400" u="none" cap="none" strike="noStrike">
+      <a:defRPr sz="1400" b="0" i="0" u="none" strike="noStrike" cap="none">
         <a:solidFill>
           <a:srgbClr val="000000"/>
         </a:solidFill>
@@ -630,7 +645,7 @@
         <a:sym typeface="Arial"/>
       </a:defRPr>
     </a:lvl6pPr>
-    <a:lvl7pPr lvl="6" marR="0" rtl="0" algn="l">
+    <a:lvl7pPr marR="0" lvl="6" algn="l" rtl="0">
       <a:lnSpc>
         <a:spcPct val="100000"/>
       </a:lnSpc>
@@ -644,7 +659,7 @@
         <a:srgbClr val="000000"/>
       </a:buClr>
       <a:buFont typeface="Arial"/>
-      <a:defRPr b="0" i="0" sz="1400" u="none" cap="none" strike="noStrike">
+      <a:defRPr sz="1400" b="0" i="0" u="none" strike="noStrike" cap="none">
         <a:solidFill>
           <a:srgbClr val="000000"/>
         </a:solidFill>
@@ -654,7 +669,7 @@
         <a:sym typeface="Arial"/>
       </a:defRPr>
     </a:lvl7pPr>
-    <a:lvl8pPr lvl="7" marR="0" rtl="0" algn="l">
+    <a:lvl8pPr marR="0" lvl="7" algn="l" rtl="0">
       <a:lnSpc>
         <a:spcPct val="100000"/>
       </a:lnSpc>
@@ -668,7 +683,7 @@
         <a:srgbClr val="000000"/>
       </a:buClr>
       <a:buFont typeface="Arial"/>
-      <a:defRPr b="0" i="0" sz="1400" u="none" cap="none" strike="noStrike">
+      <a:defRPr sz="1400" b="0" i="0" u="none" strike="noStrike" cap="none">
         <a:solidFill>
           <a:srgbClr val="000000"/>
         </a:solidFill>
@@ -678,7 +693,7 @@
         <a:sym typeface="Arial"/>
       </a:defRPr>
     </a:lvl8pPr>
-    <a:lvl9pPr lvl="8" marR="0" rtl="0" algn="l">
+    <a:lvl9pPr marR="0" lvl="8" algn="l" rtl="0">
       <a:lnSpc>
         <a:spcPct val="100000"/>
       </a:lnSpc>
@@ -692,7 +707,7 @@
         <a:srgbClr val="000000"/>
       </a:buClr>
       <a:buFont typeface="Arial"/>
-      <a:defRPr b="0" i="0" sz="1400" u="none" cap="none" strike="noStrike">
+      <a:defRPr sz="1400" b="0" i="0" u="none" strike="noStrike" cap="none">
         <a:solidFill>
           <a:srgbClr val="000000"/>
         </a:solidFill>
@@ -707,11 +722,11 @@
 </file>
 
 <file path=ppt/notesSlides/notesSlide1.xml><?xml version="1.0" encoding="utf-8"?>
-<p:notes xmlns:a="http://schemas.openxmlformats.org/drawingml/2006/main" xmlns:r="http://schemas.openxmlformats.org/officeDocument/2006/relationships" xmlns:mc="http://schemas.openxmlformats.org/markup-compatibility/2006" xmlns:mv="urn:schemas-microsoft-com:mac:vml" xmlns:p="http://schemas.openxmlformats.org/presentationml/2006/main" xmlns:c="http://schemas.openxmlformats.org/drawingml/2006/chart" xmlns:dgm="http://schemas.openxmlformats.org/drawingml/2006/diagram" xmlns:o="urn:schemas-microsoft-com:office:office" xmlns:v="urn:schemas-microsoft-com:vml" xmlns:pvml="urn:schemas-microsoft-com:office:powerpoint" xmlns:com="http://schemas.openxmlformats.org/drawingml/2006/compatibility" xmlns:p14="http://schemas.microsoft.com/office/powerpoint/2010/main" xmlns:p15="http://schemas.microsoft.com/office/powerpoint/2012/main" showMasterPhAnim="0" showMasterSp="0">
+<p:notes xmlns:a="http://schemas.openxmlformats.org/drawingml/2006/main" xmlns:r="http://schemas.openxmlformats.org/officeDocument/2006/relationships" xmlns:p="http://schemas.openxmlformats.org/presentationml/2006/main" showMasterSp="0" showMasterPhAnim="0">
   <p:cSld>
     <p:spTree>
       <p:nvGrpSpPr>
-        <p:cNvPr id="50" name="Shape 50"/>
+        <p:cNvPr id="1" name="Shape 50"/>
         <p:cNvGrpSpPr/>
         <p:nvPr/>
       </p:nvGrpSpPr>
@@ -726,9 +741,11 @@
       <p:sp>
         <p:nvSpPr>
           <p:cNvPr id="51" name="Google Shape;51;p:notes"/>
-          <p:cNvSpPr/>
+          <p:cNvSpPr>
+            <a:spLocks noGrp="1" noRot="1" noChangeAspect="1"/>
+          </p:cNvSpPr>
           <p:nvPr>
-            <p:ph idx="2" type="sldImg"/>
+            <p:ph type="sldImg" idx="2"/>
           </p:nvPr>
         </p:nvSpPr>
         <p:spPr>
@@ -737,9 +754,13 @@
             <a:ext cx="6096000" cy="3429000"/>
           </a:xfrm>
           <a:custGeom>
-            <a:rect b="b" l="l" r="r" t="t"/>
+            <a:avLst/>
+            <a:gdLst/>
+            <a:ahLst/>
+            <a:cxnLst/>
+            <a:rect l="l" t="t" r="r" b="b"/>
             <a:pathLst>
-              <a:path extrusionOk="0" h="120000" w="120000">
+              <a:path w="120000" h="120000" extrusionOk="0">
                 <a:moveTo>
                   <a:pt x="0" y="0"/>
                 </a:moveTo>
@@ -761,9 +782,11 @@
       <p:sp>
         <p:nvSpPr>
           <p:cNvPr id="52" name="Google Shape;52;p:notes"/>
-          <p:cNvSpPr txBox="1"/>
+          <p:cNvSpPr txBox="1">
+            <a:spLocks noGrp="1"/>
+          </p:cNvSpPr>
           <p:nvPr>
-            <p:ph idx="1" type="body"/>
+            <p:ph type="body" idx="1"/>
           </p:nvPr>
         </p:nvSpPr>
         <p:spPr>
@@ -776,12 +799,12 @@
           </a:prstGeom>
         </p:spPr>
         <p:txBody>
-          <a:bodyPr anchorCtr="0" anchor="t" bIns="91425" lIns="91425" spcFirstLastPara="1" rIns="91425" wrap="square" tIns="91425">
+          <a:bodyPr spcFirstLastPara="1" wrap="square" lIns="91425" tIns="91425" rIns="91425" bIns="91425" anchor="t" anchorCtr="0">
             <a:noAutofit/>
           </a:bodyPr>
           <a:lstStyle/>
           <a:p>
-            <a:pPr indent="0" lvl="0" marL="0" rtl="0" algn="l">
+            <a:pPr marL="0" lvl="0" indent="0" algn="l" rtl="0">
               <a:spcBef>
                 <a:spcPts val="0"/>
               </a:spcBef>
@@ -790,9 +813,6 @@
               </a:spcAft>
               <a:buNone/>
             </a:pPr>
-            <a:r>
-              <a:t/>
-            </a:r>
             <a:endParaRPr/>
           </a:p>
         </p:txBody>
@@ -806,11 +826,11 @@
 </file>
 
 <file path=ppt/notesSlides/notesSlide10.xml><?xml version="1.0" encoding="utf-8"?>
-<p:notes xmlns:a="http://schemas.openxmlformats.org/drawingml/2006/main" xmlns:r="http://schemas.openxmlformats.org/officeDocument/2006/relationships" xmlns:mc="http://schemas.openxmlformats.org/markup-compatibility/2006" xmlns:mv="urn:schemas-microsoft-com:mac:vml" xmlns:p="http://schemas.openxmlformats.org/presentationml/2006/main" xmlns:c="http://schemas.openxmlformats.org/drawingml/2006/chart" xmlns:dgm="http://schemas.openxmlformats.org/drawingml/2006/diagram" xmlns:o="urn:schemas-microsoft-com:office:office" xmlns:v="urn:schemas-microsoft-com:vml" xmlns:pvml="urn:schemas-microsoft-com:office:powerpoint" xmlns:com="http://schemas.openxmlformats.org/drawingml/2006/compatibility" xmlns:p14="http://schemas.microsoft.com/office/powerpoint/2010/main" xmlns:p15="http://schemas.microsoft.com/office/powerpoint/2012/main" showMasterPhAnim="0" showMasterSp="0">
+<p:notes xmlns:a="http://schemas.openxmlformats.org/drawingml/2006/main" xmlns:r="http://schemas.openxmlformats.org/officeDocument/2006/relationships" xmlns:p="http://schemas.openxmlformats.org/presentationml/2006/main" showMasterSp="0" showMasterPhAnim="0">
   <p:cSld>
     <p:spTree>
       <p:nvGrpSpPr>
-        <p:cNvPr id="109" name="Shape 109"/>
+        <p:cNvPr id="1" name="Shape 109"/>
         <p:cNvGrpSpPr/>
         <p:nvPr/>
       </p:nvGrpSpPr>
@@ -825,9 +845,11 @@
       <p:sp>
         <p:nvSpPr>
           <p:cNvPr id="110" name="Google Shape;110;g5d3a046df2_0_16:notes"/>
-          <p:cNvSpPr/>
+          <p:cNvSpPr>
+            <a:spLocks noGrp="1" noRot="1" noChangeAspect="1"/>
+          </p:cNvSpPr>
           <p:nvPr>
-            <p:ph idx="2" type="sldImg"/>
+            <p:ph type="sldImg" idx="2"/>
           </p:nvPr>
         </p:nvSpPr>
         <p:spPr>
@@ -836,9 +858,13 @@
             <a:ext cx="6096000" cy="3429000"/>
           </a:xfrm>
           <a:custGeom>
-            <a:rect b="b" l="l" r="r" t="t"/>
+            <a:avLst/>
+            <a:gdLst/>
+            <a:ahLst/>
+            <a:cxnLst/>
+            <a:rect l="l" t="t" r="r" b="b"/>
             <a:pathLst>
-              <a:path extrusionOk="0" h="120000" w="120000">
+              <a:path w="120000" h="120000" extrusionOk="0">
                 <a:moveTo>
                   <a:pt x="0" y="0"/>
                 </a:moveTo>
@@ -860,9 +886,11 @@
       <p:sp>
         <p:nvSpPr>
           <p:cNvPr id="111" name="Google Shape;111;g5d3a046df2_0_16:notes"/>
-          <p:cNvSpPr txBox="1"/>
+          <p:cNvSpPr txBox="1">
+            <a:spLocks noGrp="1"/>
+          </p:cNvSpPr>
           <p:nvPr>
-            <p:ph idx="1" type="body"/>
+            <p:ph type="body" idx="1"/>
           </p:nvPr>
         </p:nvSpPr>
         <p:spPr>
@@ -875,12 +903,12 @@
           </a:prstGeom>
         </p:spPr>
         <p:txBody>
-          <a:bodyPr anchorCtr="0" anchor="t" bIns="91425" lIns="91425" spcFirstLastPara="1" rIns="91425" wrap="square" tIns="91425">
+          <a:bodyPr spcFirstLastPara="1" wrap="square" lIns="91425" tIns="91425" rIns="91425" bIns="91425" anchor="t" anchorCtr="0">
             <a:noAutofit/>
           </a:bodyPr>
           <a:lstStyle/>
           <a:p>
-            <a:pPr indent="0" lvl="0" marL="0" rtl="0" algn="l">
+            <a:pPr marL="0" lvl="0" indent="0" algn="l" rtl="0">
               <a:spcBef>
                 <a:spcPts val="0"/>
               </a:spcBef>
@@ -889,9 +917,6 @@
               </a:spcAft>
               <a:buNone/>
             </a:pPr>
-            <a:r>
-              <a:t/>
-            </a:r>
             <a:endParaRPr/>
           </a:p>
         </p:txBody>
@@ -905,11 +930,11 @@
 </file>
 
 <file path=ppt/notesSlides/notesSlide11.xml><?xml version="1.0" encoding="utf-8"?>
-<p:notes xmlns:a="http://schemas.openxmlformats.org/drawingml/2006/main" xmlns:r="http://schemas.openxmlformats.org/officeDocument/2006/relationships" xmlns:mc="http://schemas.openxmlformats.org/markup-compatibility/2006" xmlns:mv="urn:schemas-microsoft-com:mac:vml" xmlns:p="http://schemas.openxmlformats.org/presentationml/2006/main" xmlns:c="http://schemas.openxmlformats.org/drawingml/2006/chart" xmlns:dgm="http://schemas.openxmlformats.org/drawingml/2006/diagram" xmlns:o="urn:schemas-microsoft-com:office:office" xmlns:v="urn:schemas-microsoft-com:vml" xmlns:pvml="urn:schemas-microsoft-com:office:powerpoint" xmlns:com="http://schemas.openxmlformats.org/drawingml/2006/compatibility" xmlns:p14="http://schemas.microsoft.com/office/powerpoint/2010/main" xmlns:p15="http://schemas.microsoft.com/office/powerpoint/2012/main" showMasterPhAnim="0" showMasterSp="0">
+<p:notes xmlns:a="http://schemas.openxmlformats.org/drawingml/2006/main" xmlns:r="http://schemas.openxmlformats.org/officeDocument/2006/relationships" xmlns:p="http://schemas.openxmlformats.org/presentationml/2006/main" showMasterSp="0" showMasterPhAnim="0">
   <p:cSld>
     <p:spTree>
       <p:nvGrpSpPr>
-        <p:cNvPr id="117" name="Shape 117"/>
+        <p:cNvPr id="1" name="Shape 117"/>
         <p:cNvGrpSpPr/>
         <p:nvPr/>
       </p:nvGrpSpPr>
@@ -924,9 +949,11 @@
       <p:sp>
         <p:nvSpPr>
           <p:cNvPr id="118" name="Google Shape;118;g5d3a046df2_0_127:notes"/>
-          <p:cNvSpPr/>
+          <p:cNvSpPr>
+            <a:spLocks noGrp="1" noRot="1" noChangeAspect="1"/>
+          </p:cNvSpPr>
           <p:nvPr>
-            <p:ph idx="2" type="sldImg"/>
+            <p:ph type="sldImg" idx="2"/>
           </p:nvPr>
         </p:nvSpPr>
         <p:spPr>
@@ -935,9 +962,13 @@
             <a:ext cx="6096000" cy="3429000"/>
           </a:xfrm>
           <a:custGeom>
-            <a:rect b="b" l="l" r="r" t="t"/>
+            <a:avLst/>
+            <a:gdLst/>
+            <a:ahLst/>
+            <a:cxnLst/>
+            <a:rect l="l" t="t" r="r" b="b"/>
             <a:pathLst>
-              <a:path extrusionOk="0" h="120000" w="120000">
+              <a:path w="120000" h="120000" extrusionOk="0">
                 <a:moveTo>
                   <a:pt x="0" y="0"/>
                 </a:moveTo>
@@ -959,9 +990,11 @@
       <p:sp>
         <p:nvSpPr>
           <p:cNvPr id="119" name="Google Shape;119;g5d3a046df2_0_127:notes"/>
-          <p:cNvSpPr txBox="1"/>
+          <p:cNvSpPr txBox="1">
+            <a:spLocks noGrp="1"/>
+          </p:cNvSpPr>
           <p:nvPr>
-            <p:ph idx="1" type="body"/>
+            <p:ph type="body" idx="1"/>
           </p:nvPr>
         </p:nvSpPr>
         <p:spPr>
@@ -974,12 +1007,12 @@
           </a:prstGeom>
         </p:spPr>
         <p:txBody>
-          <a:bodyPr anchorCtr="0" anchor="t" bIns="91425" lIns="91425" spcFirstLastPara="1" rIns="91425" wrap="square" tIns="91425">
+          <a:bodyPr spcFirstLastPara="1" wrap="square" lIns="91425" tIns="91425" rIns="91425" bIns="91425" anchor="t" anchorCtr="0">
             <a:noAutofit/>
           </a:bodyPr>
           <a:lstStyle/>
           <a:p>
-            <a:pPr indent="0" lvl="0" marL="0" rtl="0" algn="l">
+            <a:pPr marL="0" lvl="0" indent="0" algn="l" rtl="0">
               <a:spcBef>
                 <a:spcPts val="0"/>
               </a:spcBef>
@@ -988,9 +1021,6 @@
               </a:spcAft>
               <a:buNone/>
             </a:pPr>
-            <a:r>
-              <a:t/>
-            </a:r>
             <a:endParaRPr/>
           </a:p>
         </p:txBody>
@@ -1004,11 +1034,11 @@
 </file>
 
 <file path=ppt/notesSlides/notesSlide12.xml><?xml version="1.0" encoding="utf-8"?>
-<p:notes xmlns:a="http://schemas.openxmlformats.org/drawingml/2006/main" xmlns:r="http://schemas.openxmlformats.org/officeDocument/2006/relationships" xmlns:mc="http://schemas.openxmlformats.org/markup-compatibility/2006" xmlns:mv="urn:schemas-microsoft-com:mac:vml" xmlns:p="http://schemas.openxmlformats.org/presentationml/2006/main" xmlns:c="http://schemas.openxmlformats.org/drawingml/2006/chart" xmlns:dgm="http://schemas.openxmlformats.org/drawingml/2006/diagram" xmlns:o="urn:schemas-microsoft-com:office:office" xmlns:v="urn:schemas-microsoft-com:vml" xmlns:pvml="urn:schemas-microsoft-com:office:powerpoint" xmlns:com="http://schemas.openxmlformats.org/drawingml/2006/compatibility" xmlns:p14="http://schemas.microsoft.com/office/powerpoint/2010/main" xmlns:p15="http://schemas.microsoft.com/office/powerpoint/2012/main" showMasterPhAnim="0" showMasterSp="0">
+<p:notes xmlns:a="http://schemas.openxmlformats.org/drawingml/2006/main" xmlns:r="http://schemas.openxmlformats.org/officeDocument/2006/relationships" xmlns:p="http://schemas.openxmlformats.org/presentationml/2006/main" showMasterSp="0" showMasterPhAnim="0">
   <p:cSld>
     <p:spTree>
       <p:nvGrpSpPr>
-        <p:cNvPr id="125" name="Shape 125"/>
+        <p:cNvPr id="1" name="Shape 125"/>
         <p:cNvGrpSpPr/>
         <p:nvPr/>
       </p:nvGrpSpPr>
@@ -1023,9 +1053,11 @@
       <p:sp>
         <p:nvSpPr>
           <p:cNvPr id="126" name="Google Shape;126;g5d3a046df2_0_157:notes"/>
-          <p:cNvSpPr/>
+          <p:cNvSpPr>
+            <a:spLocks noGrp="1" noRot="1" noChangeAspect="1"/>
+          </p:cNvSpPr>
           <p:nvPr>
-            <p:ph idx="2" type="sldImg"/>
+            <p:ph type="sldImg" idx="2"/>
           </p:nvPr>
         </p:nvSpPr>
         <p:spPr>
@@ -1034,9 +1066,13 @@
             <a:ext cx="6096000" cy="3429000"/>
           </a:xfrm>
           <a:custGeom>
-            <a:rect b="b" l="l" r="r" t="t"/>
+            <a:avLst/>
+            <a:gdLst/>
+            <a:ahLst/>
+            <a:cxnLst/>
+            <a:rect l="l" t="t" r="r" b="b"/>
             <a:pathLst>
-              <a:path extrusionOk="0" h="120000" w="120000">
+              <a:path w="120000" h="120000" extrusionOk="0">
                 <a:moveTo>
                   <a:pt x="0" y="0"/>
                 </a:moveTo>
@@ -1058,9 +1094,11 @@
       <p:sp>
         <p:nvSpPr>
           <p:cNvPr id="127" name="Google Shape;127;g5d3a046df2_0_157:notes"/>
-          <p:cNvSpPr txBox="1"/>
+          <p:cNvSpPr txBox="1">
+            <a:spLocks noGrp="1"/>
+          </p:cNvSpPr>
           <p:nvPr>
-            <p:ph idx="1" type="body"/>
+            <p:ph type="body" idx="1"/>
           </p:nvPr>
         </p:nvSpPr>
         <p:spPr>
@@ -1073,12 +1111,12 @@
           </a:prstGeom>
         </p:spPr>
         <p:txBody>
-          <a:bodyPr anchorCtr="0" anchor="t" bIns="91425" lIns="91425" spcFirstLastPara="1" rIns="91425" wrap="square" tIns="91425">
+          <a:bodyPr spcFirstLastPara="1" wrap="square" lIns="91425" tIns="91425" rIns="91425" bIns="91425" anchor="t" anchorCtr="0">
             <a:noAutofit/>
           </a:bodyPr>
           <a:lstStyle/>
           <a:p>
-            <a:pPr indent="0" lvl="0" marL="0" rtl="0" algn="l">
+            <a:pPr marL="0" lvl="0" indent="0" algn="l" rtl="0">
               <a:spcBef>
                 <a:spcPts val="0"/>
               </a:spcBef>
@@ -1087,9 +1125,6 @@
               </a:spcAft>
               <a:buNone/>
             </a:pPr>
-            <a:r>
-              <a:t/>
-            </a:r>
             <a:endParaRPr/>
           </a:p>
         </p:txBody>
@@ -1103,11 +1138,11 @@
 </file>
 
 <file path=ppt/notesSlides/notesSlide2.xml><?xml version="1.0" encoding="utf-8"?>
-<p:notes xmlns:a="http://schemas.openxmlformats.org/drawingml/2006/main" xmlns:r="http://schemas.openxmlformats.org/officeDocument/2006/relationships" xmlns:mc="http://schemas.openxmlformats.org/markup-compatibility/2006" xmlns:mv="urn:schemas-microsoft-com:mac:vml" xmlns:p="http://schemas.openxmlformats.org/presentationml/2006/main" xmlns:c="http://schemas.openxmlformats.org/drawingml/2006/chart" xmlns:dgm="http://schemas.openxmlformats.org/drawingml/2006/diagram" xmlns:o="urn:schemas-microsoft-com:office:office" xmlns:v="urn:schemas-microsoft-com:vml" xmlns:pvml="urn:schemas-microsoft-com:office:powerpoint" xmlns:com="http://schemas.openxmlformats.org/drawingml/2006/compatibility" xmlns:p14="http://schemas.microsoft.com/office/powerpoint/2010/main" xmlns:p15="http://schemas.microsoft.com/office/powerpoint/2012/main" showMasterPhAnim="0" showMasterSp="0">
+<p:notes xmlns:a="http://schemas.openxmlformats.org/drawingml/2006/main" xmlns:r="http://schemas.openxmlformats.org/officeDocument/2006/relationships" xmlns:p="http://schemas.openxmlformats.org/presentationml/2006/main" showMasterSp="0" showMasterPhAnim="0">
   <p:cSld>
     <p:spTree>
       <p:nvGrpSpPr>
-        <p:cNvPr id="60" name="Shape 60"/>
+        <p:cNvPr id="1" name="Shape 60"/>
         <p:cNvGrpSpPr/>
         <p:nvPr/>
       </p:nvGrpSpPr>
@@ -1122,9 +1157,11 @@
       <p:sp>
         <p:nvSpPr>
           <p:cNvPr id="61" name="Google Shape;61;g5d3a046df2_0_42:notes"/>
-          <p:cNvSpPr/>
+          <p:cNvSpPr>
+            <a:spLocks noGrp="1" noRot="1" noChangeAspect="1"/>
+          </p:cNvSpPr>
           <p:nvPr>
-            <p:ph idx="2" type="sldImg"/>
+            <p:ph type="sldImg" idx="2"/>
           </p:nvPr>
         </p:nvSpPr>
         <p:spPr>
@@ -1133,9 +1170,13 @@
             <a:ext cx="6096000" cy="3429000"/>
           </a:xfrm>
           <a:custGeom>
-            <a:rect b="b" l="l" r="r" t="t"/>
+            <a:avLst/>
+            <a:gdLst/>
+            <a:ahLst/>
+            <a:cxnLst/>
+            <a:rect l="l" t="t" r="r" b="b"/>
             <a:pathLst>
-              <a:path extrusionOk="0" h="120000" w="120000">
+              <a:path w="120000" h="120000" extrusionOk="0">
                 <a:moveTo>
                   <a:pt x="0" y="0"/>
                 </a:moveTo>
@@ -1157,9 +1198,11 @@
       <p:sp>
         <p:nvSpPr>
           <p:cNvPr id="62" name="Google Shape;62;g5d3a046df2_0_42:notes"/>
-          <p:cNvSpPr txBox="1"/>
+          <p:cNvSpPr txBox="1">
+            <a:spLocks noGrp="1"/>
+          </p:cNvSpPr>
           <p:nvPr>
-            <p:ph idx="1" type="body"/>
+            <p:ph type="body" idx="1"/>
           </p:nvPr>
         </p:nvSpPr>
         <p:spPr>
@@ -1172,12 +1215,12 @@
           </a:prstGeom>
         </p:spPr>
         <p:txBody>
-          <a:bodyPr anchorCtr="0" anchor="t" bIns="91425" lIns="91425" spcFirstLastPara="1" rIns="91425" wrap="square" tIns="91425">
+          <a:bodyPr spcFirstLastPara="1" wrap="square" lIns="91425" tIns="91425" rIns="91425" bIns="91425" anchor="t" anchorCtr="0">
             <a:noAutofit/>
           </a:bodyPr>
           <a:lstStyle/>
           <a:p>
-            <a:pPr indent="0" lvl="0" marL="0" rtl="0" algn="l">
+            <a:pPr marL="0" lvl="0" indent="0" algn="l" rtl="0">
               <a:spcBef>
                 <a:spcPts val="0"/>
               </a:spcBef>
@@ -1186,9 +1229,6 @@
               </a:spcAft>
               <a:buNone/>
             </a:pPr>
-            <a:r>
-              <a:t/>
-            </a:r>
             <a:endParaRPr/>
           </a:p>
         </p:txBody>
@@ -1202,11 +1242,11 @@
 </file>
 
 <file path=ppt/notesSlides/notesSlide3.xml><?xml version="1.0" encoding="utf-8"?>
-<p:notes xmlns:a="http://schemas.openxmlformats.org/drawingml/2006/main" xmlns:r="http://schemas.openxmlformats.org/officeDocument/2006/relationships" xmlns:mc="http://schemas.openxmlformats.org/markup-compatibility/2006" xmlns:mv="urn:schemas-microsoft-com:mac:vml" xmlns:p="http://schemas.openxmlformats.org/presentationml/2006/main" xmlns:c="http://schemas.openxmlformats.org/drawingml/2006/chart" xmlns:dgm="http://schemas.openxmlformats.org/drawingml/2006/diagram" xmlns:o="urn:schemas-microsoft-com:office:office" xmlns:v="urn:schemas-microsoft-com:vml" xmlns:pvml="urn:schemas-microsoft-com:office:powerpoint" xmlns:com="http://schemas.openxmlformats.org/drawingml/2006/compatibility" xmlns:p14="http://schemas.microsoft.com/office/powerpoint/2010/main" xmlns:p15="http://schemas.microsoft.com/office/powerpoint/2012/main" showMasterPhAnim="0" showMasterSp="0">
+<p:notes xmlns:a="http://schemas.openxmlformats.org/drawingml/2006/main" xmlns:r="http://schemas.openxmlformats.org/officeDocument/2006/relationships" xmlns:p="http://schemas.openxmlformats.org/presentationml/2006/main" showMasterSp="0" showMasterPhAnim="0">
   <p:cSld>
     <p:spTree>
       <p:nvGrpSpPr>
-        <p:cNvPr id="67" name="Shape 67"/>
+        <p:cNvPr id="1" name="Shape 67"/>
         <p:cNvGrpSpPr/>
         <p:nvPr/>
       </p:nvGrpSpPr>
@@ -1221,20 +1261,26 @@
       <p:sp>
         <p:nvSpPr>
           <p:cNvPr id="68" name="Google Shape;68;g5d3a046df2_0_149:notes"/>
-          <p:cNvSpPr/>
+          <p:cNvSpPr>
+            <a:spLocks noGrp="1" noRot="1" noChangeAspect="1"/>
+          </p:cNvSpPr>
           <p:nvPr>
-            <p:ph idx="2" type="sldImg"/>
+            <p:ph type="sldImg" idx="2"/>
           </p:nvPr>
         </p:nvSpPr>
         <p:spPr>
           <a:xfrm>
-            <a:off x="381300" y="685800"/>
+            <a:off x="381000" y="685800"/>
             <a:ext cx="6096000" cy="3429000"/>
           </a:xfrm>
           <a:custGeom>
-            <a:rect b="b" l="l" r="r" t="t"/>
+            <a:avLst/>
+            <a:gdLst/>
+            <a:ahLst/>
+            <a:cxnLst/>
+            <a:rect l="l" t="t" r="r" b="b"/>
             <a:pathLst>
-              <a:path extrusionOk="0" h="120000" w="120000">
+              <a:path w="120000" h="120000" extrusionOk="0">
                 <a:moveTo>
                   <a:pt x="0" y="0"/>
                 </a:moveTo>
@@ -1256,9 +1302,11 @@
       <p:sp>
         <p:nvSpPr>
           <p:cNvPr id="69" name="Google Shape;69;g5d3a046df2_0_149:notes"/>
-          <p:cNvSpPr txBox="1"/>
+          <p:cNvSpPr txBox="1">
+            <a:spLocks noGrp="1"/>
+          </p:cNvSpPr>
           <p:nvPr>
-            <p:ph idx="1" type="body"/>
+            <p:ph type="body" idx="1"/>
           </p:nvPr>
         </p:nvSpPr>
         <p:spPr>
@@ -1271,12 +1319,12 @@
           </a:prstGeom>
         </p:spPr>
         <p:txBody>
-          <a:bodyPr anchorCtr="0" anchor="t" bIns="91425" lIns="91425" spcFirstLastPara="1" rIns="91425" wrap="square" tIns="91425">
+          <a:bodyPr spcFirstLastPara="1" wrap="square" lIns="91425" tIns="91425" rIns="91425" bIns="91425" anchor="t" anchorCtr="0">
             <a:noAutofit/>
           </a:bodyPr>
           <a:lstStyle/>
           <a:p>
-            <a:pPr indent="0" lvl="0" marL="0" rtl="0" algn="l">
+            <a:pPr marL="0" lvl="0" indent="0" algn="l" rtl="0">
               <a:spcBef>
                 <a:spcPts val="0"/>
               </a:spcBef>
@@ -1285,9 +1333,6 @@
               </a:spcAft>
               <a:buNone/>
             </a:pPr>
-            <a:r>
-              <a:t/>
-            </a:r>
             <a:endParaRPr/>
           </a:p>
         </p:txBody>
@@ -1301,11 +1346,11 @@
 </file>
 
 <file path=ppt/notesSlides/notesSlide4.xml><?xml version="1.0" encoding="utf-8"?>
-<p:notes xmlns:a="http://schemas.openxmlformats.org/drawingml/2006/main" xmlns:r="http://schemas.openxmlformats.org/officeDocument/2006/relationships" xmlns:mc="http://schemas.openxmlformats.org/markup-compatibility/2006" xmlns:mv="urn:schemas-microsoft-com:mac:vml" xmlns:p="http://schemas.openxmlformats.org/presentationml/2006/main" xmlns:c="http://schemas.openxmlformats.org/drawingml/2006/chart" xmlns:dgm="http://schemas.openxmlformats.org/drawingml/2006/diagram" xmlns:o="urn:schemas-microsoft-com:office:office" xmlns:v="urn:schemas-microsoft-com:vml" xmlns:pvml="urn:schemas-microsoft-com:office:powerpoint" xmlns:com="http://schemas.openxmlformats.org/drawingml/2006/compatibility" xmlns:p14="http://schemas.microsoft.com/office/powerpoint/2010/main" xmlns:p15="http://schemas.microsoft.com/office/powerpoint/2012/main" showMasterPhAnim="0" showMasterSp="0">
+<p:notes xmlns:a="http://schemas.openxmlformats.org/drawingml/2006/main" xmlns:r="http://schemas.openxmlformats.org/officeDocument/2006/relationships" xmlns:p="http://schemas.openxmlformats.org/presentationml/2006/main" showMasterSp="0" showMasterPhAnim="0">
   <p:cSld>
     <p:spTree>
       <p:nvGrpSpPr>
-        <p:cNvPr id="73" name="Shape 73"/>
+        <p:cNvPr id="1" name="Shape 73"/>
         <p:cNvGrpSpPr/>
         <p:nvPr/>
       </p:nvGrpSpPr>
@@ -1320,9 +1365,11 @@
       <p:sp>
         <p:nvSpPr>
           <p:cNvPr id="74" name="Google Shape;74;g5d3a046df2_0_90:notes"/>
-          <p:cNvSpPr/>
+          <p:cNvSpPr>
+            <a:spLocks noGrp="1" noRot="1" noChangeAspect="1"/>
+          </p:cNvSpPr>
           <p:nvPr>
-            <p:ph idx="2" type="sldImg"/>
+            <p:ph type="sldImg" idx="2"/>
           </p:nvPr>
         </p:nvSpPr>
         <p:spPr>
@@ -1331,9 +1378,13 @@
             <a:ext cx="6096000" cy="3429000"/>
           </a:xfrm>
           <a:custGeom>
-            <a:rect b="b" l="l" r="r" t="t"/>
+            <a:avLst/>
+            <a:gdLst/>
+            <a:ahLst/>
+            <a:cxnLst/>
+            <a:rect l="l" t="t" r="r" b="b"/>
             <a:pathLst>
-              <a:path extrusionOk="0" h="120000" w="120000">
+              <a:path w="120000" h="120000" extrusionOk="0">
                 <a:moveTo>
                   <a:pt x="0" y="0"/>
                 </a:moveTo>
@@ -1355,9 +1406,11 @@
       <p:sp>
         <p:nvSpPr>
           <p:cNvPr id="75" name="Google Shape;75;g5d3a046df2_0_90:notes"/>
-          <p:cNvSpPr txBox="1"/>
+          <p:cNvSpPr txBox="1">
+            <a:spLocks noGrp="1"/>
+          </p:cNvSpPr>
           <p:nvPr>
-            <p:ph idx="1" type="body"/>
+            <p:ph type="body" idx="1"/>
           </p:nvPr>
         </p:nvSpPr>
         <p:spPr>
@@ -1370,12 +1423,12 @@
           </a:prstGeom>
         </p:spPr>
         <p:txBody>
-          <a:bodyPr anchorCtr="0" anchor="t" bIns="91425" lIns="91425" spcFirstLastPara="1" rIns="91425" wrap="square" tIns="91425">
+          <a:bodyPr spcFirstLastPara="1" wrap="square" lIns="91425" tIns="91425" rIns="91425" bIns="91425" anchor="t" anchorCtr="0">
             <a:noAutofit/>
           </a:bodyPr>
           <a:lstStyle/>
           <a:p>
-            <a:pPr indent="0" lvl="0" marL="0" rtl="0" algn="l">
+            <a:pPr marL="0" lvl="0" indent="0" algn="l" rtl="0">
               <a:spcBef>
                 <a:spcPts val="0"/>
               </a:spcBef>
@@ -1384,9 +1437,6 @@
               </a:spcAft>
               <a:buNone/>
             </a:pPr>
-            <a:r>
-              <a:t/>
-            </a:r>
             <a:endParaRPr/>
           </a:p>
         </p:txBody>
@@ -1400,11 +1450,11 @@
 </file>
 
 <file path=ppt/notesSlides/notesSlide5.xml><?xml version="1.0" encoding="utf-8"?>
-<p:notes xmlns:a="http://schemas.openxmlformats.org/drawingml/2006/main" xmlns:r="http://schemas.openxmlformats.org/officeDocument/2006/relationships" xmlns:mc="http://schemas.openxmlformats.org/markup-compatibility/2006" xmlns:mv="urn:schemas-microsoft-com:mac:vml" xmlns:p="http://schemas.openxmlformats.org/presentationml/2006/main" xmlns:c="http://schemas.openxmlformats.org/drawingml/2006/chart" xmlns:dgm="http://schemas.openxmlformats.org/drawingml/2006/diagram" xmlns:o="urn:schemas-microsoft-com:office:office" xmlns:v="urn:schemas-microsoft-com:vml" xmlns:pvml="urn:schemas-microsoft-com:office:powerpoint" xmlns:com="http://schemas.openxmlformats.org/drawingml/2006/compatibility" xmlns:p14="http://schemas.microsoft.com/office/powerpoint/2010/main" xmlns:p15="http://schemas.microsoft.com/office/powerpoint/2012/main" showMasterPhAnim="0" showMasterSp="0">
+<p:notes xmlns:a="http://schemas.openxmlformats.org/drawingml/2006/main" xmlns:r="http://schemas.openxmlformats.org/officeDocument/2006/relationships" xmlns:p="http://schemas.openxmlformats.org/presentationml/2006/main" showMasterSp="0" showMasterPhAnim="0">
   <p:cSld>
     <p:spTree>
       <p:nvGrpSpPr>
-        <p:cNvPr id="79" name="Shape 79"/>
+        <p:cNvPr id="1" name="Shape 79"/>
         <p:cNvGrpSpPr/>
         <p:nvPr/>
       </p:nvGrpSpPr>
@@ -1419,9 +1469,11 @@
       <p:sp>
         <p:nvSpPr>
           <p:cNvPr id="80" name="Google Shape;80;g5d3a046df2_0_95:notes"/>
-          <p:cNvSpPr/>
+          <p:cNvSpPr>
+            <a:spLocks noGrp="1" noRot="1" noChangeAspect="1"/>
+          </p:cNvSpPr>
           <p:nvPr>
-            <p:ph idx="2" type="sldImg"/>
+            <p:ph type="sldImg" idx="2"/>
           </p:nvPr>
         </p:nvSpPr>
         <p:spPr>
@@ -1430,9 +1482,13 @@
             <a:ext cx="6096000" cy="3429000"/>
           </a:xfrm>
           <a:custGeom>
-            <a:rect b="b" l="l" r="r" t="t"/>
+            <a:avLst/>
+            <a:gdLst/>
+            <a:ahLst/>
+            <a:cxnLst/>
+            <a:rect l="l" t="t" r="r" b="b"/>
             <a:pathLst>
-              <a:path extrusionOk="0" h="120000" w="120000">
+              <a:path w="120000" h="120000" extrusionOk="0">
                 <a:moveTo>
                   <a:pt x="0" y="0"/>
                 </a:moveTo>
@@ -1454,9 +1510,11 @@
       <p:sp>
         <p:nvSpPr>
           <p:cNvPr id="81" name="Google Shape;81;g5d3a046df2_0_95:notes"/>
-          <p:cNvSpPr txBox="1"/>
+          <p:cNvSpPr txBox="1">
+            <a:spLocks noGrp="1"/>
+          </p:cNvSpPr>
           <p:nvPr>
-            <p:ph idx="1" type="body"/>
+            <p:ph type="body" idx="1"/>
           </p:nvPr>
         </p:nvSpPr>
         <p:spPr>
@@ -1469,12 +1527,12 @@
           </a:prstGeom>
         </p:spPr>
         <p:txBody>
-          <a:bodyPr anchorCtr="0" anchor="t" bIns="91425" lIns="91425" spcFirstLastPara="1" rIns="91425" wrap="square" tIns="91425">
+          <a:bodyPr spcFirstLastPara="1" wrap="square" lIns="91425" tIns="91425" rIns="91425" bIns="91425" anchor="t" anchorCtr="0">
             <a:noAutofit/>
           </a:bodyPr>
           <a:lstStyle/>
           <a:p>
-            <a:pPr indent="0" lvl="0" marL="0" rtl="0" algn="l">
+            <a:pPr marL="0" lvl="0" indent="0" algn="l" rtl="0">
               <a:spcBef>
                 <a:spcPts val="0"/>
               </a:spcBef>
@@ -1483,9 +1541,6 @@
               </a:spcAft>
               <a:buNone/>
             </a:pPr>
-            <a:r>
-              <a:t/>
-            </a:r>
             <a:endParaRPr/>
           </a:p>
         </p:txBody>
@@ -1499,11 +1554,11 @@
 </file>
 
 <file path=ppt/notesSlides/notesSlide6.xml><?xml version="1.0" encoding="utf-8"?>
-<p:notes xmlns:a="http://schemas.openxmlformats.org/drawingml/2006/main" xmlns:r="http://schemas.openxmlformats.org/officeDocument/2006/relationships" xmlns:mc="http://schemas.openxmlformats.org/markup-compatibility/2006" xmlns:mv="urn:schemas-microsoft-com:mac:vml" xmlns:p="http://schemas.openxmlformats.org/presentationml/2006/main" xmlns:c="http://schemas.openxmlformats.org/drawingml/2006/chart" xmlns:dgm="http://schemas.openxmlformats.org/drawingml/2006/diagram" xmlns:o="urn:schemas-microsoft-com:office:office" xmlns:v="urn:schemas-microsoft-com:vml" xmlns:pvml="urn:schemas-microsoft-com:office:powerpoint" xmlns:com="http://schemas.openxmlformats.org/drawingml/2006/compatibility" xmlns:p14="http://schemas.microsoft.com/office/powerpoint/2010/main" xmlns:p15="http://schemas.microsoft.com/office/powerpoint/2012/main" showMasterPhAnim="0" showMasterSp="0">
+<p:notes xmlns:a="http://schemas.openxmlformats.org/drawingml/2006/main" xmlns:r="http://schemas.openxmlformats.org/officeDocument/2006/relationships" xmlns:p="http://schemas.openxmlformats.org/presentationml/2006/main" showMasterSp="0" showMasterPhAnim="0">
   <p:cSld>
     <p:spTree>
       <p:nvGrpSpPr>
-        <p:cNvPr id="85" name="Shape 85"/>
+        <p:cNvPr id="1" name="Shape 85"/>
         <p:cNvGrpSpPr/>
         <p:nvPr/>
       </p:nvGrpSpPr>
@@ -1518,9 +1573,11 @@
       <p:sp>
         <p:nvSpPr>
           <p:cNvPr id="86" name="Google Shape;86;g5d3a046df2_0_100:notes"/>
-          <p:cNvSpPr/>
+          <p:cNvSpPr>
+            <a:spLocks noGrp="1" noRot="1" noChangeAspect="1"/>
+          </p:cNvSpPr>
           <p:nvPr>
-            <p:ph idx="2" type="sldImg"/>
+            <p:ph type="sldImg" idx="2"/>
           </p:nvPr>
         </p:nvSpPr>
         <p:spPr>
@@ -1529,9 +1586,13 @@
             <a:ext cx="6096000" cy="3429000"/>
           </a:xfrm>
           <a:custGeom>
-            <a:rect b="b" l="l" r="r" t="t"/>
+            <a:avLst/>
+            <a:gdLst/>
+            <a:ahLst/>
+            <a:cxnLst/>
+            <a:rect l="l" t="t" r="r" b="b"/>
             <a:pathLst>
-              <a:path extrusionOk="0" h="120000" w="120000">
+              <a:path w="120000" h="120000" extrusionOk="0">
                 <a:moveTo>
                   <a:pt x="0" y="0"/>
                 </a:moveTo>
@@ -1553,9 +1614,11 @@
       <p:sp>
         <p:nvSpPr>
           <p:cNvPr id="87" name="Google Shape;87;g5d3a046df2_0_100:notes"/>
-          <p:cNvSpPr txBox="1"/>
+          <p:cNvSpPr txBox="1">
+            <a:spLocks noGrp="1"/>
+          </p:cNvSpPr>
           <p:nvPr>
-            <p:ph idx="1" type="body"/>
+            <p:ph type="body" idx="1"/>
           </p:nvPr>
         </p:nvSpPr>
         <p:spPr>
@@ -1568,12 +1631,12 @@
           </a:prstGeom>
         </p:spPr>
         <p:txBody>
-          <a:bodyPr anchorCtr="0" anchor="t" bIns="91425" lIns="91425" spcFirstLastPara="1" rIns="91425" wrap="square" tIns="91425">
+          <a:bodyPr spcFirstLastPara="1" wrap="square" lIns="91425" tIns="91425" rIns="91425" bIns="91425" anchor="t" anchorCtr="0">
             <a:noAutofit/>
           </a:bodyPr>
           <a:lstStyle/>
           <a:p>
-            <a:pPr indent="0" lvl="0" marL="0" rtl="0" algn="l">
+            <a:pPr marL="0" lvl="0" indent="0" algn="l" rtl="0">
               <a:spcBef>
                 <a:spcPts val="0"/>
               </a:spcBef>
@@ -1582,9 +1645,6 @@
               </a:spcAft>
               <a:buNone/>
             </a:pPr>
-            <a:r>
-              <a:t/>
-            </a:r>
             <a:endParaRPr/>
           </a:p>
         </p:txBody>
@@ -1598,11 +1658,11 @@
 </file>
 
 <file path=ppt/notesSlides/notesSlide7.xml><?xml version="1.0" encoding="utf-8"?>
-<p:notes xmlns:a="http://schemas.openxmlformats.org/drawingml/2006/main" xmlns:r="http://schemas.openxmlformats.org/officeDocument/2006/relationships" xmlns:mc="http://schemas.openxmlformats.org/markup-compatibility/2006" xmlns:mv="urn:schemas-microsoft-com:mac:vml" xmlns:p="http://schemas.openxmlformats.org/presentationml/2006/main" xmlns:c="http://schemas.openxmlformats.org/drawingml/2006/chart" xmlns:dgm="http://schemas.openxmlformats.org/drawingml/2006/diagram" xmlns:o="urn:schemas-microsoft-com:office:office" xmlns:v="urn:schemas-microsoft-com:vml" xmlns:pvml="urn:schemas-microsoft-com:office:powerpoint" xmlns:com="http://schemas.openxmlformats.org/drawingml/2006/compatibility" xmlns:p14="http://schemas.microsoft.com/office/powerpoint/2010/main" xmlns:p15="http://schemas.microsoft.com/office/powerpoint/2012/main" showMasterPhAnim="0" showMasterSp="0">
+<p:notes xmlns:a="http://schemas.openxmlformats.org/drawingml/2006/main" xmlns:r="http://schemas.openxmlformats.org/officeDocument/2006/relationships" xmlns:p="http://schemas.openxmlformats.org/presentationml/2006/main" showMasterSp="0" showMasterPhAnim="0">
   <p:cSld>
     <p:spTree>
       <p:nvGrpSpPr>
-        <p:cNvPr id="91" name="Shape 91"/>
+        <p:cNvPr id="1" name="Shape 91"/>
         <p:cNvGrpSpPr/>
         <p:nvPr/>
       </p:nvGrpSpPr>
@@ -1617,9 +1677,11 @@
       <p:sp>
         <p:nvSpPr>
           <p:cNvPr id="92" name="Google Shape;92;g5d3a046df2_0_105:notes"/>
-          <p:cNvSpPr/>
+          <p:cNvSpPr>
+            <a:spLocks noGrp="1" noRot="1" noChangeAspect="1"/>
+          </p:cNvSpPr>
           <p:nvPr>
-            <p:ph idx="2" type="sldImg"/>
+            <p:ph type="sldImg" idx="2"/>
           </p:nvPr>
         </p:nvSpPr>
         <p:spPr>
@@ -1628,9 +1690,13 @@
             <a:ext cx="6096000" cy="3429000"/>
           </a:xfrm>
           <a:custGeom>
-            <a:rect b="b" l="l" r="r" t="t"/>
+            <a:avLst/>
+            <a:gdLst/>
+            <a:ahLst/>
+            <a:cxnLst/>
+            <a:rect l="l" t="t" r="r" b="b"/>
             <a:pathLst>
-              <a:path extrusionOk="0" h="120000" w="120000">
+              <a:path w="120000" h="120000" extrusionOk="0">
                 <a:moveTo>
                   <a:pt x="0" y="0"/>
                 </a:moveTo>
@@ -1652,9 +1718,11 @@
       <p:sp>
         <p:nvSpPr>
           <p:cNvPr id="93" name="Google Shape;93;g5d3a046df2_0_105:notes"/>
-          <p:cNvSpPr txBox="1"/>
+          <p:cNvSpPr txBox="1">
+            <a:spLocks noGrp="1"/>
+          </p:cNvSpPr>
           <p:nvPr>
-            <p:ph idx="1" type="body"/>
+            <p:ph type="body" idx="1"/>
           </p:nvPr>
         </p:nvSpPr>
         <p:spPr>
@@ -1667,12 +1735,12 @@
           </a:prstGeom>
         </p:spPr>
         <p:txBody>
-          <a:bodyPr anchorCtr="0" anchor="t" bIns="91425" lIns="91425" spcFirstLastPara="1" rIns="91425" wrap="square" tIns="91425">
+          <a:bodyPr spcFirstLastPara="1" wrap="square" lIns="91425" tIns="91425" rIns="91425" bIns="91425" anchor="t" anchorCtr="0">
             <a:noAutofit/>
           </a:bodyPr>
           <a:lstStyle/>
           <a:p>
-            <a:pPr indent="0" lvl="0" marL="0" rtl="0" algn="l">
+            <a:pPr marL="0" lvl="0" indent="0" algn="l" rtl="0">
               <a:spcBef>
                 <a:spcPts val="0"/>
               </a:spcBef>
@@ -1681,9 +1749,6 @@
               </a:spcAft>
               <a:buNone/>
             </a:pPr>
-            <a:r>
-              <a:t/>
-            </a:r>
             <a:endParaRPr/>
           </a:p>
         </p:txBody>
@@ -1697,11 +1762,11 @@
 </file>
 
 <file path=ppt/notesSlides/notesSlide8.xml><?xml version="1.0" encoding="utf-8"?>
-<p:notes xmlns:a="http://schemas.openxmlformats.org/drawingml/2006/main" xmlns:r="http://schemas.openxmlformats.org/officeDocument/2006/relationships" xmlns:mc="http://schemas.openxmlformats.org/markup-compatibility/2006" xmlns:mv="urn:schemas-microsoft-com:mac:vml" xmlns:p="http://schemas.openxmlformats.org/presentationml/2006/main" xmlns:c="http://schemas.openxmlformats.org/drawingml/2006/chart" xmlns:dgm="http://schemas.openxmlformats.org/drawingml/2006/diagram" xmlns:o="urn:schemas-microsoft-com:office:office" xmlns:v="urn:schemas-microsoft-com:vml" xmlns:pvml="urn:schemas-microsoft-com:office:powerpoint" xmlns:com="http://schemas.openxmlformats.org/drawingml/2006/compatibility" xmlns:p14="http://schemas.microsoft.com/office/powerpoint/2010/main" xmlns:p15="http://schemas.microsoft.com/office/powerpoint/2012/main" showMasterPhAnim="0" showMasterSp="0">
+<p:notes xmlns:a="http://schemas.openxmlformats.org/drawingml/2006/main" xmlns:r="http://schemas.openxmlformats.org/officeDocument/2006/relationships" xmlns:p="http://schemas.openxmlformats.org/presentationml/2006/main" showMasterSp="0" showMasterPhAnim="0">
   <p:cSld>
     <p:spTree>
       <p:nvGrpSpPr>
-        <p:cNvPr id="97" name="Shape 97"/>
+        <p:cNvPr id="1" name="Shape 97"/>
         <p:cNvGrpSpPr/>
         <p:nvPr/>
       </p:nvGrpSpPr>
@@ -1716,20 +1781,26 @@
       <p:sp>
         <p:nvSpPr>
           <p:cNvPr id="98" name="Google Shape;98;g5d3a046df2_0_110:notes"/>
-          <p:cNvSpPr/>
+          <p:cNvSpPr>
+            <a:spLocks noGrp="1" noRot="1" noChangeAspect="1"/>
+          </p:cNvSpPr>
           <p:nvPr>
-            <p:ph idx="2" type="sldImg"/>
+            <p:ph type="sldImg" idx="2"/>
           </p:nvPr>
         </p:nvSpPr>
         <p:spPr>
           <a:xfrm>
-            <a:off x="381300" y="685800"/>
+            <a:off x="381000" y="685800"/>
             <a:ext cx="6096000" cy="3429000"/>
           </a:xfrm>
           <a:custGeom>
-            <a:rect b="b" l="l" r="r" t="t"/>
+            <a:avLst/>
+            <a:gdLst/>
+            <a:ahLst/>
+            <a:cxnLst/>
+            <a:rect l="l" t="t" r="r" b="b"/>
             <a:pathLst>
-              <a:path extrusionOk="0" h="120000" w="120000">
+              <a:path w="120000" h="120000" extrusionOk="0">
                 <a:moveTo>
                   <a:pt x="0" y="0"/>
                 </a:moveTo>
@@ -1751,9 +1822,11 @@
       <p:sp>
         <p:nvSpPr>
           <p:cNvPr id="99" name="Google Shape;99;g5d3a046df2_0_110:notes"/>
-          <p:cNvSpPr txBox="1"/>
+          <p:cNvSpPr txBox="1">
+            <a:spLocks noGrp="1"/>
+          </p:cNvSpPr>
           <p:nvPr>
-            <p:ph idx="1" type="body"/>
+            <p:ph type="body" idx="1"/>
           </p:nvPr>
         </p:nvSpPr>
         <p:spPr>
@@ -1766,12 +1839,12 @@
           </a:prstGeom>
         </p:spPr>
         <p:txBody>
-          <a:bodyPr anchorCtr="0" anchor="t" bIns="91425" lIns="91425" spcFirstLastPara="1" rIns="91425" wrap="square" tIns="91425">
+          <a:bodyPr spcFirstLastPara="1" wrap="square" lIns="91425" tIns="91425" rIns="91425" bIns="91425" anchor="t" anchorCtr="0">
             <a:noAutofit/>
           </a:bodyPr>
           <a:lstStyle/>
           <a:p>
-            <a:pPr indent="0" lvl="0" marL="0" rtl="0" algn="l">
+            <a:pPr marL="0" lvl="0" indent="0" algn="l" rtl="0">
               <a:spcBef>
                 <a:spcPts val="0"/>
               </a:spcBef>
@@ -1780,9 +1853,6 @@
               </a:spcAft>
               <a:buNone/>
             </a:pPr>
-            <a:r>
-              <a:t/>
-            </a:r>
             <a:endParaRPr/>
           </a:p>
         </p:txBody>
@@ -1796,11 +1866,11 @@
 </file>
 
 <file path=ppt/notesSlides/notesSlide9.xml><?xml version="1.0" encoding="utf-8"?>
-<p:notes xmlns:a="http://schemas.openxmlformats.org/drawingml/2006/main" xmlns:r="http://schemas.openxmlformats.org/officeDocument/2006/relationships" xmlns:mc="http://schemas.openxmlformats.org/markup-compatibility/2006" xmlns:mv="urn:schemas-microsoft-com:mac:vml" xmlns:p="http://schemas.openxmlformats.org/presentationml/2006/main" xmlns:c="http://schemas.openxmlformats.org/drawingml/2006/chart" xmlns:dgm="http://schemas.openxmlformats.org/drawingml/2006/diagram" xmlns:o="urn:schemas-microsoft-com:office:office" xmlns:v="urn:schemas-microsoft-com:vml" xmlns:pvml="urn:schemas-microsoft-com:office:powerpoint" xmlns:com="http://schemas.openxmlformats.org/drawingml/2006/compatibility" xmlns:p14="http://schemas.microsoft.com/office/powerpoint/2010/main" xmlns:p15="http://schemas.microsoft.com/office/powerpoint/2012/main" showMasterPhAnim="0" showMasterSp="0">
+<p:notes xmlns:a="http://schemas.openxmlformats.org/drawingml/2006/main" xmlns:r="http://schemas.openxmlformats.org/officeDocument/2006/relationships" xmlns:p="http://schemas.openxmlformats.org/presentationml/2006/main" showMasterSp="0" showMasterPhAnim="0">
   <p:cSld>
     <p:spTree>
       <p:nvGrpSpPr>
-        <p:cNvPr id="104" name="Shape 104"/>
+        <p:cNvPr id="1" name="Shape 104"/>
         <p:cNvGrpSpPr/>
         <p:nvPr/>
       </p:nvGrpSpPr>
@@ -1815,20 +1885,26 @@
       <p:sp>
         <p:nvSpPr>
           <p:cNvPr id="105" name="Google Shape;105;g5d3a046df2_0_168:notes"/>
-          <p:cNvSpPr/>
+          <p:cNvSpPr>
+            <a:spLocks noGrp="1" noRot="1" noChangeAspect="1"/>
+          </p:cNvSpPr>
           <p:nvPr>
-            <p:ph idx="2" type="sldImg"/>
+            <p:ph type="sldImg" idx="2"/>
           </p:nvPr>
         </p:nvSpPr>
         <p:spPr>
           <a:xfrm>
-            <a:off x="381300" y="685800"/>
+            <a:off x="381000" y="685800"/>
             <a:ext cx="6096000" cy="3429000"/>
           </a:xfrm>
           <a:custGeom>
-            <a:rect b="b" l="l" r="r" t="t"/>
+            <a:avLst/>
+            <a:gdLst/>
+            <a:ahLst/>
+            <a:cxnLst/>
+            <a:rect l="l" t="t" r="r" b="b"/>
             <a:pathLst>
-              <a:path extrusionOk="0" h="120000" w="120000">
+              <a:path w="120000" h="120000" extrusionOk="0">
                 <a:moveTo>
                   <a:pt x="0" y="0"/>
                 </a:moveTo>
@@ -1850,9 +1926,11 @@
       <p:sp>
         <p:nvSpPr>
           <p:cNvPr id="106" name="Google Shape;106;g5d3a046df2_0_168:notes"/>
-          <p:cNvSpPr txBox="1"/>
+          <p:cNvSpPr txBox="1">
+            <a:spLocks noGrp="1"/>
+          </p:cNvSpPr>
           <p:nvPr>
-            <p:ph idx="1" type="body"/>
+            <p:ph type="body" idx="1"/>
           </p:nvPr>
         </p:nvSpPr>
         <p:spPr>
@@ -1865,12 +1943,12 @@
           </a:prstGeom>
         </p:spPr>
         <p:txBody>
-          <a:bodyPr anchorCtr="0" anchor="t" bIns="91425" lIns="91425" spcFirstLastPara="1" rIns="91425" wrap="square" tIns="91425">
+          <a:bodyPr spcFirstLastPara="1" wrap="square" lIns="91425" tIns="91425" rIns="91425" bIns="91425" anchor="t" anchorCtr="0">
             <a:noAutofit/>
           </a:bodyPr>
           <a:lstStyle/>
           <a:p>
-            <a:pPr indent="0" lvl="0" marL="0" rtl="0" algn="l">
+            <a:pPr marL="0" lvl="0" indent="0" algn="l" rtl="0">
               <a:spcBef>
                 <a:spcPts val="0"/>
               </a:spcBef>
@@ -1879,9 +1957,6 @@
               </a:spcAft>
               <a:buNone/>
             </a:pPr>
-            <a:r>
-              <a:t/>
-            </a:r>
             <a:endParaRPr/>
           </a:p>
         </p:txBody>
@@ -1895,11 +1970,11 @@
 </file>
 
 <file path=ppt/slideLayouts/slideLayout1.xml><?xml version="1.0" encoding="utf-8"?>
-<p:sldLayout xmlns:a="http://schemas.openxmlformats.org/drawingml/2006/main" xmlns:r="http://schemas.openxmlformats.org/officeDocument/2006/relationships" xmlns:mc="http://schemas.openxmlformats.org/markup-compatibility/2006" xmlns:mv="urn:schemas-microsoft-com:mac:vml" xmlns:p="http://schemas.openxmlformats.org/presentationml/2006/main" xmlns:c="http://schemas.openxmlformats.org/drawingml/2006/chart" xmlns:dgm="http://schemas.openxmlformats.org/drawingml/2006/diagram" xmlns:o="urn:schemas-microsoft-com:office:office" xmlns:v="urn:schemas-microsoft-com:vml" xmlns:pvml="urn:schemas-microsoft-com:office:powerpoint" xmlns:com="http://schemas.openxmlformats.org/drawingml/2006/compatibility" xmlns:p14="http://schemas.microsoft.com/office/powerpoint/2010/main" xmlns:p15="http://schemas.microsoft.com/office/powerpoint/2012/main" matchingName="Title slide" type="title">
+<p:sldLayout xmlns:a="http://schemas.openxmlformats.org/drawingml/2006/main" xmlns:r="http://schemas.openxmlformats.org/officeDocument/2006/relationships" xmlns:p="http://schemas.openxmlformats.org/presentationml/2006/main" matchingName="Title slide" type="title">
   <p:cSld name="TITLE">
     <p:spTree>
       <p:nvGrpSpPr>
-        <p:cNvPr id="9" name="Shape 9"/>
+        <p:cNvPr id="1" name="Shape 9"/>
         <p:cNvGrpSpPr/>
         <p:nvPr/>
       </p:nvGrpSpPr>
@@ -1914,7 +1989,9 @@
       <p:sp>
         <p:nvSpPr>
           <p:cNvPr id="10" name="Google Shape;10;p2"/>
-          <p:cNvSpPr txBox="1"/>
+          <p:cNvSpPr txBox="1">
+            <a:spLocks noGrp="1"/>
+          </p:cNvSpPr>
           <p:nvPr>
             <p:ph type="ctrTitle"/>
           </p:nvPr>
@@ -1929,7 +2006,7 @@
           </a:prstGeom>
         </p:spPr>
         <p:txBody>
-          <a:bodyPr anchorCtr="0" anchor="b" bIns="91425" lIns="91425" spcFirstLastPara="1" rIns="91425" wrap="square" tIns="91425">
+          <a:bodyPr spcFirstLastPara="1" wrap="square" lIns="91425" tIns="91425" rIns="91425" bIns="91425" anchor="b" anchorCtr="0">
             <a:noAutofit/>
           </a:bodyPr>
           <a:lstStyle>
@@ -2033,15 +2110,19 @@
               <a:defRPr sz="5200"/>
             </a:lvl9pPr>
           </a:lstStyle>
-          <a:p/>
+          <a:p>
+            <a:endParaRPr/>
+          </a:p>
         </p:txBody>
       </p:sp>
       <p:sp>
         <p:nvSpPr>
           <p:cNvPr id="11" name="Google Shape;11;p2"/>
-          <p:cNvSpPr txBox="1"/>
+          <p:cNvSpPr txBox="1">
+            <a:spLocks noGrp="1"/>
+          </p:cNvSpPr>
           <p:nvPr>
-            <p:ph idx="1" type="subTitle"/>
+            <p:ph type="subTitle" idx="1"/>
           </p:nvPr>
         </p:nvSpPr>
         <p:spPr>
@@ -2054,7 +2135,7 @@
           </a:prstGeom>
         </p:spPr>
         <p:txBody>
-          <a:bodyPr anchorCtr="0" anchor="t" bIns="91425" lIns="91425" spcFirstLastPara="1" rIns="91425" wrap="square" tIns="91425">
+          <a:bodyPr spcFirstLastPara="1" wrap="square" lIns="91425" tIns="91425" rIns="91425" bIns="91425" anchor="t" anchorCtr="0">
             <a:noAutofit/>
           </a:bodyPr>
           <a:lstStyle>
@@ -2185,15 +2266,19 @@
               <a:defRPr sz="2800"/>
             </a:lvl9pPr>
           </a:lstStyle>
-          <a:p/>
+          <a:p>
+            <a:endParaRPr/>
+          </a:p>
         </p:txBody>
       </p:sp>
       <p:sp>
         <p:nvSpPr>
           <p:cNvPr id="12" name="Google Shape;12;p2"/>
-          <p:cNvSpPr txBox="1"/>
+          <p:cNvSpPr txBox="1">
+            <a:spLocks noGrp="1"/>
+          </p:cNvSpPr>
           <p:nvPr>
-            <p:ph idx="12" type="sldNum"/>
+            <p:ph type="sldNum" idx="12"/>
           </p:nvPr>
         </p:nvSpPr>
         <p:spPr>
@@ -2206,7 +2291,7 @@
           </a:prstGeom>
         </p:spPr>
         <p:txBody>
-          <a:bodyPr anchorCtr="0" anchor="ctr" bIns="91425" lIns="91425" spcFirstLastPara="1" rIns="91425" wrap="square" tIns="91425">
+          <a:bodyPr spcFirstLastPara="1" wrap="square" lIns="91425" tIns="91425" rIns="91425" bIns="91425" anchor="ctr" anchorCtr="0">
             <a:noAutofit/>
           </a:bodyPr>
           <a:lstStyle>
@@ -2248,7 +2333,7 @@
             </a:lvl9pPr>
           </a:lstStyle>
           <a:p>
-            <a:pPr indent="0" lvl="0" marL="0" rtl="0" algn="r">
+            <a:pPr marL="0" lvl="0" indent="0" algn="r" rtl="0">
               <a:spcBef>
                 <a:spcPts val="0"/>
               </a:spcBef>
@@ -2274,11 +2359,11 @@
 </file>
 
 <file path=ppt/slideLayouts/slideLayout10.xml><?xml version="1.0" encoding="utf-8"?>
-<p:sldLayout xmlns:a="http://schemas.openxmlformats.org/drawingml/2006/main" xmlns:r="http://schemas.openxmlformats.org/officeDocument/2006/relationships" xmlns:mc="http://schemas.openxmlformats.org/markup-compatibility/2006" xmlns:mv="urn:schemas-microsoft-com:mac:vml" xmlns:p="http://schemas.openxmlformats.org/presentationml/2006/main" xmlns:c="http://schemas.openxmlformats.org/drawingml/2006/chart" xmlns:dgm="http://schemas.openxmlformats.org/drawingml/2006/diagram" xmlns:o="urn:schemas-microsoft-com:office:office" xmlns:v="urn:schemas-microsoft-com:vml" xmlns:pvml="urn:schemas-microsoft-com:office:powerpoint" xmlns:com="http://schemas.openxmlformats.org/drawingml/2006/compatibility" xmlns:p14="http://schemas.microsoft.com/office/powerpoint/2010/main" xmlns:p15="http://schemas.microsoft.com/office/powerpoint/2012/main" matchingName="Big number">
+<p:sldLayout xmlns:a="http://schemas.openxmlformats.org/drawingml/2006/main" xmlns:r="http://schemas.openxmlformats.org/officeDocument/2006/relationships" xmlns:p="http://schemas.openxmlformats.org/presentationml/2006/main" matchingName="Big number">
   <p:cSld name="BIG_NUMBER">
     <p:spTree>
       <p:nvGrpSpPr>
-        <p:cNvPr id="44" name="Shape 44"/>
+        <p:cNvPr id="1" name="Shape 44"/>
         <p:cNvGrpSpPr/>
         <p:nvPr/>
       </p:nvGrpSpPr>
@@ -2293,9 +2378,11 @@
       <p:sp>
         <p:nvSpPr>
           <p:cNvPr id="45" name="Google Shape;45;p11"/>
-          <p:cNvSpPr txBox="1"/>
+          <p:cNvSpPr txBox="1">
+            <a:spLocks noGrp="1"/>
+          </p:cNvSpPr>
           <p:nvPr>
-            <p:ph hasCustomPrompt="1" type="title"/>
+            <p:ph type="title" hasCustomPrompt="1"/>
           </p:nvPr>
         </p:nvSpPr>
         <p:spPr>
@@ -2308,7 +2395,7 @@
           </a:prstGeom>
         </p:spPr>
         <p:txBody>
-          <a:bodyPr anchorCtr="0" anchor="b" bIns="91425" lIns="91425" spcFirstLastPara="1" rIns="91425" wrap="square" tIns="91425">
+          <a:bodyPr spcFirstLastPara="1" wrap="square" lIns="91425" tIns="91425" rIns="91425" bIns="91425" anchor="b" anchorCtr="0">
             <a:noAutofit/>
           </a:bodyPr>
           <a:lstStyle>
@@ -2422,9 +2509,11 @@
       <p:sp>
         <p:nvSpPr>
           <p:cNvPr id="46" name="Google Shape;46;p11"/>
-          <p:cNvSpPr txBox="1"/>
+          <p:cNvSpPr txBox="1">
+            <a:spLocks noGrp="1"/>
+          </p:cNvSpPr>
           <p:nvPr>
-            <p:ph idx="1" type="body"/>
+            <p:ph type="body" idx="1"/>
           </p:nvPr>
         </p:nvSpPr>
         <p:spPr>
@@ -2437,11 +2526,11 @@
           </a:prstGeom>
         </p:spPr>
         <p:txBody>
-          <a:bodyPr anchorCtr="0" anchor="t" bIns="91425" lIns="91425" spcFirstLastPara="1" rIns="91425" wrap="square" tIns="91425">
+          <a:bodyPr spcFirstLastPara="1" wrap="square" lIns="91425" tIns="91425" rIns="91425" bIns="91425" anchor="t" anchorCtr="0">
             <a:noAutofit/>
           </a:bodyPr>
           <a:lstStyle>
-            <a:lvl1pPr indent="-342900" lvl="0" marL="457200" algn="ctr">
+            <a:lvl1pPr marL="457200" lvl="0" indent="-342900" algn="ctr">
               <a:spcBef>
                 <a:spcPts val="0"/>
               </a:spcBef>
@@ -2452,7 +2541,7 @@
               <a:buChar char="●"/>
               <a:defRPr/>
             </a:lvl1pPr>
-            <a:lvl2pPr indent="-317500" lvl="1" marL="914400" algn="ctr">
+            <a:lvl2pPr marL="914400" lvl="1" indent="-317500" algn="ctr">
               <a:spcBef>
                 <a:spcPts val="1600"/>
               </a:spcBef>
@@ -2463,7 +2552,7 @@
               <a:buChar char="○"/>
               <a:defRPr/>
             </a:lvl2pPr>
-            <a:lvl3pPr indent="-317500" lvl="2" marL="1371600" algn="ctr">
+            <a:lvl3pPr marL="1371600" lvl="2" indent="-317500" algn="ctr">
               <a:spcBef>
                 <a:spcPts val="1600"/>
               </a:spcBef>
@@ -2474,7 +2563,7 @@
               <a:buChar char="■"/>
               <a:defRPr/>
             </a:lvl3pPr>
-            <a:lvl4pPr indent="-317500" lvl="3" marL="1828800" algn="ctr">
+            <a:lvl4pPr marL="1828800" lvl="3" indent="-317500" algn="ctr">
               <a:spcBef>
                 <a:spcPts val="1600"/>
               </a:spcBef>
@@ -2485,7 +2574,7 @@
               <a:buChar char="●"/>
               <a:defRPr/>
             </a:lvl4pPr>
-            <a:lvl5pPr indent="-317500" lvl="4" marL="2286000" algn="ctr">
+            <a:lvl5pPr marL="2286000" lvl="4" indent="-317500" algn="ctr">
               <a:spcBef>
                 <a:spcPts val="1600"/>
               </a:spcBef>
@@ -2496,7 +2585,7 @@
               <a:buChar char="○"/>
               <a:defRPr/>
             </a:lvl5pPr>
-            <a:lvl6pPr indent="-317500" lvl="5" marL="2743200" algn="ctr">
+            <a:lvl6pPr marL="2743200" lvl="5" indent="-317500" algn="ctr">
               <a:spcBef>
                 <a:spcPts val="1600"/>
               </a:spcBef>
@@ -2507,7 +2596,7 @@
               <a:buChar char="■"/>
               <a:defRPr/>
             </a:lvl6pPr>
-            <a:lvl7pPr indent="-317500" lvl="6" marL="3200400" algn="ctr">
+            <a:lvl7pPr marL="3200400" lvl="6" indent="-317500" algn="ctr">
               <a:spcBef>
                 <a:spcPts val="1600"/>
               </a:spcBef>
@@ -2518,7 +2607,7 @@
               <a:buChar char="●"/>
               <a:defRPr/>
             </a:lvl7pPr>
-            <a:lvl8pPr indent="-317500" lvl="7" marL="3657600" algn="ctr">
+            <a:lvl8pPr marL="3657600" lvl="7" indent="-317500" algn="ctr">
               <a:spcBef>
                 <a:spcPts val="1600"/>
               </a:spcBef>
@@ -2529,7 +2618,7 @@
               <a:buChar char="○"/>
               <a:defRPr/>
             </a:lvl8pPr>
-            <a:lvl9pPr indent="-317500" lvl="8" marL="4114800" algn="ctr">
+            <a:lvl9pPr marL="4114800" lvl="8" indent="-317500" algn="ctr">
               <a:spcBef>
                 <a:spcPts val="1600"/>
               </a:spcBef>
@@ -2541,15 +2630,19 @@
               <a:defRPr/>
             </a:lvl9pPr>
           </a:lstStyle>
-          <a:p/>
+          <a:p>
+            <a:endParaRPr/>
+          </a:p>
         </p:txBody>
       </p:sp>
       <p:sp>
         <p:nvSpPr>
           <p:cNvPr id="47" name="Google Shape;47;p11"/>
-          <p:cNvSpPr txBox="1"/>
+          <p:cNvSpPr txBox="1">
+            <a:spLocks noGrp="1"/>
+          </p:cNvSpPr>
           <p:nvPr>
-            <p:ph idx="12" type="sldNum"/>
+            <p:ph type="sldNum" idx="12"/>
           </p:nvPr>
         </p:nvSpPr>
         <p:spPr>
@@ -2562,7 +2655,7 @@
           </a:prstGeom>
         </p:spPr>
         <p:txBody>
-          <a:bodyPr anchorCtr="0" anchor="ctr" bIns="91425" lIns="91425" spcFirstLastPara="1" rIns="91425" wrap="square" tIns="91425">
+          <a:bodyPr spcFirstLastPara="1" wrap="square" lIns="91425" tIns="91425" rIns="91425" bIns="91425" anchor="ctr" anchorCtr="0">
             <a:noAutofit/>
           </a:bodyPr>
           <a:lstStyle>
@@ -2604,7 +2697,7 @@
             </a:lvl9pPr>
           </a:lstStyle>
           <a:p>
-            <a:pPr indent="0" lvl="0" marL="0" rtl="0" algn="r">
+            <a:pPr marL="0" lvl="0" indent="0" algn="r" rtl="0">
               <a:spcBef>
                 <a:spcPts val="0"/>
               </a:spcBef>
@@ -2630,11 +2723,11 @@
 </file>
 
 <file path=ppt/slideLayouts/slideLayout11.xml><?xml version="1.0" encoding="utf-8"?>
-<p:sldLayout xmlns:a="http://schemas.openxmlformats.org/drawingml/2006/main" xmlns:r="http://schemas.openxmlformats.org/officeDocument/2006/relationships" xmlns:mc="http://schemas.openxmlformats.org/markup-compatibility/2006" xmlns:mv="urn:schemas-microsoft-com:mac:vml" xmlns:p="http://schemas.openxmlformats.org/presentationml/2006/main" xmlns:c="http://schemas.openxmlformats.org/drawingml/2006/chart" xmlns:dgm="http://schemas.openxmlformats.org/drawingml/2006/diagram" xmlns:o="urn:schemas-microsoft-com:office:office" xmlns:v="urn:schemas-microsoft-com:vml" xmlns:pvml="urn:schemas-microsoft-com:office:powerpoint" xmlns:com="http://schemas.openxmlformats.org/drawingml/2006/compatibility" xmlns:p14="http://schemas.microsoft.com/office/powerpoint/2010/main" xmlns:p15="http://schemas.microsoft.com/office/powerpoint/2012/main" matchingName="Blank" type="blank">
+<p:sldLayout xmlns:a="http://schemas.openxmlformats.org/drawingml/2006/main" xmlns:r="http://schemas.openxmlformats.org/officeDocument/2006/relationships" xmlns:p="http://schemas.openxmlformats.org/presentationml/2006/main" matchingName="Blank" type="blank">
   <p:cSld name="BLANK">
     <p:spTree>
       <p:nvGrpSpPr>
-        <p:cNvPr id="48" name="Shape 48"/>
+        <p:cNvPr id="1" name="Shape 48"/>
         <p:cNvGrpSpPr/>
         <p:nvPr/>
       </p:nvGrpSpPr>
@@ -2649,9 +2742,11 @@
       <p:sp>
         <p:nvSpPr>
           <p:cNvPr id="49" name="Google Shape;49;p12"/>
-          <p:cNvSpPr txBox="1"/>
+          <p:cNvSpPr txBox="1">
+            <a:spLocks noGrp="1"/>
+          </p:cNvSpPr>
           <p:nvPr>
-            <p:ph idx="12" type="sldNum"/>
+            <p:ph type="sldNum" idx="12"/>
           </p:nvPr>
         </p:nvSpPr>
         <p:spPr>
@@ -2664,7 +2759,7 @@
           </a:prstGeom>
         </p:spPr>
         <p:txBody>
-          <a:bodyPr anchorCtr="0" anchor="ctr" bIns="91425" lIns="91425" spcFirstLastPara="1" rIns="91425" wrap="square" tIns="91425">
+          <a:bodyPr spcFirstLastPara="1" wrap="square" lIns="91425" tIns="91425" rIns="91425" bIns="91425" anchor="ctr" anchorCtr="0">
             <a:noAutofit/>
           </a:bodyPr>
           <a:lstStyle>
@@ -2706,7 +2801,7 @@
             </a:lvl9pPr>
           </a:lstStyle>
           <a:p>
-            <a:pPr indent="0" lvl="0" marL="0" rtl="0" algn="r">
+            <a:pPr marL="0" lvl="0" indent="0" algn="r" rtl="0">
               <a:spcBef>
                 <a:spcPts val="0"/>
               </a:spcBef>
@@ -2732,11 +2827,11 @@
 </file>
 
 <file path=ppt/slideLayouts/slideLayout2.xml><?xml version="1.0" encoding="utf-8"?>
-<p:sldLayout xmlns:a="http://schemas.openxmlformats.org/drawingml/2006/main" xmlns:r="http://schemas.openxmlformats.org/officeDocument/2006/relationships" xmlns:mc="http://schemas.openxmlformats.org/markup-compatibility/2006" xmlns:mv="urn:schemas-microsoft-com:mac:vml" xmlns:p="http://schemas.openxmlformats.org/presentationml/2006/main" xmlns:c="http://schemas.openxmlformats.org/drawingml/2006/chart" xmlns:dgm="http://schemas.openxmlformats.org/drawingml/2006/diagram" xmlns:o="urn:schemas-microsoft-com:office:office" xmlns:v="urn:schemas-microsoft-com:vml" xmlns:pvml="urn:schemas-microsoft-com:office:powerpoint" xmlns:com="http://schemas.openxmlformats.org/drawingml/2006/compatibility" xmlns:p14="http://schemas.microsoft.com/office/powerpoint/2010/main" xmlns:p15="http://schemas.microsoft.com/office/powerpoint/2012/main" matchingName="Section header" type="secHead">
+<p:sldLayout xmlns:a="http://schemas.openxmlformats.org/drawingml/2006/main" xmlns:r="http://schemas.openxmlformats.org/officeDocument/2006/relationships" xmlns:p="http://schemas.openxmlformats.org/presentationml/2006/main" matchingName="Section header" type="secHead">
   <p:cSld name="SECTION_HEADER">
     <p:spTree>
       <p:nvGrpSpPr>
-        <p:cNvPr id="13" name="Shape 13"/>
+        <p:cNvPr id="1" name="Shape 13"/>
         <p:cNvGrpSpPr/>
         <p:nvPr/>
       </p:nvGrpSpPr>
@@ -2751,7 +2846,9 @@
       <p:sp>
         <p:nvSpPr>
           <p:cNvPr id="14" name="Google Shape;14;p3"/>
-          <p:cNvSpPr txBox="1"/>
+          <p:cNvSpPr txBox="1">
+            <a:spLocks noGrp="1"/>
+          </p:cNvSpPr>
           <p:nvPr>
             <p:ph type="title"/>
           </p:nvPr>
@@ -2766,7 +2863,7 @@
           </a:prstGeom>
         </p:spPr>
         <p:txBody>
-          <a:bodyPr anchorCtr="0" anchor="ctr" bIns="91425" lIns="91425" spcFirstLastPara="1" rIns="91425" wrap="square" tIns="91425">
+          <a:bodyPr spcFirstLastPara="1" wrap="square" lIns="91425" tIns="91425" rIns="91425" bIns="91425" anchor="ctr" anchorCtr="0">
             <a:noAutofit/>
           </a:bodyPr>
           <a:lstStyle>
@@ -2870,15 +2967,19 @@
               <a:defRPr sz="3600"/>
             </a:lvl9pPr>
           </a:lstStyle>
-          <a:p/>
+          <a:p>
+            <a:endParaRPr/>
+          </a:p>
         </p:txBody>
       </p:sp>
       <p:sp>
         <p:nvSpPr>
           <p:cNvPr id="15" name="Google Shape;15;p3"/>
-          <p:cNvSpPr txBox="1"/>
+          <p:cNvSpPr txBox="1">
+            <a:spLocks noGrp="1"/>
+          </p:cNvSpPr>
           <p:nvPr>
-            <p:ph idx="12" type="sldNum"/>
+            <p:ph type="sldNum" idx="12"/>
           </p:nvPr>
         </p:nvSpPr>
         <p:spPr>
@@ -2891,7 +2992,7 @@
           </a:prstGeom>
         </p:spPr>
         <p:txBody>
-          <a:bodyPr anchorCtr="0" anchor="ctr" bIns="91425" lIns="91425" spcFirstLastPara="1" rIns="91425" wrap="square" tIns="91425">
+          <a:bodyPr spcFirstLastPara="1" wrap="square" lIns="91425" tIns="91425" rIns="91425" bIns="91425" anchor="ctr" anchorCtr="0">
             <a:noAutofit/>
           </a:bodyPr>
           <a:lstStyle>
@@ -2933,7 +3034,7 @@
             </a:lvl9pPr>
           </a:lstStyle>
           <a:p>
-            <a:pPr indent="0" lvl="0" marL="0" rtl="0" algn="r">
+            <a:pPr marL="0" lvl="0" indent="0" algn="r" rtl="0">
               <a:spcBef>
                 <a:spcPts val="0"/>
               </a:spcBef>
@@ -2959,11 +3060,11 @@
 </file>
 
 <file path=ppt/slideLayouts/slideLayout3.xml><?xml version="1.0" encoding="utf-8"?>
-<p:sldLayout xmlns:a="http://schemas.openxmlformats.org/drawingml/2006/main" xmlns:r="http://schemas.openxmlformats.org/officeDocument/2006/relationships" xmlns:mc="http://schemas.openxmlformats.org/markup-compatibility/2006" xmlns:mv="urn:schemas-microsoft-com:mac:vml" xmlns:p="http://schemas.openxmlformats.org/presentationml/2006/main" xmlns:c="http://schemas.openxmlformats.org/drawingml/2006/chart" xmlns:dgm="http://schemas.openxmlformats.org/drawingml/2006/diagram" xmlns:o="urn:schemas-microsoft-com:office:office" xmlns:v="urn:schemas-microsoft-com:vml" xmlns:pvml="urn:schemas-microsoft-com:office:powerpoint" xmlns:com="http://schemas.openxmlformats.org/drawingml/2006/compatibility" xmlns:p14="http://schemas.microsoft.com/office/powerpoint/2010/main" xmlns:p15="http://schemas.microsoft.com/office/powerpoint/2012/main" matchingName="Title and body" type="tx">
+<p:sldLayout xmlns:a="http://schemas.openxmlformats.org/drawingml/2006/main" xmlns:r="http://schemas.openxmlformats.org/officeDocument/2006/relationships" xmlns:p="http://schemas.openxmlformats.org/presentationml/2006/main" matchingName="Title and body" type="tx">
   <p:cSld name="TITLE_AND_BODY">
     <p:spTree>
       <p:nvGrpSpPr>
-        <p:cNvPr id="16" name="Shape 16"/>
+        <p:cNvPr id="1" name="Shape 16"/>
         <p:cNvGrpSpPr/>
         <p:nvPr/>
       </p:nvGrpSpPr>
@@ -2978,7 +3079,9 @@
       <p:sp>
         <p:nvSpPr>
           <p:cNvPr id="17" name="Google Shape;17;p4"/>
-          <p:cNvSpPr txBox="1"/>
+          <p:cNvSpPr txBox="1">
+            <a:spLocks noGrp="1"/>
+          </p:cNvSpPr>
           <p:nvPr>
             <p:ph type="title"/>
           </p:nvPr>
@@ -2993,7 +3096,7 @@
           </a:prstGeom>
         </p:spPr>
         <p:txBody>
-          <a:bodyPr anchorCtr="0" anchor="t" bIns="91425" lIns="91425" spcFirstLastPara="1" rIns="91425" wrap="square" tIns="91425">
+          <a:bodyPr spcFirstLastPara="1" wrap="square" lIns="91425" tIns="91425" rIns="91425" bIns="91425" anchor="t" anchorCtr="0">
             <a:noAutofit/>
           </a:bodyPr>
           <a:lstStyle>
@@ -3097,15 +3200,19 @@
               <a:defRPr/>
             </a:lvl9pPr>
           </a:lstStyle>
-          <a:p/>
+          <a:p>
+            <a:endParaRPr/>
+          </a:p>
         </p:txBody>
       </p:sp>
       <p:sp>
         <p:nvSpPr>
           <p:cNvPr id="18" name="Google Shape;18;p4"/>
-          <p:cNvSpPr txBox="1"/>
+          <p:cNvSpPr txBox="1">
+            <a:spLocks noGrp="1"/>
+          </p:cNvSpPr>
           <p:nvPr>
-            <p:ph idx="1" type="body"/>
+            <p:ph type="body" idx="1"/>
           </p:nvPr>
         </p:nvSpPr>
         <p:spPr>
@@ -3118,11 +3225,11 @@
           </a:prstGeom>
         </p:spPr>
         <p:txBody>
-          <a:bodyPr anchorCtr="0" anchor="t" bIns="91425" lIns="91425" spcFirstLastPara="1" rIns="91425" wrap="square" tIns="91425">
+          <a:bodyPr spcFirstLastPara="1" wrap="square" lIns="91425" tIns="91425" rIns="91425" bIns="91425" anchor="t" anchorCtr="0">
             <a:noAutofit/>
           </a:bodyPr>
           <a:lstStyle>
-            <a:lvl1pPr indent="-342900" lvl="0" marL="457200">
+            <a:lvl1pPr marL="457200" lvl="0" indent="-342900">
               <a:spcBef>
                 <a:spcPts val="0"/>
               </a:spcBef>
@@ -3133,7 +3240,7 @@
               <a:buChar char="●"/>
               <a:defRPr/>
             </a:lvl1pPr>
-            <a:lvl2pPr indent="-317500" lvl="1" marL="914400">
+            <a:lvl2pPr marL="914400" lvl="1" indent="-317500">
               <a:spcBef>
                 <a:spcPts val="1600"/>
               </a:spcBef>
@@ -3144,7 +3251,7 @@
               <a:buChar char="○"/>
               <a:defRPr/>
             </a:lvl2pPr>
-            <a:lvl3pPr indent="-317500" lvl="2" marL="1371600">
+            <a:lvl3pPr marL="1371600" lvl="2" indent="-317500">
               <a:spcBef>
                 <a:spcPts val="1600"/>
               </a:spcBef>
@@ -3155,7 +3262,7 @@
               <a:buChar char="■"/>
               <a:defRPr/>
             </a:lvl3pPr>
-            <a:lvl4pPr indent="-317500" lvl="3" marL="1828800">
+            <a:lvl4pPr marL="1828800" lvl="3" indent="-317500">
               <a:spcBef>
                 <a:spcPts val="1600"/>
               </a:spcBef>
@@ -3166,7 +3273,7 @@
               <a:buChar char="●"/>
               <a:defRPr/>
             </a:lvl4pPr>
-            <a:lvl5pPr indent="-317500" lvl="4" marL="2286000">
+            <a:lvl5pPr marL="2286000" lvl="4" indent="-317500">
               <a:spcBef>
                 <a:spcPts val="1600"/>
               </a:spcBef>
@@ -3177,7 +3284,7 @@
               <a:buChar char="○"/>
               <a:defRPr/>
             </a:lvl5pPr>
-            <a:lvl6pPr indent="-317500" lvl="5" marL="2743200">
+            <a:lvl6pPr marL="2743200" lvl="5" indent="-317500">
               <a:spcBef>
                 <a:spcPts val="1600"/>
               </a:spcBef>
@@ -3188,7 +3295,7 @@
               <a:buChar char="■"/>
               <a:defRPr/>
             </a:lvl6pPr>
-            <a:lvl7pPr indent="-317500" lvl="6" marL="3200400">
+            <a:lvl7pPr marL="3200400" lvl="6" indent="-317500">
               <a:spcBef>
                 <a:spcPts val="1600"/>
               </a:spcBef>
@@ -3199,7 +3306,7 @@
               <a:buChar char="●"/>
               <a:defRPr/>
             </a:lvl7pPr>
-            <a:lvl8pPr indent="-317500" lvl="7" marL="3657600">
+            <a:lvl8pPr marL="3657600" lvl="7" indent="-317500">
               <a:spcBef>
                 <a:spcPts val="1600"/>
               </a:spcBef>
@@ -3210,7 +3317,7 @@
               <a:buChar char="○"/>
               <a:defRPr/>
             </a:lvl8pPr>
-            <a:lvl9pPr indent="-317500" lvl="8" marL="4114800">
+            <a:lvl9pPr marL="4114800" lvl="8" indent="-317500">
               <a:spcBef>
                 <a:spcPts val="1600"/>
               </a:spcBef>
@@ -3222,15 +3329,19 @@
               <a:defRPr/>
             </a:lvl9pPr>
           </a:lstStyle>
-          <a:p/>
+          <a:p>
+            <a:endParaRPr/>
+          </a:p>
         </p:txBody>
       </p:sp>
       <p:sp>
         <p:nvSpPr>
           <p:cNvPr id="19" name="Google Shape;19;p4"/>
-          <p:cNvSpPr txBox="1"/>
+          <p:cNvSpPr txBox="1">
+            <a:spLocks noGrp="1"/>
+          </p:cNvSpPr>
           <p:nvPr>
-            <p:ph idx="12" type="sldNum"/>
+            <p:ph type="sldNum" idx="12"/>
           </p:nvPr>
         </p:nvSpPr>
         <p:spPr>
@@ -3243,7 +3354,7 @@
           </a:prstGeom>
         </p:spPr>
         <p:txBody>
-          <a:bodyPr anchorCtr="0" anchor="ctr" bIns="91425" lIns="91425" spcFirstLastPara="1" rIns="91425" wrap="square" tIns="91425">
+          <a:bodyPr spcFirstLastPara="1" wrap="square" lIns="91425" tIns="91425" rIns="91425" bIns="91425" anchor="ctr" anchorCtr="0">
             <a:noAutofit/>
           </a:bodyPr>
           <a:lstStyle>
@@ -3285,7 +3396,7 @@
             </a:lvl9pPr>
           </a:lstStyle>
           <a:p>
-            <a:pPr indent="0" lvl="0" marL="0" rtl="0" algn="r">
+            <a:pPr marL="0" lvl="0" indent="0" algn="r" rtl="0">
               <a:spcBef>
                 <a:spcPts val="0"/>
               </a:spcBef>
@@ -3311,11 +3422,11 @@
 </file>
 
 <file path=ppt/slideLayouts/slideLayout4.xml><?xml version="1.0" encoding="utf-8"?>
-<p:sldLayout xmlns:a="http://schemas.openxmlformats.org/drawingml/2006/main" xmlns:r="http://schemas.openxmlformats.org/officeDocument/2006/relationships" xmlns:mc="http://schemas.openxmlformats.org/markup-compatibility/2006" xmlns:mv="urn:schemas-microsoft-com:mac:vml" xmlns:p="http://schemas.openxmlformats.org/presentationml/2006/main" xmlns:c="http://schemas.openxmlformats.org/drawingml/2006/chart" xmlns:dgm="http://schemas.openxmlformats.org/drawingml/2006/diagram" xmlns:o="urn:schemas-microsoft-com:office:office" xmlns:v="urn:schemas-microsoft-com:vml" xmlns:pvml="urn:schemas-microsoft-com:office:powerpoint" xmlns:com="http://schemas.openxmlformats.org/drawingml/2006/compatibility" xmlns:p14="http://schemas.microsoft.com/office/powerpoint/2010/main" xmlns:p15="http://schemas.microsoft.com/office/powerpoint/2012/main" matchingName="Title and two columns" type="twoColTx">
+<p:sldLayout xmlns:a="http://schemas.openxmlformats.org/drawingml/2006/main" xmlns:r="http://schemas.openxmlformats.org/officeDocument/2006/relationships" xmlns:p="http://schemas.openxmlformats.org/presentationml/2006/main" matchingName="Title and two columns" type="twoColTx">
   <p:cSld name="TITLE_AND_TWO_COLUMNS">
     <p:spTree>
       <p:nvGrpSpPr>
-        <p:cNvPr id="20" name="Shape 20"/>
+        <p:cNvPr id="1" name="Shape 20"/>
         <p:cNvGrpSpPr/>
         <p:nvPr/>
       </p:nvGrpSpPr>
@@ -3330,7 +3441,9 @@
       <p:sp>
         <p:nvSpPr>
           <p:cNvPr id="21" name="Google Shape;21;p5"/>
-          <p:cNvSpPr txBox="1"/>
+          <p:cNvSpPr txBox="1">
+            <a:spLocks noGrp="1"/>
+          </p:cNvSpPr>
           <p:nvPr>
             <p:ph type="title"/>
           </p:nvPr>
@@ -3345,7 +3458,7 @@
           </a:prstGeom>
         </p:spPr>
         <p:txBody>
-          <a:bodyPr anchorCtr="0" anchor="t" bIns="91425" lIns="91425" spcFirstLastPara="1" rIns="91425" wrap="square" tIns="91425">
+          <a:bodyPr spcFirstLastPara="1" wrap="square" lIns="91425" tIns="91425" rIns="91425" bIns="91425" anchor="t" anchorCtr="0">
             <a:noAutofit/>
           </a:bodyPr>
           <a:lstStyle>
@@ -3449,15 +3562,19 @@
               <a:defRPr/>
             </a:lvl9pPr>
           </a:lstStyle>
-          <a:p/>
+          <a:p>
+            <a:endParaRPr/>
+          </a:p>
         </p:txBody>
       </p:sp>
       <p:sp>
         <p:nvSpPr>
           <p:cNvPr id="22" name="Google Shape;22;p5"/>
-          <p:cNvSpPr txBox="1"/>
+          <p:cNvSpPr txBox="1">
+            <a:spLocks noGrp="1"/>
+          </p:cNvSpPr>
           <p:nvPr>
-            <p:ph idx="1" type="body"/>
+            <p:ph type="body" idx="1"/>
           </p:nvPr>
         </p:nvSpPr>
         <p:spPr>
@@ -3470,11 +3587,11 @@
           </a:prstGeom>
         </p:spPr>
         <p:txBody>
-          <a:bodyPr anchorCtr="0" anchor="t" bIns="91425" lIns="91425" spcFirstLastPara="1" rIns="91425" wrap="square" tIns="91425">
+          <a:bodyPr spcFirstLastPara="1" wrap="square" lIns="91425" tIns="91425" rIns="91425" bIns="91425" anchor="t" anchorCtr="0">
             <a:noAutofit/>
           </a:bodyPr>
           <a:lstStyle>
-            <a:lvl1pPr indent="-317500" lvl="0" marL="457200">
+            <a:lvl1pPr marL="457200" lvl="0" indent="-317500">
               <a:spcBef>
                 <a:spcPts val="0"/>
               </a:spcBef>
@@ -3485,7 +3602,7 @@
               <a:buChar char="●"/>
               <a:defRPr sz="1400"/>
             </a:lvl1pPr>
-            <a:lvl2pPr indent="-304800" lvl="1" marL="914400">
+            <a:lvl2pPr marL="914400" lvl="1" indent="-304800">
               <a:spcBef>
                 <a:spcPts val="1600"/>
               </a:spcBef>
@@ -3496,7 +3613,7 @@
               <a:buChar char="○"/>
               <a:defRPr sz="1200"/>
             </a:lvl2pPr>
-            <a:lvl3pPr indent="-304800" lvl="2" marL="1371600">
+            <a:lvl3pPr marL="1371600" lvl="2" indent="-304800">
               <a:spcBef>
                 <a:spcPts val="1600"/>
               </a:spcBef>
@@ -3507,7 +3624,7 @@
               <a:buChar char="■"/>
               <a:defRPr sz="1200"/>
             </a:lvl3pPr>
-            <a:lvl4pPr indent="-304800" lvl="3" marL="1828800">
+            <a:lvl4pPr marL="1828800" lvl="3" indent="-304800">
               <a:spcBef>
                 <a:spcPts val="1600"/>
               </a:spcBef>
@@ -3518,7 +3635,7 @@
               <a:buChar char="●"/>
               <a:defRPr sz="1200"/>
             </a:lvl4pPr>
-            <a:lvl5pPr indent="-304800" lvl="4" marL="2286000">
+            <a:lvl5pPr marL="2286000" lvl="4" indent="-304800">
               <a:spcBef>
                 <a:spcPts val="1600"/>
               </a:spcBef>
@@ -3529,7 +3646,7 @@
               <a:buChar char="○"/>
               <a:defRPr sz="1200"/>
             </a:lvl5pPr>
-            <a:lvl6pPr indent="-304800" lvl="5" marL="2743200">
+            <a:lvl6pPr marL="2743200" lvl="5" indent="-304800">
               <a:spcBef>
                 <a:spcPts val="1600"/>
               </a:spcBef>
@@ -3540,7 +3657,7 @@
               <a:buChar char="■"/>
               <a:defRPr sz="1200"/>
             </a:lvl6pPr>
-            <a:lvl7pPr indent="-304800" lvl="6" marL="3200400">
+            <a:lvl7pPr marL="3200400" lvl="6" indent="-304800">
               <a:spcBef>
                 <a:spcPts val="1600"/>
               </a:spcBef>
@@ -3551,7 +3668,7 @@
               <a:buChar char="●"/>
               <a:defRPr sz="1200"/>
             </a:lvl7pPr>
-            <a:lvl8pPr indent="-304800" lvl="7" marL="3657600">
+            <a:lvl8pPr marL="3657600" lvl="7" indent="-304800">
               <a:spcBef>
                 <a:spcPts val="1600"/>
               </a:spcBef>
@@ -3562,7 +3679,7 @@
               <a:buChar char="○"/>
               <a:defRPr sz="1200"/>
             </a:lvl8pPr>
-            <a:lvl9pPr indent="-304800" lvl="8" marL="4114800">
+            <a:lvl9pPr marL="4114800" lvl="8" indent="-304800">
               <a:spcBef>
                 <a:spcPts val="1600"/>
               </a:spcBef>
@@ -3574,15 +3691,19 @@
               <a:defRPr sz="1200"/>
             </a:lvl9pPr>
           </a:lstStyle>
-          <a:p/>
+          <a:p>
+            <a:endParaRPr/>
+          </a:p>
         </p:txBody>
       </p:sp>
       <p:sp>
         <p:nvSpPr>
           <p:cNvPr id="23" name="Google Shape;23;p5"/>
-          <p:cNvSpPr txBox="1"/>
+          <p:cNvSpPr txBox="1">
+            <a:spLocks noGrp="1"/>
+          </p:cNvSpPr>
           <p:nvPr>
-            <p:ph idx="2" type="body"/>
+            <p:ph type="body" idx="2"/>
           </p:nvPr>
         </p:nvSpPr>
         <p:spPr>
@@ -3595,11 +3716,11 @@
           </a:prstGeom>
         </p:spPr>
         <p:txBody>
-          <a:bodyPr anchorCtr="0" anchor="t" bIns="91425" lIns="91425" spcFirstLastPara="1" rIns="91425" wrap="square" tIns="91425">
+          <a:bodyPr spcFirstLastPara="1" wrap="square" lIns="91425" tIns="91425" rIns="91425" bIns="91425" anchor="t" anchorCtr="0">
             <a:noAutofit/>
           </a:bodyPr>
           <a:lstStyle>
-            <a:lvl1pPr indent="-317500" lvl="0" marL="457200">
+            <a:lvl1pPr marL="457200" lvl="0" indent="-317500">
               <a:spcBef>
                 <a:spcPts val="0"/>
               </a:spcBef>
@@ -3610,7 +3731,7 @@
               <a:buChar char="●"/>
               <a:defRPr sz="1400"/>
             </a:lvl1pPr>
-            <a:lvl2pPr indent="-304800" lvl="1" marL="914400">
+            <a:lvl2pPr marL="914400" lvl="1" indent="-304800">
               <a:spcBef>
                 <a:spcPts val="1600"/>
               </a:spcBef>
@@ -3621,7 +3742,7 @@
               <a:buChar char="○"/>
               <a:defRPr sz="1200"/>
             </a:lvl2pPr>
-            <a:lvl3pPr indent="-304800" lvl="2" marL="1371600">
+            <a:lvl3pPr marL="1371600" lvl="2" indent="-304800">
               <a:spcBef>
                 <a:spcPts val="1600"/>
               </a:spcBef>
@@ -3632,7 +3753,7 @@
               <a:buChar char="■"/>
               <a:defRPr sz="1200"/>
             </a:lvl3pPr>
-            <a:lvl4pPr indent="-304800" lvl="3" marL="1828800">
+            <a:lvl4pPr marL="1828800" lvl="3" indent="-304800">
               <a:spcBef>
                 <a:spcPts val="1600"/>
               </a:spcBef>
@@ -3643,7 +3764,7 @@
               <a:buChar char="●"/>
               <a:defRPr sz="1200"/>
             </a:lvl4pPr>
-            <a:lvl5pPr indent="-304800" lvl="4" marL="2286000">
+            <a:lvl5pPr marL="2286000" lvl="4" indent="-304800">
               <a:spcBef>
                 <a:spcPts val="1600"/>
               </a:spcBef>
@@ -3654,7 +3775,7 @@
               <a:buChar char="○"/>
               <a:defRPr sz="1200"/>
             </a:lvl5pPr>
-            <a:lvl6pPr indent="-304800" lvl="5" marL="2743200">
+            <a:lvl6pPr marL="2743200" lvl="5" indent="-304800">
               <a:spcBef>
                 <a:spcPts val="1600"/>
               </a:spcBef>
@@ -3665,7 +3786,7 @@
               <a:buChar char="■"/>
               <a:defRPr sz="1200"/>
             </a:lvl6pPr>
-            <a:lvl7pPr indent="-304800" lvl="6" marL="3200400">
+            <a:lvl7pPr marL="3200400" lvl="6" indent="-304800">
               <a:spcBef>
                 <a:spcPts val="1600"/>
               </a:spcBef>
@@ -3676,7 +3797,7 @@
               <a:buChar char="●"/>
               <a:defRPr sz="1200"/>
             </a:lvl7pPr>
-            <a:lvl8pPr indent="-304800" lvl="7" marL="3657600">
+            <a:lvl8pPr marL="3657600" lvl="7" indent="-304800">
               <a:spcBef>
                 <a:spcPts val="1600"/>
               </a:spcBef>
@@ -3687,7 +3808,7 @@
               <a:buChar char="○"/>
               <a:defRPr sz="1200"/>
             </a:lvl8pPr>
-            <a:lvl9pPr indent="-304800" lvl="8" marL="4114800">
+            <a:lvl9pPr marL="4114800" lvl="8" indent="-304800">
               <a:spcBef>
                 <a:spcPts val="1600"/>
               </a:spcBef>
@@ -3699,15 +3820,19 @@
               <a:defRPr sz="1200"/>
             </a:lvl9pPr>
           </a:lstStyle>
-          <a:p/>
+          <a:p>
+            <a:endParaRPr/>
+          </a:p>
         </p:txBody>
       </p:sp>
       <p:sp>
         <p:nvSpPr>
           <p:cNvPr id="24" name="Google Shape;24;p5"/>
-          <p:cNvSpPr txBox="1"/>
+          <p:cNvSpPr txBox="1">
+            <a:spLocks noGrp="1"/>
+          </p:cNvSpPr>
           <p:nvPr>
-            <p:ph idx="12" type="sldNum"/>
+            <p:ph type="sldNum" idx="12"/>
           </p:nvPr>
         </p:nvSpPr>
         <p:spPr>
@@ -3720,7 +3845,7 @@
           </a:prstGeom>
         </p:spPr>
         <p:txBody>
-          <a:bodyPr anchorCtr="0" anchor="ctr" bIns="91425" lIns="91425" spcFirstLastPara="1" rIns="91425" wrap="square" tIns="91425">
+          <a:bodyPr spcFirstLastPara="1" wrap="square" lIns="91425" tIns="91425" rIns="91425" bIns="91425" anchor="ctr" anchorCtr="0">
             <a:noAutofit/>
           </a:bodyPr>
           <a:lstStyle>
@@ -3762,7 +3887,7 @@
             </a:lvl9pPr>
           </a:lstStyle>
           <a:p>
-            <a:pPr indent="0" lvl="0" marL="0" rtl="0" algn="r">
+            <a:pPr marL="0" lvl="0" indent="0" algn="r" rtl="0">
               <a:spcBef>
                 <a:spcPts val="0"/>
               </a:spcBef>
@@ -3788,11 +3913,11 @@
 </file>
 
 <file path=ppt/slideLayouts/slideLayout5.xml><?xml version="1.0" encoding="utf-8"?>
-<p:sldLayout xmlns:a="http://schemas.openxmlformats.org/drawingml/2006/main" xmlns:r="http://schemas.openxmlformats.org/officeDocument/2006/relationships" xmlns:mc="http://schemas.openxmlformats.org/markup-compatibility/2006" xmlns:mv="urn:schemas-microsoft-com:mac:vml" xmlns:p="http://schemas.openxmlformats.org/presentationml/2006/main" xmlns:c="http://schemas.openxmlformats.org/drawingml/2006/chart" xmlns:dgm="http://schemas.openxmlformats.org/drawingml/2006/diagram" xmlns:o="urn:schemas-microsoft-com:office:office" xmlns:v="urn:schemas-microsoft-com:vml" xmlns:pvml="urn:schemas-microsoft-com:office:powerpoint" xmlns:com="http://schemas.openxmlformats.org/drawingml/2006/compatibility" xmlns:p14="http://schemas.microsoft.com/office/powerpoint/2010/main" xmlns:p15="http://schemas.microsoft.com/office/powerpoint/2012/main" matchingName="Title only" type="titleOnly">
+<p:sldLayout xmlns:a="http://schemas.openxmlformats.org/drawingml/2006/main" xmlns:r="http://schemas.openxmlformats.org/officeDocument/2006/relationships" xmlns:p="http://schemas.openxmlformats.org/presentationml/2006/main" matchingName="Title only" type="titleOnly">
   <p:cSld name="TITLE_ONLY">
     <p:spTree>
       <p:nvGrpSpPr>
-        <p:cNvPr id="25" name="Shape 25"/>
+        <p:cNvPr id="1" name="Shape 25"/>
         <p:cNvGrpSpPr/>
         <p:nvPr/>
       </p:nvGrpSpPr>
@@ -3807,7 +3932,9 @@
       <p:sp>
         <p:nvSpPr>
           <p:cNvPr id="26" name="Google Shape;26;p6"/>
-          <p:cNvSpPr txBox="1"/>
+          <p:cNvSpPr txBox="1">
+            <a:spLocks noGrp="1"/>
+          </p:cNvSpPr>
           <p:nvPr>
             <p:ph type="title"/>
           </p:nvPr>
@@ -3822,7 +3949,7 @@
           </a:prstGeom>
         </p:spPr>
         <p:txBody>
-          <a:bodyPr anchorCtr="0" anchor="t" bIns="91425" lIns="91425" spcFirstLastPara="1" rIns="91425" wrap="square" tIns="91425">
+          <a:bodyPr spcFirstLastPara="1" wrap="square" lIns="91425" tIns="91425" rIns="91425" bIns="91425" anchor="t" anchorCtr="0">
             <a:noAutofit/>
           </a:bodyPr>
           <a:lstStyle>
@@ -3926,15 +4053,19 @@
               <a:defRPr/>
             </a:lvl9pPr>
           </a:lstStyle>
-          <a:p/>
+          <a:p>
+            <a:endParaRPr/>
+          </a:p>
         </p:txBody>
       </p:sp>
       <p:sp>
         <p:nvSpPr>
           <p:cNvPr id="27" name="Google Shape;27;p6"/>
-          <p:cNvSpPr txBox="1"/>
+          <p:cNvSpPr txBox="1">
+            <a:spLocks noGrp="1"/>
+          </p:cNvSpPr>
           <p:nvPr>
-            <p:ph idx="12" type="sldNum"/>
+            <p:ph type="sldNum" idx="12"/>
           </p:nvPr>
         </p:nvSpPr>
         <p:spPr>
@@ -3947,7 +4078,7 @@
           </a:prstGeom>
         </p:spPr>
         <p:txBody>
-          <a:bodyPr anchorCtr="0" anchor="ctr" bIns="91425" lIns="91425" spcFirstLastPara="1" rIns="91425" wrap="square" tIns="91425">
+          <a:bodyPr spcFirstLastPara="1" wrap="square" lIns="91425" tIns="91425" rIns="91425" bIns="91425" anchor="ctr" anchorCtr="0">
             <a:noAutofit/>
           </a:bodyPr>
           <a:lstStyle>
@@ -3989,7 +4120,7 @@
             </a:lvl9pPr>
           </a:lstStyle>
           <a:p>
-            <a:pPr indent="0" lvl="0" marL="0" rtl="0" algn="r">
+            <a:pPr marL="0" lvl="0" indent="0" algn="r" rtl="0">
               <a:spcBef>
                 <a:spcPts val="0"/>
               </a:spcBef>
@@ -4015,11 +4146,11 @@
 </file>
 
 <file path=ppt/slideLayouts/slideLayout6.xml><?xml version="1.0" encoding="utf-8"?>
-<p:sldLayout xmlns:a="http://schemas.openxmlformats.org/drawingml/2006/main" xmlns:r="http://schemas.openxmlformats.org/officeDocument/2006/relationships" xmlns:mc="http://schemas.openxmlformats.org/markup-compatibility/2006" xmlns:mv="urn:schemas-microsoft-com:mac:vml" xmlns:p="http://schemas.openxmlformats.org/presentationml/2006/main" xmlns:c="http://schemas.openxmlformats.org/drawingml/2006/chart" xmlns:dgm="http://schemas.openxmlformats.org/drawingml/2006/diagram" xmlns:o="urn:schemas-microsoft-com:office:office" xmlns:v="urn:schemas-microsoft-com:vml" xmlns:pvml="urn:schemas-microsoft-com:office:powerpoint" xmlns:com="http://schemas.openxmlformats.org/drawingml/2006/compatibility" xmlns:p14="http://schemas.microsoft.com/office/powerpoint/2010/main" xmlns:p15="http://schemas.microsoft.com/office/powerpoint/2012/main" matchingName="One column text">
+<p:sldLayout xmlns:a="http://schemas.openxmlformats.org/drawingml/2006/main" xmlns:r="http://schemas.openxmlformats.org/officeDocument/2006/relationships" xmlns:p="http://schemas.openxmlformats.org/presentationml/2006/main" matchingName="One column text">
   <p:cSld name="ONE_COLUMN_TEXT">
     <p:spTree>
       <p:nvGrpSpPr>
-        <p:cNvPr id="28" name="Shape 28"/>
+        <p:cNvPr id="1" name="Shape 28"/>
         <p:cNvGrpSpPr/>
         <p:nvPr/>
       </p:nvGrpSpPr>
@@ -4034,7 +4165,9 @@
       <p:sp>
         <p:nvSpPr>
           <p:cNvPr id="29" name="Google Shape;29;p7"/>
-          <p:cNvSpPr txBox="1"/>
+          <p:cNvSpPr txBox="1">
+            <a:spLocks noGrp="1"/>
+          </p:cNvSpPr>
           <p:nvPr>
             <p:ph type="title"/>
           </p:nvPr>
@@ -4049,7 +4182,7 @@
           </a:prstGeom>
         </p:spPr>
         <p:txBody>
-          <a:bodyPr anchorCtr="0" anchor="b" bIns="91425" lIns="91425" spcFirstLastPara="1" rIns="91425" wrap="square" tIns="91425">
+          <a:bodyPr spcFirstLastPara="1" wrap="square" lIns="91425" tIns="91425" rIns="91425" bIns="91425" anchor="b" anchorCtr="0">
             <a:noAutofit/>
           </a:bodyPr>
           <a:lstStyle>
@@ -4153,15 +4286,19 @@
               <a:defRPr sz="2400"/>
             </a:lvl9pPr>
           </a:lstStyle>
-          <a:p/>
+          <a:p>
+            <a:endParaRPr/>
+          </a:p>
         </p:txBody>
       </p:sp>
       <p:sp>
         <p:nvSpPr>
           <p:cNvPr id="30" name="Google Shape;30;p7"/>
-          <p:cNvSpPr txBox="1"/>
+          <p:cNvSpPr txBox="1">
+            <a:spLocks noGrp="1"/>
+          </p:cNvSpPr>
           <p:nvPr>
-            <p:ph idx="1" type="body"/>
+            <p:ph type="body" idx="1"/>
           </p:nvPr>
         </p:nvSpPr>
         <p:spPr>
@@ -4174,11 +4311,11 @@
           </a:prstGeom>
         </p:spPr>
         <p:txBody>
-          <a:bodyPr anchorCtr="0" anchor="t" bIns="91425" lIns="91425" spcFirstLastPara="1" rIns="91425" wrap="square" tIns="91425">
+          <a:bodyPr spcFirstLastPara="1" wrap="square" lIns="91425" tIns="91425" rIns="91425" bIns="91425" anchor="t" anchorCtr="0">
             <a:noAutofit/>
           </a:bodyPr>
           <a:lstStyle>
-            <a:lvl1pPr indent="-304800" lvl="0" marL="457200">
+            <a:lvl1pPr marL="457200" lvl="0" indent="-304800">
               <a:spcBef>
                 <a:spcPts val="0"/>
               </a:spcBef>
@@ -4189,7 +4326,7 @@
               <a:buChar char="●"/>
               <a:defRPr sz="1200"/>
             </a:lvl1pPr>
-            <a:lvl2pPr indent="-304800" lvl="1" marL="914400">
+            <a:lvl2pPr marL="914400" lvl="1" indent="-304800">
               <a:spcBef>
                 <a:spcPts val="1600"/>
               </a:spcBef>
@@ -4200,7 +4337,7 @@
               <a:buChar char="○"/>
               <a:defRPr sz="1200"/>
             </a:lvl2pPr>
-            <a:lvl3pPr indent="-304800" lvl="2" marL="1371600">
+            <a:lvl3pPr marL="1371600" lvl="2" indent="-304800">
               <a:spcBef>
                 <a:spcPts val="1600"/>
               </a:spcBef>
@@ -4211,7 +4348,7 @@
               <a:buChar char="■"/>
               <a:defRPr sz="1200"/>
             </a:lvl3pPr>
-            <a:lvl4pPr indent="-304800" lvl="3" marL="1828800">
+            <a:lvl4pPr marL="1828800" lvl="3" indent="-304800">
               <a:spcBef>
                 <a:spcPts val="1600"/>
               </a:spcBef>
@@ -4222,7 +4359,7 @@
               <a:buChar char="●"/>
               <a:defRPr sz="1200"/>
             </a:lvl4pPr>
-            <a:lvl5pPr indent="-304800" lvl="4" marL="2286000">
+            <a:lvl5pPr marL="2286000" lvl="4" indent="-304800">
               <a:spcBef>
                 <a:spcPts val="1600"/>
               </a:spcBef>
@@ -4233,7 +4370,7 @@
               <a:buChar char="○"/>
               <a:defRPr sz="1200"/>
             </a:lvl5pPr>
-            <a:lvl6pPr indent="-304800" lvl="5" marL="2743200">
+            <a:lvl6pPr marL="2743200" lvl="5" indent="-304800">
               <a:spcBef>
                 <a:spcPts val="1600"/>
               </a:spcBef>
@@ -4244,7 +4381,7 @@
               <a:buChar char="■"/>
               <a:defRPr sz="1200"/>
             </a:lvl6pPr>
-            <a:lvl7pPr indent="-304800" lvl="6" marL="3200400">
+            <a:lvl7pPr marL="3200400" lvl="6" indent="-304800">
               <a:spcBef>
                 <a:spcPts val="1600"/>
               </a:spcBef>
@@ -4255,7 +4392,7 @@
               <a:buChar char="●"/>
               <a:defRPr sz="1200"/>
             </a:lvl7pPr>
-            <a:lvl8pPr indent="-304800" lvl="7" marL="3657600">
+            <a:lvl8pPr marL="3657600" lvl="7" indent="-304800">
               <a:spcBef>
                 <a:spcPts val="1600"/>
               </a:spcBef>
@@ -4266,7 +4403,7 @@
               <a:buChar char="○"/>
               <a:defRPr sz="1200"/>
             </a:lvl8pPr>
-            <a:lvl9pPr indent="-304800" lvl="8" marL="4114800">
+            <a:lvl9pPr marL="4114800" lvl="8" indent="-304800">
               <a:spcBef>
                 <a:spcPts val="1600"/>
               </a:spcBef>
@@ -4278,15 +4415,19 @@
               <a:defRPr sz="1200"/>
             </a:lvl9pPr>
           </a:lstStyle>
-          <a:p/>
+          <a:p>
+            <a:endParaRPr/>
+          </a:p>
         </p:txBody>
       </p:sp>
       <p:sp>
         <p:nvSpPr>
           <p:cNvPr id="31" name="Google Shape;31;p7"/>
-          <p:cNvSpPr txBox="1"/>
+          <p:cNvSpPr txBox="1">
+            <a:spLocks noGrp="1"/>
+          </p:cNvSpPr>
           <p:nvPr>
-            <p:ph idx="12" type="sldNum"/>
+            <p:ph type="sldNum" idx="12"/>
           </p:nvPr>
         </p:nvSpPr>
         <p:spPr>
@@ -4299,7 +4440,7 @@
           </a:prstGeom>
         </p:spPr>
         <p:txBody>
-          <a:bodyPr anchorCtr="0" anchor="ctr" bIns="91425" lIns="91425" spcFirstLastPara="1" rIns="91425" wrap="square" tIns="91425">
+          <a:bodyPr spcFirstLastPara="1" wrap="square" lIns="91425" tIns="91425" rIns="91425" bIns="91425" anchor="ctr" anchorCtr="0">
             <a:noAutofit/>
           </a:bodyPr>
           <a:lstStyle>
@@ -4341,7 +4482,7 @@
             </a:lvl9pPr>
           </a:lstStyle>
           <a:p>
-            <a:pPr indent="0" lvl="0" marL="0" rtl="0" algn="r">
+            <a:pPr marL="0" lvl="0" indent="0" algn="r" rtl="0">
               <a:spcBef>
                 <a:spcPts val="0"/>
               </a:spcBef>
@@ -4367,11 +4508,11 @@
 </file>
 
 <file path=ppt/slideLayouts/slideLayout7.xml><?xml version="1.0" encoding="utf-8"?>
-<p:sldLayout xmlns:a="http://schemas.openxmlformats.org/drawingml/2006/main" xmlns:r="http://schemas.openxmlformats.org/officeDocument/2006/relationships" xmlns:mc="http://schemas.openxmlformats.org/markup-compatibility/2006" xmlns:mv="urn:schemas-microsoft-com:mac:vml" xmlns:p="http://schemas.openxmlformats.org/presentationml/2006/main" xmlns:c="http://schemas.openxmlformats.org/drawingml/2006/chart" xmlns:dgm="http://schemas.openxmlformats.org/drawingml/2006/diagram" xmlns:o="urn:schemas-microsoft-com:office:office" xmlns:v="urn:schemas-microsoft-com:vml" xmlns:pvml="urn:schemas-microsoft-com:office:powerpoint" xmlns:com="http://schemas.openxmlformats.org/drawingml/2006/compatibility" xmlns:p14="http://schemas.microsoft.com/office/powerpoint/2010/main" xmlns:p15="http://schemas.microsoft.com/office/powerpoint/2012/main" matchingName="Main point">
+<p:sldLayout xmlns:a="http://schemas.openxmlformats.org/drawingml/2006/main" xmlns:r="http://schemas.openxmlformats.org/officeDocument/2006/relationships" xmlns:p="http://schemas.openxmlformats.org/presentationml/2006/main" matchingName="Main point">
   <p:cSld name="MAIN_POINT">
     <p:spTree>
       <p:nvGrpSpPr>
-        <p:cNvPr id="32" name="Shape 32"/>
+        <p:cNvPr id="1" name="Shape 32"/>
         <p:cNvGrpSpPr/>
         <p:nvPr/>
       </p:nvGrpSpPr>
@@ -4386,7 +4527,9 @@
       <p:sp>
         <p:nvSpPr>
           <p:cNvPr id="33" name="Google Shape;33;p8"/>
-          <p:cNvSpPr txBox="1"/>
+          <p:cNvSpPr txBox="1">
+            <a:spLocks noGrp="1"/>
+          </p:cNvSpPr>
           <p:nvPr>
             <p:ph type="title"/>
           </p:nvPr>
@@ -4401,7 +4544,7 @@
           </a:prstGeom>
         </p:spPr>
         <p:txBody>
-          <a:bodyPr anchorCtr="0" anchor="ctr" bIns="91425" lIns="91425" spcFirstLastPara="1" rIns="91425" wrap="square" tIns="91425">
+          <a:bodyPr spcFirstLastPara="1" wrap="square" lIns="91425" tIns="91425" rIns="91425" bIns="91425" anchor="ctr" anchorCtr="0">
             <a:noAutofit/>
           </a:bodyPr>
           <a:lstStyle>
@@ -4505,15 +4648,19 @@
               <a:defRPr sz="4800"/>
             </a:lvl9pPr>
           </a:lstStyle>
-          <a:p/>
+          <a:p>
+            <a:endParaRPr/>
+          </a:p>
         </p:txBody>
       </p:sp>
       <p:sp>
         <p:nvSpPr>
           <p:cNvPr id="34" name="Google Shape;34;p8"/>
-          <p:cNvSpPr txBox="1"/>
+          <p:cNvSpPr txBox="1">
+            <a:spLocks noGrp="1"/>
+          </p:cNvSpPr>
           <p:nvPr>
-            <p:ph idx="12" type="sldNum"/>
+            <p:ph type="sldNum" idx="12"/>
           </p:nvPr>
         </p:nvSpPr>
         <p:spPr>
@@ -4526,7 +4673,7 @@
           </a:prstGeom>
         </p:spPr>
         <p:txBody>
-          <a:bodyPr anchorCtr="0" anchor="ctr" bIns="91425" lIns="91425" spcFirstLastPara="1" rIns="91425" wrap="square" tIns="91425">
+          <a:bodyPr spcFirstLastPara="1" wrap="square" lIns="91425" tIns="91425" rIns="91425" bIns="91425" anchor="ctr" anchorCtr="0">
             <a:noAutofit/>
           </a:bodyPr>
           <a:lstStyle>
@@ -4568,7 +4715,7 @@
             </a:lvl9pPr>
           </a:lstStyle>
           <a:p>
-            <a:pPr indent="0" lvl="0" marL="0" rtl="0" algn="r">
+            <a:pPr marL="0" lvl="0" indent="0" algn="r" rtl="0">
               <a:spcBef>
                 <a:spcPts val="0"/>
               </a:spcBef>
@@ -4594,11 +4741,11 @@
 </file>
 
 <file path=ppt/slideLayouts/slideLayout8.xml><?xml version="1.0" encoding="utf-8"?>
-<p:sldLayout xmlns:a="http://schemas.openxmlformats.org/drawingml/2006/main" xmlns:r="http://schemas.openxmlformats.org/officeDocument/2006/relationships" xmlns:mc="http://schemas.openxmlformats.org/markup-compatibility/2006" xmlns:mv="urn:schemas-microsoft-com:mac:vml" xmlns:p="http://schemas.openxmlformats.org/presentationml/2006/main" xmlns:c="http://schemas.openxmlformats.org/drawingml/2006/chart" xmlns:dgm="http://schemas.openxmlformats.org/drawingml/2006/diagram" xmlns:o="urn:schemas-microsoft-com:office:office" xmlns:v="urn:schemas-microsoft-com:vml" xmlns:pvml="urn:schemas-microsoft-com:office:powerpoint" xmlns:com="http://schemas.openxmlformats.org/drawingml/2006/compatibility" xmlns:p14="http://schemas.microsoft.com/office/powerpoint/2010/main" xmlns:p15="http://schemas.microsoft.com/office/powerpoint/2012/main" matchingName="Section title and description">
+<p:sldLayout xmlns:a="http://schemas.openxmlformats.org/drawingml/2006/main" xmlns:r="http://schemas.openxmlformats.org/officeDocument/2006/relationships" xmlns:p="http://schemas.openxmlformats.org/presentationml/2006/main" matchingName="Section title and description">
   <p:cSld name="SECTION_TITLE_AND_DESCRIPTION">
     <p:spTree>
       <p:nvGrpSpPr>
-        <p:cNvPr id="35" name="Shape 35"/>
+        <p:cNvPr id="1" name="Shape 35"/>
         <p:cNvGrpSpPr/>
         <p:nvPr/>
       </p:nvGrpSpPr>
@@ -4632,12 +4779,12 @@
           </a:ln>
         </p:spPr>
         <p:txBody>
-          <a:bodyPr anchorCtr="0" anchor="ctr" bIns="91425" lIns="91425" spcFirstLastPara="1" rIns="91425" wrap="square" tIns="91425">
+          <a:bodyPr spcFirstLastPara="1" wrap="square" lIns="91425" tIns="91425" rIns="91425" bIns="91425" anchor="ctr" anchorCtr="0">
             <a:noAutofit/>
           </a:bodyPr>
           <a:lstStyle/>
           <a:p>
-            <a:pPr indent="0" lvl="0" marL="0" rtl="0" algn="l">
+            <a:pPr marL="0" lvl="0" indent="0" algn="l" rtl="0">
               <a:spcBef>
                 <a:spcPts val="0"/>
               </a:spcBef>
@@ -4646,9 +4793,6 @@
               </a:spcAft>
               <a:buNone/>
             </a:pPr>
-            <a:r>
-              <a:t/>
-            </a:r>
             <a:endParaRPr/>
           </a:p>
         </p:txBody>
@@ -4656,7 +4800,9 @@
       <p:sp>
         <p:nvSpPr>
           <p:cNvPr id="37" name="Google Shape;37;p9"/>
-          <p:cNvSpPr txBox="1"/>
+          <p:cNvSpPr txBox="1">
+            <a:spLocks noGrp="1"/>
+          </p:cNvSpPr>
           <p:nvPr>
             <p:ph type="title"/>
           </p:nvPr>
@@ -4671,7 +4817,7 @@
           </a:prstGeom>
         </p:spPr>
         <p:txBody>
-          <a:bodyPr anchorCtr="0" anchor="b" bIns="91425" lIns="91425" spcFirstLastPara="1" rIns="91425" wrap="square" tIns="91425">
+          <a:bodyPr spcFirstLastPara="1" wrap="square" lIns="91425" tIns="91425" rIns="91425" bIns="91425" anchor="b" anchorCtr="0">
             <a:noAutofit/>
           </a:bodyPr>
           <a:lstStyle>
@@ -4775,15 +4921,19 @@
               <a:defRPr sz="4200"/>
             </a:lvl9pPr>
           </a:lstStyle>
-          <a:p/>
+          <a:p>
+            <a:endParaRPr/>
+          </a:p>
         </p:txBody>
       </p:sp>
       <p:sp>
         <p:nvSpPr>
           <p:cNvPr id="38" name="Google Shape;38;p9"/>
-          <p:cNvSpPr txBox="1"/>
+          <p:cNvSpPr txBox="1">
+            <a:spLocks noGrp="1"/>
+          </p:cNvSpPr>
           <p:nvPr>
-            <p:ph idx="1" type="subTitle"/>
+            <p:ph type="subTitle" idx="1"/>
           </p:nvPr>
         </p:nvSpPr>
         <p:spPr>
@@ -4796,7 +4946,7 @@
           </a:prstGeom>
         </p:spPr>
         <p:txBody>
-          <a:bodyPr anchorCtr="0" anchor="t" bIns="91425" lIns="91425" spcFirstLastPara="1" rIns="91425" wrap="square" tIns="91425">
+          <a:bodyPr spcFirstLastPara="1" wrap="square" lIns="91425" tIns="91425" rIns="91425" bIns="91425" anchor="t" anchorCtr="0">
             <a:noAutofit/>
           </a:bodyPr>
           <a:lstStyle>
@@ -4927,15 +5077,19 @@
               <a:defRPr sz="2100"/>
             </a:lvl9pPr>
           </a:lstStyle>
-          <a:p/>
+          <a:p>
+            <a:endParaRPr/>
+          </a:p>
         </p:txBody>
       </p:sp>
       <p:sp>
         <p:nvSpPr>
           <p:cNvPr id="39" name="Google Shape;39;p9"/>
-          <p:cNvSpPr txBox="1"/>
+          <p:cNvSpPr txBox="1">
+            <a:spLocks noGrp="1"/>
+          </p:cNvSpPr>
           <p:nvPr>
-            <p:ph idx="2" type="body"/>
+            <p:ph type="body" idx="2"/>
           </p:nvPr>
         </p:nvSpPr>
         <p:spPr>
@@ -4948,11 +5102,11 @@
           </a:prstGeom>
         </p:spPr>
         <p:txBody>
-          <a:bodyPr anchorCtr="0" anchor="ctr" bIns="91425" lIns="91425" spcFirstLastPara="1" rIns="91425" wrap="square" tIns="91425">
+          <a:bodyPr spcFirstLastPara="1" wrap="square" lIns="91425" tIns="91425" rIns="91425" bIns="91425" anchor="ctr" anchorCtr="0">
             <a:noAutofit/>
           </a:bodyPr>
           <a:lstStyle>
-            <a:lvl1pPr indent="-342900" lvl="0" marL="457200">
+            <a:lvl1pPr marL="457200" lvl="0" indent="-342900">
               <a:spcBef>
                 <a:spcPts val="0"/>
               </a:spcBef>
@@ -4963,7 +5117,7 @@
               <a:buChar char="●"/>
               <a:defRPr/>
             </a:lvl1pPr>
-            <a:lvl2pPr indent="-317500" lvl="1" marL="914400">
+            <a:lvl2pPr marL="914400" lvl="1" indent="-317500">
               <a:spcBef>
                 <a:spcPts val="1600"/>
               </a:spcBef>
@@ -4974,7 +5128,7 @@
               <a:buChar char="○"/>
               <a:defRPr/>
             </a:lvl2pPr>
-            <a:lvl3pPr indent="-317500" lvl="2" marL="1371600">
+            <a:lvl3pPr marL="1371600" lvl="2" indent="-317500">
               <a:spcBef>
                 <a:spcPts val="1600"/>
               </a:spcBef>
@@ -4985,7 +5139,7 @@
               <a:buChar char="■"/>
               <a:defRPr/>
             </a:lvl3pPr>
-            <a:lvl4pPr indent="-317500" lvl="3" marL="1828800">
+            <a:lvl4pPr marL="1828800" lvl="3" indent="-317500">
               <a:spcBef>
                 <a:spcPts val="1600"/>
               </a:spcBef>
@@ -4996,7 +5150,7 @@
               <a:buChar char="●"/>
               <a:defRPr/>
             </a:lvl4pPr>
-            <a:lvl5pPr indent="-317500" lvl="4" marL="2286000">
+            <a:lvl5pPr marL="2286000" lvl="4" indent="-317500">
               <a:spcBef>
                 <a:spcPts val="1600"/>
               </a:spcBef>
@@ -5007,7 +5161,7 @@
               <a:buChar char="○"/>
               <a:defRPr/>
             </a:lvl5pPr>
-            <a:lvl6pPr indent="-317500" lvl="5" marL="2743200">
+            <a:lvl6pPr marL="2743200" lvl="5" indent="-317500">
               <a:spcBef>
                 <a:spcPts val="1600"/>
               </a:spcBef>
@@ -5018,7 +5172,7 @@
               <a:buChar char="■"/>
               <a:defRPr/>
             </a:lvl6pPr>
-            <a:lvl7pPr indent="-317500" lvl="6" marL="3200400">
+            <a:lvl7pPr marL="3200400" lvl="6" indent="-317500">
               <a:spcBef>
                 <a:spcPts val="1600"/>
               </a:spcBef>
@@ -5029,7 +5183,7 @@
               <a:buChar char="●"/>
               <a:defRPr/>
             </a:lvl7pPr>
-            <a:lvl8pPr indent="-317500" lvl="7" marL="3657600">
+            <a:lvl8pPr marL="3657600" lvl="7" indent="-317500">
               <a:spcBef>
                 <a:spcPts val="1600"/>
               </a:spcBef>
@@ -5040,7 +5194,7 @@
               <a:buChar char="○"/>
               <a:defRPr/>
             </a:lvl8pPr>
-            <a:lvl9pPr indent="-317500" lvl="8" marL="4114800">
+            <a:lvl9pPr marL="4114800" lvl="8" indent="-317500">
               <a:spcBef>
                 <a:spcPts val="1600"/>
               </a:spcBef>
@@ -5052,15 +5206,19 @@
               <a:defRPr/>
             </a:lvl9pPr>
           </a:lstStyle>
-          <a:p/>
+          <a:p>
+            <a:endParaRPr/>
+          </a:p>
         </p:txBody>
       </p:sp>
       <p:sp>
         <p:nvSpPr>
           <p:cNvPr id="40" name="Google Shape;40;p9"/>
-          <p:cNvSpPr txBox="1"/>
+          <p:cNvSpPr txBox="1">
+            <a:spLocks noGrp="1"/>
+          </p:cNvSpPr>
           <p:nvPr>
-            <p:ph idx="12" type="sldNum"/>
+            <p:ph type="sldNum" idx="12"/>
           </p:nvPr>
         </p:nvSpPr>
         <p:spPr>
@@ -5073,7 +5231,7 @@
           </a:prstGeom>
         </p:spPr>
         <p:txBody>
-          <a:bodyPr anchorCtr="0" anchor="ctr" bIns="91425" lIns="91425" spcFirstLastPara="1" rIns="91425" wrap="square" tIns="91425">
+          <a:bodyPr spcFirstLastPara="1" wrap="square" lIns="91425" tIns="91425" rIns="91425" bIns="91425" anchor="ctr" anchorCtr="0">
             <a:noAutofit/>
           </a:bodyPr>
           <a:lstStyle>
@@ -5115,7 +5273,7 @@
             </a:lvl9pPr>
           </a:lstStyle>
           <a:p>
-            <a:pPr indent="0" lvl="0" marL="0" rtl="0" algn="r">
+            <a:pPr marL="0" lvl="0" indent="0" algn="r" rtl="0">
               <a:spcBef>
                 <a:spcPts val="0"/>
               </a:spcBef>
@@ -5141,11 +5299,11 @@
 </file>
 
 <file path=ppt/slideLayouts/slideLayout9.xml><?xml version="1.0" encoding="utf-8"?>
-<p:sldLayout xmlns:a="http://schemas.openxmlformats.org/drawingml/2006/main" xmlns:r="http://schemas.openxmlformats.org/officeDocument/2006/relationships" xmlns:mc="http://schemas.openxmlformats.org/markup-compatibility/2006" xmlns:mv="urn:schemas-microsoft-com:mac:vml" xmlns:p="http://schemas.openxmlformats.org/presentationml/2006/main" xmlns:c="http://schemas.openxmlformats.org/drawingml/2006/chart" xmlns:dgm="http://schemas.openxmlformats.org/drawingml/2006/diagram" xmlns:o="urn:schemas-microsoft-com:office:office" xmlns:v="urn:schemas-microsoft-com:vml" xmlns:pvml="urn:schemas-microsoft-com:office:powerpoint" xmlns:com="http://schemas.openxmlformats.org/drawingml/2006/compatibility" xmlns:p14="http://schemas.microsoft.com/office/powerpoint/2010/main" xmlns:p15="http://schemas.microsoft.com/office/powerpoint/2012/main" matchingName="Caption">
+<p:sldLayout xmlns:a="http://schemas.openxmlformats.org/drawingml/2006/main" xmlns:r="http://schemas.openxmlformats.org/officeDocument/2006/relationships" xmlns:p="http://schemas.openxmlformats.org/presentationml/2006/main" matchingName="Caption">
   <p:cSld name="CAPTION_ONLY">
     <p:spTree>
       <p:nvGrpSpPr>
-        <p:cNvPr id="41" name="Shape 41"/>
+        <p:cNvPr id="1" name="Shape 41"/>
         <p:cNvGrpSpPr/>
         <p:nvPr/>
       </p:nvGrpSpPr>
@@ -5160,9 +5318,11 @@
       <p:sp>
         <p:nvSpPr>
           <p:cNvPr id="42" name="Google Shape;42;p10"/>
-          <p:cNvSpPr txBox="1"/>
+          <p:cNvSpPr txBox="1">
+            <a:spLocks noGrp="1"/>
+          </p:cNvSpPr>
           <p:nvPr>
-            <p:ph idx="1" type="body"/>
+            <p:ph type="body" idx="1"/>
           </p:nvPr>
         </p:nvSpPr>
         <p:spPr>
@@ -5175,11 +5335,11 @@
           </a:prstGeom>
         </p:spPr>
         <p:txBody>
-          <a:bodyPr anchorCtr="0" anchor="ctr" bIns="91425" lIns="91425" spcFirstLastPara="1" rIns="91425" wrap="square" tIns="91425">
+          <a:bodyPr spcFirstLastPara="1" wrap="square" lIns="91425" tIns="91425" rIns="91425" bIns="91425" anchor="ctr" anchorCtr="0">
             <a:noAutofit/>
           </a:bodyPr>
           <a:lstStyle>
-            <a:lvl1pPr indent="-228600" lvl="0" marL="457200">
+            <a:lvl1pPr marL="457200" lvl="0" indent="-228600">
               <a:lnSpc>
                 <a:spcPct val="100000"/>
               </a:lnSpc>
@@ -5194,15 +5354,19 @@
               <a:defRPr/>
             </a:lvl1pPr>
           </a:lstStyle>
-          <a:p/>
+          <a:p>
+            <a:endParaRPr/>
+          </a:p>
         </p:txBody>
       </p:sp>
       <p:sp>
         <p:nvSpPr>
           <p:cNvPr id="43" name="Google Shape;43;p10"/>
-          <p:cNvSpPr txBox="1"/>
+          <p:cNvSpPr txBox="1">
+            <a:spLocks noGrp="1"/>
+          </p:cNvSpPr>
           <p:nvPr>
-            <p:ph idx="12" type="sldNum"/>
+            <p:ph type="sldNum" idx="12"/>
           </p:nvPr>
         </p:nvSpPr>
         <p:spPr>
@@ -5215,7 +5379,7 @@
           </a:prstGeom>
         </p:spPr>
         <p:txBody>
-          <a:bodyPr anchorCtr="0" anchor="ctr" bIns="91425" lIns="91425" spcFirstLastPara="1" rIns="91425" wrap="square" tIns="91425">
+          <a:bodyPr spcFirstLastPara="1" wrap="square" lIns="91425" tIns="91425" rIns="91425" bIns="91425" anchor="ctr" anchorCtr="0">
             <a:noAutofit/>
           </a:bodyPr>
           <a:lstStyle>
@@ -5257,7 +5421,7 @@
             </a:lvl9pPr>
           </a:lstStyle>
           <a:p>
-            <a:pPr indent="0" lvl="0" marL="0" rtl="0" algn="r">
+            <a:pPr marL="0" lvl="0" indent="0" algn="r" rtl="0">
               <a:spcBef>
                 <a:spcPts val="0"/>
               </a:spcBef>
@@ -5283,18 +5447,19 @@
 </file>
 
 <file path=ppt/slideMasters/slideMaster1.xml><?xml version="1.0" encoding="utf-8"?>
-<p:sldMaster xmlns:a="http://schemas.openxmlformats.org/drawingml/2006/main" xmlns:r="http://schemas.openxmlformats.org/officeDocument/2006/relationships" xmlns:mc="http://schemas.openxmlformats.org/markup-compatibility/2006" xmlns:mv="urn:schemas-microsoft-com:mac:vml" xmlns:p="http://schemas.openxmlformats.org/presentationml/2006/main" xmlns:c="http://schemas.openxmlformats.org/drawingml/2006/chart" xmlns:dgm="http://schemas.openxmlformats.org/drawingml/2006/diagram" xmlns:o="urn:schemas-microsoft-com:office:office" xmlns:v="urn:schemas-microsoft-com:vml" xmlns:pvml="urn:schemas-microsoft-com:office:powerpoint" xmlns:com="http://schemas.openxmlformats.org/drawingml/2006/compatibility" xmlns:p14="http://schemas.microsoft.com/office/powerpoint/2010/main" xmlns:p15="http://schemas.microsoft.com/office/powerpoint/2012/main">
+<p:sldMaster xmlns:a="http://schemas.openxmlformats.org/drawingml/2006/main" xmlns:r="http://schemas.openxmlformats.org/officeDocument/2006/relationships" xmlns:p="http://schemas.openxmlformats.org/presentationml/2006/main">
   <p:cSld name="simple-light-2">
     <p:bg>
       <p:bgPr>
         <a:solidFill>
           <a:schemeClr val="lt1"/>
         </a:solidFill>
+        <a:effectLst/>
       </p:bgPr>
     </p:bg>
     <p:spTree>
       <p:nvGrpSpPr>
-        <p:cNvPr id="5" name="Shape 5"/>
+        <p:cNvPr id="1" name="Shape 5"/>
         <p:cNvGrpSpPr/>
         <p:nvPr/>
       </p:nvGrpSpPr>
@@ -5309,7 +5474,9 @@
       <p:sp>
         <p:nvSpPr>
           <p:cNvPr id="6" name="Google Shape;6;p1"/>
-          <p:cNvSpPr txBox="1"/>
+          <p:cNvSpPr txBox="1">
+            <a:spLocks noGrp="1"/>
+          </p:cNvSpPr>
           <p:nvPr>
             <p:ph type="title"/>
           </p:nvPr>
@@ -5328,7 +5495,7 @@
           </a:ln>
         </p:spPr>
         <p:txBody>
-          <a:bodyPr anchorCtr="0" anchor="t" bIns="91425" lIns="91425" spcFirstLastPara="1" rIns="91425" wrap="square" tIns="91425">
+          <a:bodyPr spcFirstLastPara="1" wrap="square" lIns="91425" tIns="91425" rIns="91425" bIns="91425" anchor="t" anchorCtr="0">
             <a:noAutofit/>
           </a:bodyPr>
           <a:lstStyle>
@@ -5495,15 +5662,19 @@
               </a:defRPr>
             </a:lvl9pPr>
           </a:lstStyle>
-          <a:p/>
+          <a:p>
+            <a:endParaRPr/>
+          </a:p>
         </p:txBody>
       </p:sp>
       <p:sp>
         <p:nvSpPr>
           <p:cNvPr id="7" name="Google Shape;7;p1"/>
-          <p:cNvSpPr txBox="1"/>
+          <p:cNvSpPr txBox="1">
+            <a:spLocks noGrp="1"/>
+          </p:cNvSpPr>
           <p:nvPr>
-            <p:ph idx="1" type="body"/>
+            <p:ph type="body" idx="1"/>
           </p:nvPr>
         </p:nvSpPr>
         <p:spPr>
@@ -5520,11 +5691,11 @@
           </a:ln>
         </p:spPr>
         <p:txBody>
-          <a:bodyPr anchorCtr="0" anchor="t" bIns="91425" lIns="91425" spcFirstLastPara="1" rIns="91425" wrap="square" tIns="91425">
+          <a:bodyPr spcFirstLastPara="1" wrap="square" lIns="91425" tIns="91425" rIns="91425" bIns="91425" anchor="t" anchorCtr="0">
             <a:noAutofit/>
           </a:bodyPr>
           <a:lstStyle>
-            <a:lvl1pPr indent="-342900" lvl="0" marL="457200">
+            <a:lvl1pPr marL="457200" lvl="0" indent="-342900">
               <a:lnSpc>
                 <a:spcPct val="115000"/>
               </a:lnSpc>
@@ -5545,7 +5716,7 @@
                 </a:solidFill>
               </a:defRPr>
             </a:lvl1pPr>
-            <a:lvl2pPr indent="-317500" lvl="1" marL="914400">
+            <a:lvl2pPr marL="914400" lvl="1" indent="-317500">
               <a:lnSpc>
                 <a:spcPct val="115000"/>
               </a:lnSpc>
@@ -5566,7 +5737,7 @@
                 </a:solidFill>
               </a:defRPr>
             </a:lvl2pPr>
-            <a:lvl3pPr indent="-317500" lvl="2" marL="1371600">
+            <a:lvl3pPr marL="1371600" lvl="2" indent="-317500">
               <a:lnSpc>
                 <a:spcPct val="115000"/>
               </a:lnSpc>
@@ -5587,7 +5758,7 @@
                 </a:solidFill>
               </a:defRPr>
             </a:lvl3pPr>
-            <a:lvl4pPr indent="-317500" lvl="3" marL="1828800">
+            <a:lvl4pPr marL="1828800" lvl="3" indent="-317500">
               <a:lnSpc>
                 <a:spcPct val="115000"/>
               </a:lnSpc>
@@ -5608,7 +5779,7 @@
                 </a:solidFill>
               </a:defRPr>
             </a:lvl4pPr>
-            <a:lvl5pPr indent="-317500" lvl="4" marL="2286000">
+            <a:lvl5pPr marL="2286000" lvl="4" indent="-317500">
               <a:lnSpc>
                 <a:spcPct val="115000"/>
               </a:lnSpc>
@@ -5629,7 +5800,7 @@
                 </a:solidFill>
               </a:defRPr>
             </a:lvl5pPr>
-            <a:lvl6pPr indent="-317500" lvl="5" marL="2743200">
+            <a:lvl6pPr marL="2743200" lvl="5" indent="-317500">
               <a:lnSpc>
                 <a:spcPct val="115000"/>
               </a:lnSpc>
@@ -5650,7 +5821,7 @@
                 </a:solidFill>
               </a:defRPr>
             </a:lvl6pPr>
-            <a:lvl7pPr indent="-317500" lvl="6" marL="3200400">
+            <a:lvl7pPr marL="3200400" lvl="6" indent="-317500">
               <a:lnSpc>
                 <a:spcPct val="115000"/>
               </a:lnSpc>
@@ -5671,7 +5842,7 @@
                 </a:solidFill>
               </a:defRPr>
             </a:lvl7pPr>
-            <a:lvl8pPr indent="-317500" lvl="7" marL="3657600">
+            <a:lvl8pPr marL="3657600" lvl="7" indent="-317500">
               <a:lnSpc>
                 <a:spcPct val="115000"/>
               </a:lnSpc>
@@ -5692,7 +5863,7 @@
                 </a:solidFill>
               </a:defRPr>
             </a:lvl8pPr>
-            <a:lvl9pPr indent="-317500" lvl="8" marL="4114800">
+            <a:lvl9pPr marL="4114800" lvl="8" indent="-317500">
               <a:lnSpc>
                 <a:spcPct val="115000"/>
               </a:lnSpc>
@@ -5714,15 +5885,19 @@
               </a:defRPr>
             </a:lvl9pPr>
           </a:lstStyle>
-          <a:p/>
+          <a:p>
+            <a:endParaRPr/>
+          </a:p>
         </p:txBody>
       </p:sp>
       <p:sp>
         <p:nvSpPr>
           <p:cNvPr id="8" name="Google Shape;8;p1"/>
-          <p:cNvSpPr txBox="1"/>
+          <p:cNvSpPr txBox="1">
+            <a:spLocks noGrp="1"/>
+          </p:cNvSpPr>
           <p:nvPr>
-            <p:ph idx="12" type="sldNum"/>
+            <p:ph type="sldNum" idx="12"/>
           </p:nvPr>
         </p:nvSpPr>
         <p:spPr>
@@ -5739,7 +5914,7 @@
           </a:ln>
         </p:spPr>
         <p:txBody>
-          <a:bodyPr anchorCtr="0" anchor="ctr" bIns="91425" lIns="91425" spcFirstLastPara="1" rIns="91425" wrap="square" tIns="91425">
+          <a:bodyPr spcFirstLastPara="1" wrap="square" lIns="91425" tIns="91425" rIns="91425" bIns="91425" anchor="ctr" anchorCtr="0">
             <a:noAutofit/>
           </a:bodyPr>
           <a:lstStyle>
@@ -5817,7 +5992,7 @@
             </a:lvl9pPr>
           </a:lstStyle>
           <a:p>
-            <a:pPr indent="0" lvl="0" marL="0" rtl="0" algn="r">
+            <a:pPr marL="0" lvl="0" indent="0" algn="r" rtl="0">
               <a:spcBef>
                 <a:spcPts val="0"/>
               </a:spcBef>
@@ -5836,7 +6011,7 @@
       </p:sp>
     </p:spTree>
   </p:cSld>
-  <p:clrMap accent1="accent1" accent2="accent2" accent3="accent3" accent4="accent4" accent5="accent5" accent6="accent6" bg1="lt1" bg2="dk2" tx1="dk1" tx2="lt2" folHlink="folHlink" hlink="hlink"/>
+  <p:clrMap bg1="lt1" tx1="dk1" bg2="dk2" tx2="lt2" accent1="accent1" accent2="accent2" accent3="accent3" accent4="accent4" accent5="accent5" accent6="accent6" hlink="hlink" folHlink="folHlink"/>
   <p:sldLayoutIdLst>
     <p:sldLayoutId id="2147483648" r:id="rId1"/>
     <p:sldLayoutId id="2147483649" r:id="rId2"/>
@@ -5850,10 +6025,10 @@
     <p:sldLayoutId id="2147483657" r:id="rId10"/>
     <p:sldLayoutId id="2147483658" r:id="rId11"/>
   </p:sldLayoutIdLst>
-  <p:hf dt="0" ftr="0" hdr="0" sldNum="0"/>
+  <p:hf sldNum="0" hdr="0" ftr="0" dt="0"/>
   <p:txStyles>
     <p:titleStyle>
-      <a:defPPr lvl="0" marR="0" rtl="0" algn="l">
+      <a:defPPr marR="0" lvl="0" algn="l" rtl="0">
         <a:lnSpc>
           <a:spcPct val="100000"/>
         </a:lnSpc>
@@ -5864,7 +6039,7 @@
           <a:spcPts val="0"/>
         </a:spcAft>
       </a:defPPr>
-      <a:lvl1pPr lvl="0" marR="0" rtl="0" algn="l">
+      <a:lvl1pPr marR="0" lvl="0" algn="l" rtl="0">
         <a:lnSpc>
           <a:spcPct val="100000"/>
         </a:lnSpc>
@@ -5878,7 +6053,7 @@
           <a:srgbClr val="000000"/>
         </a:buClr>
         <a:buFont typeface="Arial"/>
-        <a:defRPr b="0" i="0" sz="1400" u="none" cap="none" strike="noStrike">
+        <a:defRPr sz="1400" b="0" i="0" u="none" strike="noStrike" cap="none">
           <a:solidFill>
             <a:srgbClr val="000000"/>
           </a:solidFill>
@@ -5888,7 +6063,7 @@
           <a:sym typeface="Arial"/>
         </a:defRPr>
       </a:lvl1pPr>
-      <a:lvl2pPr lvl="1" marR="0" rtl="0" algn="l">
+      <a:lvl2pPr marR="0" lvl="1" algn="l" rtl="0">
         <a:lnSpc>
           <a:spcPct val="100000"/>
         </a:lnSpc>
@@ -5902,7 +6077,7 @@
           <a:srgbClr val="000000"/>
         </a:buClr>
         <a:buFont typeface="Arial"/>
-        <a:defRPr b="0" i="0" sz="1400" u="none" cap="none" strike="noStrike">
+        <a:defRPr sz="1400" b="0" i="0" u="none" strike="noStrike" cap="none">
           <a:solidFill>
             <a:srgbClr val="000000"/>
           </a:solidFill>
@@ -5912,7 +6087,7 @@
           <a:sym typeface="Arial"/>
         </a:defRPr>
       </a:lvl2pPr>
-      <a:lvl3pPr lvl="2" marR="0" rtl="0" algn="l">
+      <a:lvl3pPr marR="0" lvl="2" algn="l" rtl="0">
         <a:lnSpc>
           <a:spcPct val="100000"/>
         </a:lnSpc>
@@ -5926,7 +6101,7 @@
           <a:srgbClr val="000000"/>
         </a:buClr>
         <a:buFont typeface="Arial"/>
-        <a:defRPr b="0" i="0" sz="1400" u="none" cap="none" strike="noStrike">
+        <a:defRPr sz="1400" b="0" i="0" u="none" strike="noStrike" cap="none">
           <a:solidFill>
             <a:srgbClr val="000000"/>
           </a:solidFill>
@@ -5936,7 +6111,7 @@
           <a:sym typeface="Arial"/>
         </a:defRPr>
       </a:lvl3pPr>
-      <a:lvl4pPr lvl="3" marR="0" rtl="0" algn="l">
+      <a:lvl4pPr marR="0" lvl="3" algn="l" rtl="0">
         <a:lnSpc>
           <a:spcPct val="100000"/>
         </a:lnSpc>
@@ -5950,7 +6125,7 @@
           <a:srgbClr val="000000"/>
         </a:buClr>
         <a:buFont typeface="Arial"/>
-        <a:defRPr b="0" i="0" sz="1400" u="none" cap="none" strike="noStrike">
+        <a:defRPr sz="1400" b="0" i="0" u="none" strike="noStrike" cap="none">
           <a:solidFill>
             <a:srgbClr val="000000"/>
           </a:solidFill>
@@ -5960,7 +6135,7 @@
           <a:sym typeface="Arial"/>
         </a:defRPr>
       </a:lvl4pPr>
-      <a:lvl5pPr lvl="4" marR="0" rtl="0" algn="l">
+      <a:lvl5pPr marR="0" lvl="4" algn="l" rtl="0">
         <a:lnSpc>
           <a:spcPct val="100000"/>
         </a:lnSpc>
@@ -5974,7 +6149,7 @@
           <a:srgbClr val="000000"/>
         </a:buClr>
         <a:buFont typeface="Arial"/>
-        <a:defRPr b="0" i="0" sz="1400" u="none" cap="none" strike="noStrike">
+        <a:defRPr sz="1400" b="0" i="0" u="none" strike="noStrike" cap="none">
           <a:solidFill>
             <a:srgbClr val="000000"/>
           </a:solidFill>
@@ -5984,7 +6159,7 @@
           <a:sym typeface="Arial"/>
         </a:defRPr>
       </a:lvl5pPr>
-      <a:lvl6pPr lvl="5" marR="0" rtl="0" algn="l">
+      <a:lvl6pPr marR="0" lvl="5" algn="l" rtl="0">
         <a:lnSpc>
           <a:spcPct val="100000"/>
         </a:lnSpc>
@@ -5998,7 +6173,7 @@
           <a:srgbClr val="000000"/>
         </a:buClr>
         <a:buFont typeface="Arial"/>
-        <a:defRPr b="0" i="0" sz="1400" u="none" cap="none" strike="noStrike">
+        <a:defRPr sz="1400" b="0" i="0" u="none" strike="noStrike" cap="none">
           <a:solidFill>
             <a:srgbClr val="000000"/>
           </a:solidFill>
@@ -6008,7 +6183,7 @@
           <a:sym typeface="Arial"/>
         </a:defRPr>
       </a:lvl6pPr>
-      <a:lvl7pPr lvl="6" marR="0" rtl="0" algn="l">
+      <a:lvl7pPr marR="0" lvl="6" algn="l" rtl="0">
         <a:lnSpc>
           <a:spcPct val="100000"/>
         </a:lnSpc>
@@ -6022,7 +6197,7 @@
           <a:srgbClr val="000000"/>
         </a:buClr>
         <a:buFont typeface="Arial"/>
-        <a:defRPr b="0" i="0" sz="1400" u="none" cap="none" strike="noStrike">
+        <a:defRPr sz="1400" b="0" i="0" u="none" strike="noStrike" cap="none">
           <a:solidFill>
             <a:srgbClr val="000000"/>
           </a:solidFill>
@@ -6032,7 +6207,7 @@
           <a:sym typeface="Arial"/>
         </a:defRPr>
       </a:lvl7pPr>
-      <a:lvl8pPr lvl="7" marR="0" rtl="0" algn="l">
+      <a:lvl8pPr marR="0" lvl="7" algn="l" rtl="0">
         <a:lnSpc>
           <a:spcPct val="100000"/>
         </a:lnSpc>
@@ -6046,7 +6221,7 @@
           <a:srgbClr val="000000"/>
         </a:buClr>
         <a:buFont typeface="Arial"/>
-        <a:defRPr b="0" i="0" sz="1400" u="none" cap="none" strike="noStrike">
+        <a:defRPr sz="1400" b="0" i="0" u="none" strike="noStrike" cap="none">
           <a:solidFill>
             <a:srgbClr val="000000"/>
           </a:solidFill>
@@ -6056,7 +6231,7 @@
           <a:sym typeface="Arial"/>
         </a:defRPr>
       </a:lvl8pPr>
-      <a:lvl9pPr lvl="8" marR="0" rtl="0" algn="l">
+      <a:lvl9pPr marR="0" lvl="8" algn="l" rtl="0">
         <a:lnSpc>
           <a:spcPct val="100000"/>
         </a:lnSpc>
@@ -6070,7 +6245,7 @@
           <a:srgbClr val="000000"/>
         </a:buClr>
         <a:buFont typeface="Arial"/>
-        <a:defRPr b="0" i="0" sz="1400" u="none" cap="none" strike="noStrike">
+        <a:defRPr sz="1400" b="0" i="0" u="none" strike="noStrike" cap="none">
           <a:solidFill>
             <a:srgbClr val="000000"/>
           </a:solidFill>
@@ -6082,7 +6257,7 @@
       </a:lvl9pPr>
     </p:titleStyle>
     <p:bodyStyle>
-      <a:defPPr lvl="0" marR="0" rtl="0" algn="l">
+      <a:defPPr marR="0" lvl="0" algn="l" rtl="0">
         <a:lnSpc>
           <a:spcPct val="100000"/>
         </a:lnSpc>
@@ -6093,7 +6268,7 @@
           <a:spcPts val="0"/>
         </a:spcAft>
       </a:defPPr>
-      <a:lvl1pPr lvl="0" marR="0" rtl="0" algn="l">
+      <a:lvl1pPr marR="0" lvl="0" algn="l" rtl="0">
         <a:lnSpc>
           <a:spcPct val="100000"/>
         </a:lnSpc>
@@ -6107,7 +6282,7 @@
           <a:srgbClr val="000000"/>
         </a:buClr>
         <a:buFont typeface="Arial"/>
-        <a:defRPr b="0" i="0" sz="1400" u="none" cap="none" strike="noStrike">
+        <a:defRPr sz="1400" b="0" i="0" u="none" strike="noStrike" cap="none">
           <a:solidFill>
             <a:srgbClr val="000000"/>
           </a:solidFill>
@@ -6117,7 +6292,7 @@
           <a:sym typeface="Arial"/>
         </a:defRPr>
       </a:lvl1pPr>
-      <a:lvl2pPr lvl="1" marR="0" rtl="0" algn="l">
+      <a:lvl2pPr marR="0" lvl="1" algn="l" rtl="0">
         <a:lnSpc>
           <a:spcPct val="100000"/>
         </a:lnSpc>
@@ -6131,7 +6306,7 @@
           <a:srgbClr val="000000"/>
         </a:buClr>
         <a:buFont typeface="Arial"/>
-        <a:defRPr b="0" i="0" sz="1400" u="none" cap="none" strike="noStrike">
+        <a:defRPr sz="1400" b="0" i="0" u="none" strike="noStrike" cap="none">
           <a:solidFill>
             <a:srgbClr val="000000"/>
           </a:solidFill>
@@ -6141,7 +6316,7 @@
           <a:sym typeface="Arial"/>
         </a:defRPr>
       </a:lvl2pPr>
-      <a:lvl3pPr lvl="2" marR="0" rtl="0" algn="l">
+      <a:lvl3pPr marR="0" lvl="2" algn="l" rtl="0">
         <a:lnSpc>
           <a:spcPct val="100000"/>
         </a:lnSpc>
@@ -6155,7 +6330,7 @@
           <a:srgbClr val="000000"/>
         </a:buClr>
         <a:buFont typeface="Arial"/>
-        <a:defRPr b="0" i="0" sz="1400" u="none" cap="none" strike="noStrike">
+        <a:defRPr sz="1400" b="0" i="0" u="none" strike="noStrike" cap="none">
           <a:solidFill>
             <a:srgbClr val="000000"/>
           </a:solidFill>
@@ -6165,7 +6340,7 @@
           <a:sym typeface="Arial"/>
         </a:defRPr>
       </a:lvl3pPr>
-      <a:lvl4pPr lvl="3" marR="0" rtl="0" algn="l">
+      <a:lvl4pPr marR="0" lvl="3" algn="l" rtl="0">
         <a:lnSpc>
           <a:spcPct val="100000"/>
         </a:lnSpc>
@@ -6179,7 +6354,7 @@
           <a:srgbClr val="000000"/>
         </a:buClr>
         <a:buFont typeface="Arial"/>
-        <a:defRPr b="0" i="0" sz="1400" u="none" cap="none" strike="noStrike">
+        <a:defRPr sz="1400" b="0" i="0" u="none" strike="noStrike" cap="none">
           <a:solidFill>
             <a:srgbClr val="000000"/>
           </a:solidFill>
@@ -6189,7 +6364,7 @@
           <a:sym typeface="Arial"/>
         </a:defRPr>
       </a:lvl4pPr>
-      <a:lvl5pPr lvl="4" marR="0" rtl="0" algn="l">
+      <a:lvl5pPr marR="0" lvl="4" algn="l" rtl="0">
         <a:lnSpc>
           <a:spcPct val="100000"/>
         </a:lnSpc>
@@ -6203,7 +6378,7 @@
           <a:srgbClr val="000000"/>
         </a:buClr>
         <a:buFont typeface="Arial"/>
-        <a:defRPr b="0" i="0" sz="1400" u="none" cap="none" strike="noStrike">
+        <a:defRPr sz="1400" b="0" i="0" u="none" strike="noStrike" cap="none">
           <a:solidFill>
             <a:srgbClr val="000000"/>
           </a:solidFill>
@@ -6213,7 +6388,7 @@
           <a:sym typeface="Arial"/>
         </a:defRPr>
       </a:lvl5pPr>
-      <a:lvl6pPr lvl="5" marR="0" rtl="0" algn="l">
+      <a:lvl6pPr marR="0" lvl="5" algn="l" rtl="0">
         <a:lnSpc>
           <a:spcPct val="100000"/>
         </a:lnSpc>
@@ -6227,7 +6402,7 @@
           <a:srgbClr val="000000"/>
         </a:buClr>
         <a:buFont typeface="Arial"/>
-        <a:defRPr b="0" i="0" sz="1400" u="none" cap="none" strike="noStrike">
+        <a:defRPr sz="1400" b="0" i="0" u="none" strike="noStrike" cap="none">
           <a:solidFill>
             <a:srgbClr val="000000"/>
           </a:solidFill>
@@ -6237,7 +6412,7 @@
           <a:sym typeface="Arial"/>
         </a:defRPr>
       </a:lvl6pPr>
-      <a:lvl7pPr lvl="6" marR="0" rtl="0" algn="l">
+      <a:lvl7pPr marR="0" lvl="6" algn="l" rtl="0">
         <a:lnSpc>
           <a:spcPct val="100000"/>
         </a:lnSpc>
@@ -6251,7 +6426,7 @@
           <a:srgbClr val="000000"/>
         </a:buClr>
         <a:buFont typeface="Arial"/>
-        <a:defRPr b="0" i="0" sz="1400" u="none" cap="none" strike="noStrike">
+        <a:defRPr sz="1400" b="0" i="0" u="none" strike="noStrike" cap="none">
           <a:solidFill>
             <a:srgbClr val="000000"/>
           </a:solidFill>
@@ -6261,7 +6436,7 @@
           <a:sym typeface="Arial"/>
         </a:defRPr>
       </a:lvl7pPr>
-      <a:lvl8pPr lvl="7" marR="0" rtl="0" algn="l">
+      <a:lvl8pPr marR="0" lvl="7" algn="l" rtl="0">
         <a:lnSpc>
           <a:spcPct val="100000"/>
         </a:lnSpc>
@@ -6275,7 +6450,7 @@
           <a:srgbClr val="000000"/>
         </a:buClr>
         <a:buFont typeface="Arial"/>
-        <a:defRPr b="0" i="0" sz="1400" u="none" cap="none" strike="noStrike">
+        <a:defRPr sz="1400" b="0" i="0" u="none" strike="noStrike" cap="none">
           <a:solidFill>
             <a:srgbClr val="000000"/>
           </a:solidFill>
@@ -6285,7 +6460,7 @@
           <a:sym typeface="Arial"/>
         </a:defRPr>
       </a:lvl8pPr>
-      <a:lvl9pPr lvl="8" marR="0" rtl="0" algn="l">
+      <a:lvl9pPr marR="0" lvl="8" algn="l" rtl="0">
         <a:lnSpc>
           <a:spcPct val="100000"/>
         </a:lnSpc>
@@ -6299,7 +6474,7 @@
           <a:srgbClr val="000000"/>
         </a:buClr>
         <a:buFont typeface="Arial"/>
-        <a:defRPr b="0" i="0" sz="1400" u="none" cap="none" strike="noStrike">
+        <a:defRPr sz="1400" b="0" i="0" u="none" strike="noStrike" cap="none">
           <a:solidFill>
             <a:srgbClr val="000000"/>
           </a:solidFill>
@@ -6311,7 +6486,7 @@
       </a:lvl9pPr>
     </p:bodyStyle>
     <p:otherStyle>
-      <a:defPPr lvl="0" marR="0" rtl="0" algn="l">
+      <a:defPPr marR="0" lvl="0" algn="l" rtl="0">
         <a:lnSpc>
           <a:spcPct val="100000"/>
         </a:lnSpc>
@@ -6322,7 +6497,7 @@
           <a:spcPts val="0"/>
         </a:spcAft>
       </a:defPPr>
-      <a:lvl1pPr lvl="0" marR="0" rtl="0" algn="l">
+      <a:lvl1pPr marR="0" lvl="0" algn="l" rtl="0">
         <a:lnSpc>
           <a:spcPct val="100000"/>
         </a:lnSpc>
@@ -6336,7 +6511,7 @@
           <a:srgbClr val="000000"/>
         </a:buClr>
         <a:buFont typeface="Arial"/>
-        <a:defRPr b="0" i="0" sz="1400" u="none" cap="none" strike="noStrike">
+        <a:defRPr sz="1400" b="0" i="0" u="none" strike="noStrike" cap="none">
           <a:solidFill>
             <a:srgbClr val="000000"/>
           </a:solidFill>
@@ -6346,7 +6521,7 @@
           <a:sym typeface="Arial"/>
         </a:defRPr>
       </a:lvl1pPr>
-      <a:lvl2pPr lvl="1" marR="0" rtl="0" algn="l">
+      <a:lvl2pPr marR="0" lvl="1" algn="l" rtl="0">
         <a:lnSpc>
           <a:spcPct val="100000"/>
         </a:lnSpc>
@@ -6360,7 +6535,7 @@
           <a:srgbClr val="000000"/>
         </a:buClr>
         <a:buFont typeface="Arial"/>
-        <a:defRPr b="0" i="0" sz="1400" u="none" cap="none" strike="noStrike">
+        <a:defRPr sz="1400" b="0" i="0" u="none" strike="noStrike" cap="none">
           <a:solidFill>
             <a:srgbClr val="000000"/>
           </a:solidFill>
@@ -6370,7 +6545,7 @@
           <a:sym typeface="Arial"/>
         </a:defRPr>
       </a:lvl2pPr>
-      <a:lvl3pPr lvl="2" marR="0" rtl="0" algn="l">
+      <a:lvl3pPr marR="0" lvl="2" algn="l" rtl="0">
         <a:lnSpc>
           <a:spcPct val="100000"/>
         </a:lnSpc>
@@ -6384,7 +6559,7 @@
           <a:srgbClr val="000000"/>
         </a:buClr>
         <a:buFont typeface="Arial"/>
-        <a:defRPr b="0" i="0" sz="1400" u="none" cap="none" strike="noStrike">
+        <a:defRPr sz="1400" b="0" i="0" u="none" strike="noStrike" cap="none">
           <a:solidFill>
             <a:srgbClr val="000000"/>
           </a:solidFill>
@@ -6394,7 +6569,7 @@
           <a:sym typeface="Arial"/>
         </a:defRPr>
       </a:lvl3pPr>
-      <a:lvl4pPr lvl="3" marR="0" rtl="0" algn="l">
+      <a:lvl4pPr marR="0" lvl="3" algn="l" rtl="0">
         <a:lnSpc>
           <a:spcPct val="100000"/>
         </a:lnSpc>
@@ -6408,7 +6583,7 @@
           <a:srgbClr val="000000"/>
         </a:buClr>
         <a:buFont typeface="Arial"/>
-        <a:defRPr b="0" i="0" sz="1400" u="none" cap="none" strike="noStrike">
+        <a:defRPr sz="1400" b="0" i="0" u="none" strike="noStrike" cap="none">
           <a:solidFill>
             <a:srgbClr val="000000"/>
           </a:solidFill>
@@ -6418,7 +6593,7 @@
           <a:sym typeface="Arial"/>
         </a:defRPr>
       </a:lvl4pPr>
-      <a:lvl5pPr lvl="4" marR="0" rtl="0" algn="l">
+      <a:lvl5pPr marR="0" lvl="4" algn="l" rtl="0">
         <a:lnSpc>
           <a:spcPct val="100000"/>
         </a:lnSpc>
@@ -6432,7 +6607,7 @@
           <a:srgbClr val="000000"/>
         </a:buClr>
         <a:buFont typeface="Arial"/>
-        <a:defRPr b="0" i="0" sz="1400" u="none" cap="none" strike="noStrike">
+        <a:defRPr sz="1400" b="0" i="0" u="none" strike="noStrike" cap="none">
           <a:solidFill>
             <a:srgbClr val="000000"/>
           </a:solidFill>
@@ -6442,7 +6617,7 @@
           <a:sym typeface="Arial"/>
         </a:defRPr>
       </a:lvl5pPr>
-      <a:lvl6pPr lvl="5" marR="0" rtl="0" algn="l">
+      <a:lvl6pPr marR="0" lvl="5" algn="l" rtl="0">
         <a:lnSpc>
           <a:spcPct val="100000"/>
         </a:lnSpc>
@@ -6456,7 +6631,7 @@
           <a:srgbClr val="000000"/>
         </a:buClr>
         <a:buFont typeface="Arial"/>
-        <a:defRPr b="0" i="0" sz="1400" u="none" cap="none" strike="noStrike">
+        <a:defRPr sz="1400" b="0" i="0" u="none" strike="noStrike" cap="none">
           <a:solidFill>
             <a:srgbClr val="000000"/>
           </a:solidFill>
@@ -6466,7 +6641,7 @@
           <a:sym typeface="Arial"/>
         </a:defRPr>
       </a:lvl6pPr>
-      <a:lvl7pPr lvl="6" marR="0" rtl="0" algn="l">
+      <a:lvl7pPr marR="0" lvl="6" algn="l" rtl="0">
         <a:lnSpc>
           <a:spcPct val="100000"/>
         </a:lnSpc>
@@ -6480,7 +6655,7 @@
           <a:srgbClr val="000000"/>
         </a:buClr>
         <a:buFont typeface="Arial"/>
-        <a:defRPr b="0" i="0" sz="1400" u="none" cap="none" strike="noStrike">
+        <a:defRPr sz="1400" b="0" i="0" u="none" strike="noStrike" cap="none">
           <a:solidFill>
             <a:srgbClr val="000000"/>
           </a:solidFill>
@@ -6490,7 +6665,7 @@
           <a:sym typeface="Arial"/>
         </a:defRPr>
       </a:lvl7pPr>
-      <a:lvl8pPr lvl="7" marR="0" rtl="0" algn="l">
+      <a:lvl8pPr marR="0" lvl="7" algn="l" rtl="0">
         <a:lnSpc>
           <a:spcPct val="100000"/>
         </a:lnSpc>
@@ -6504,7 +6679,7 @@
           <a:srgbClr val="000000"/>
         </a:buClr>
         <a:buFont typeface="Arial"/>
-        <a:defRPr b="0" i="0" sz="1400" u="none" cap="none" strike="noStrike">
+        <a:defRPr sz="1400" b="0" i="0" u="none" strike="noStrike" cap="none">
           <a:solidFill>
             <a:srgbClr val="000000"/>
           </a:solidFill>
@@ -6514,7 +6689,7 @@
           <a:sym typeface="Arial"/>
         </a:defRPr>
       </a:lvl8pPr>
-      <a:lvl9pPr lvl="8" marR="0" rtl="0" algn="l">
+      <a:lvl9pPr marR="0" lvl="8" algn="l" rtl="0">
         <a:lnSpc>
           <a:spcPct val="100000"/>
         </a:lnSpc>
@@ -6528,7 +6703,7 @@
           <a:srgbClr val="000000"/>
         </a:buClr>
         <a:buFont typeface="Arial"/>
-        <a:defRPr b="0" i="0" sz="1400" u="none" cap="none" strike="noStrike">
+        <a:defRPr sz="1400" b="0" i="0" u="none" strike="noStrike" cap="none">
           <a:solidFill>
             <a:srgbClr val="000000"/>
           </a:solidFill>
@@ -6544,18 +6719,19 @@
 </file>
 
 <file path=ppt/slides/slide1.xml><?xml version="1.0" encoding="utf-8"?>
-<p:sld xmlns:a="http://schemas.openxmlformats.org/drawingml/2006/main" xmlns:r="http://schemas.openxmlformats.org/officeDocument/2006/relationships" xmlns:mc="http://schemas.openxmlformats.org/markup-compatibility/2006" xmlns:mv="urn:schemas-microsoft-com:mac:vml" xmlns:p="http://schemas.openxmlformats.org/presentationml/2006/main" xmlns:c="http://schemas.openxmlformats.org/drawingml/2006/chart" xmlns:dgm="http://schemas.openxmlformats.org/drawingml/2006/diagram" xmlns:o="urn:schemas-microsoft-com:office:office" xmlns:v="urn:schemas-microsoft-com:vml" xmlns:pvml="urn:schemas-microsoft-com:office:powerpoint" xmlns:com="http://schemas.openxmlformats.org/drawingml/2006/compatibility" xmlns:p14="http://schemas.microsoft.com/office/powerpoint/2010/main" xmlns:p15="http://schemas.microsoft.com/office/powerpoint/2012/main">
+<p:sld xmlns:a="http://schemas.openxmlformats.org/drawingml/2006/main" xmlns:r="http://schemas.openxmlformats.org/officeDocument/2006/relationships" xmlns:p="http://schemas.openxmlformats.org/presentationml/2006/main">
   <p:cSld>
     <p:bg>
       <p:bgPr>
         <a:solidFill>
           <a:srgbClr val="76A5AF"/>
         </a:solidFill>
+        <a:effectLst/>
       </p:bgPr>
     </p:bg>
     <p:spTree>
       <p:nvGrpSpPr>
-        <p:cNvPr id="53" name="Shape 53"/>
+        <p:cNvPr id="1" name="Shape 53"/>
         <p:cNvGrpSpPr/>
         <p:nvPr/>
       </p:nvGrpSpPr>
@@ -6587,12 +6763,12 @@
           </a:ln>
         </p:spPr>
         <p:txBody>
-          <a:bodyPr anchorCtr="0" anchor="t" bIns="91425" lIns="91425" spcFirstLastPara="1" rIns="91425" wrap="square" tIns="91425">
+          <a:bodyPr spcFirstLastPara="1" wrap="square" lIns="91425" tIns="91425" rIns="91425" bIns="91425" anchor="t" anchorCtr="0">
             <a:noAutofit/>
           </a:bodyPr>
           <a:lstStyle/>
           <a:p>
-            <a:pPr indent="0" lvl="0" marL="0" rtl="0" algn="l">
+            <a:pPr marL="0" lvl="0" indent="0" algn="l" rtl="0">
               <a:spcBef>
                 <a:spcPts val="0"/>
               </a:spcBef>
@@ -6611,19 +6787,7 @@
                 <a:cs typeface="Century Gothic"/>
                 <a:sym typeface="Century Gothic"/>
               </a:rPr>
-              <a:t>CS380</a:t>
-            </a:r>
-            <a:r>
-              <a:rPr lang="en" sz="1800">
-                <a:solidFill>
-                  <a:srgbClr val="FFD966"/>
-                </a:solidFill>
-                <a:latin typeface="Century Gothic"/>
-                <a:ea typeface="Century Gothic"/>
-                <a:cs typeface="Century Gothic"/>
-                <a:sym typeface="Century Gothic"/>
-              </a:rPr>
-              <a:t> </a:t>
+              <a:t>CS380 </a:t>
             </a:r>
             <a:r>
               <a:rPr lang="en" sz="1800">
@@ -6660,7 +6824,7 @@
             </a:endParaRPr>
           </a:p>
           <a:p>
-            <a:pPr indent="0" lvl="0" marL="0" rtl="0" algn="l">
+            <a:pPr marL="0" lvl="0" indent="0" algn="l" rtl="0">
               <a:spcBef>
                 <a:spcPts val="0"/>
               </a:spcBef>
@@ -6713,12 +6877,12 @@
           </a:ln>
         </p:spPr>
         <p:txBody>
-          <a:bodyPr anchorCtr="0" anchor="t" bIns="91425" lIns="91425" spcFirstLastPara="1" rIns="91425" wrap="square" tIns="91425">
+          <a:bodyPr spcFirstLastPara="1" wrap="square" lIns="91425" tIns="91425" rIns="91425" bIns="91425" anchor="t" anchorCtr="0">
             <a:noAutofit/>
           </a:bodyPr>
           <a:lstStyle/>
           <a:p>
-            <a:pPr indent="0" lvl="0" marL="0" rtl="0" algn="l">
+            <a:pPr marL="0" lvl="0" indent="0" algn="l" rtl="0">
               <a:spcBef>
                 <a:spcPts val="0"/>
               </a:spcBef>
@@ -6728,24 +6892,15 @@
               <a:buNone/>
             </a:pPr>
             <a:r>
-              <a:rPr b="1" lang="en" sz="4800">
+              <a:rPr lang="en" sz="4800" b="1">
                 <a:latin typeface="Century Gothic"/>
                 <a:ea typeface="Century Gothic"/>
                 <a:cs typeface="Century Gothic"/>
                 <a:sym typeface="Century Gothic"/>
               </a:rPr>
-              <a:t>NAV MESH </a:t>
+              <a:t>NAV MESH GENERATION</a:t>
             </a:r>
-            <a:r>
-              <a:rPr b="1" lang="en" sz="4800">
-                <a:latin typeface="Century Gothic"/>
-                <a:ea typeface="Century Gothic"/>
-                <a:cs typeface="Century Gothic"/>
-                <a:sym typeface="Century Gothic"/>
-              </a:rPr>
-              <a:t>GENERATION</a:t>
-            </a:r>
-            <a:endParaRPr b="1" sz="4800">
+            <a:endParaRPr sz="4800" b="1">
               <a:latin typeface="Century Gothic"/>
               <a:ea typeface="Century Gothic"/>
               <a:cs typeface="Century Gothic"/>
@@ -6774,12 +6929,12 @@
           </a:ln>
         </p:spPr>
         <p:txBody>
-          <a:bodyPr anchorCtr="0" anchor="t" bIns="91425" lIns="91425" spcFirstLastPara="1" rIns="91425" wrap="square" tIns="91425">
+          <a:bodyPr spcFirstLastPara="1" wrap="square" lIns="91425" tIns="91425" rIns="91425" bIns="91425" anchor="t" anchorCtr="0">
             <a:noAutofit/>
           </a:bodyPr>
           <a:lstStyle/>
           <a:p>
-            <a:pPr indent="0" lvl="0" marL="0" rtl="0" algn="l">
+            <a:pPr marL="0" lvl="0" indent="0" algn="l" rtl="0">
               <a:spcBef>
                 <a:spcPts val="0"/>
               </a:spcBef>
@@ -6911,14 +7066,14 @@
             <a:avLst/>
           </a:prstGeom>
           <a:noFill/>
-          <a:ln cap="flat" cmpd="sng" w="38100">
+          <a:ln w="38100" cap="flat" cmpd="sng">
             <a:solidFill>
               <a:srgbClr val="D0E0E3"/>
             </a:solidFill>
             <a:prstDash val="solid"/>
             <a:round/>
-            <a:headEnd len="med" w="med" type="none"/>
-            <a:tailEnd len="med" w="med" type="none"/>
+            <a:headEnd type="none" w="med" len="med"/>
+            <a:tailEnd type="none" w="med" len="med"/>
           </a:ln>
         </p:spPr>
       </p:cxnSp>
@@ -6970,12 +7125,12 @@
           </a:ln>
         </p:spPr>
         <p:txBody>
-          <a:bodyPr anchorCtr="0" anchor="t" bIns="91425" lIns="91425" spcFirstLastPara="1" rIns="91425" wrap="square" tIns="91425">
+          <a:bodyPr spcFirstLastPara="1" wrap="square" lIns="91425" tIns="91425" rIns="91425" bIns="91425" anchor="t" anchorCtr="0">
             <a:noAutofit/>
           </a:bodyPr>
           <a:lstStyle/>
           <a:p>
-            <a:pPr indent="0" lvl="0" marL="0" rtl="0" algn="l">
+            <a:pPr marL="0" lvl="0" indent="0" algn="l" rtl="0">
               <a:spcBef>
                 <a:spcPts val="0"/>
               </a:spcBef>
@@ -7014,18 +7169,19 @@
 </file>
 
 <file path=ppt/slides/slide10.xml><?xml version="1.0" encoding="utf-8"?>
-<p:sld xmlns:a="http://schemas.openxmlformats.org/drawingml/2006/main" xmlns:r="http://schemas.openxmlformats.org/officeDocument/2006/relationships" xmlns:mc="http://schemas.openxmlformats.org/markup-compatibility/2006" xmlns:mv="urn:schemas-microsoft-com:mac:vml" xmlns:p="http://schemas.openxmlformats.org/presentationml/2006/main" xmlns:c="http://schemas.openxmlformats.org/drawingml/2006/chart" xmlns:dgm="http://schemas.openxmlformats.org/drawingml/2006/diagram" xmlns:o="urn:schemas-microsoft-com:office:office" xmlns:v="urn:schemas-microsoft-com:vml" xmlns:pvml="urn:schemas-microsoft-com:office:powerpoint" xmlns:com="http://schemas.openxmlformats.org/drawingml/2006/compatibility" xmlns:p14="http://schemas.microsoft.com/office/powerpoint/2010/main" xmlns:p15="http://schemas.microsoft.com/office/powerpoint/2012/main">
+<p:sld xmlns:a="http://schemas.openxmlformats.org/drawingml/2006/main" xmlns:r="http://schemas.openxmlformats.org/officeDocument/2006/relationships" xmlns:p="http://schemas.openxmlformats.org/presentationml/2006/main">
   <p:cSld>
     <p:bg>
       <p:bgPr>
         <a:solidFill>
           <a:srgbClr val="76A5AF"/>
         </a:solidFill>
+        <a:effectLst/>
       </p:bgPr>
     </p:bg>
     <p:spTree>
       <p:nvGrpSpPr>
-        <p:cNvPr id="112" name="Shape 112"/>
+        <p:cNvPr id="1" name="Shape 112"/>
         <p:cNvGrpSpPr/>
         <p:nvPr/>
       </p:nvGrpSpPr>
@@ -7056,23 +7212,23 @@
               <a:alpha val="45770"/>
             </a:srgbClr>
           </a:solidFill>
-          <a:ln cap="flat" cmpd="sng" w="9525">
+          <a:ln w="9525" cap="flat" cmpd="sng">
             <a:solidFill>
               <a:schemeClr val="dk2"/>
             </a:solidFill>
             <a:prstDash val="solid"/>
             <a:round/>
-            <a:headEnd len="sm" w="sm" type="none"/>
-            <a:tailEnd len="sm" w="sm" type="none"/>
+            <a:headEnd type="none" w="sm" len="sm"/>
+            <a:tailEnd type="none" w="sm" len="sm"/>
           </a:ln>
         </p:spPr>
         <p:txBody>
-          <a:bodyPr anchorCtr="0" anchor="ctr" bIns="91425" lIns="91425" spcFirstLastPara="1" rIns="91425" wrap="square" tIns="91425">
+          <a:bodyPr spcFirstLastPara="1" wrap="square" lIns="91425" tIns="91425" rIns="91425" bIns="91425" anchor="ctr" anchorCtr="0">
             <a:noAutofit/>
           </a:bodyPr>
           <a:lstStyle/>
           <a:p>
-            <a:pPr indent="0" lvl="0" marL="0" rtl="0" algn="l">
+            <a:pPr marL="0" lvl="0" indent="0" algn="l" rtl="0">
               <a:spcBef>
                 <a:spcPts val="0"/>
               </a:spcBef>
@@ -7081,9 +7237,6 @@
               </a:spcAft>
               <a:buNone/>
             </a:pPr>
-            <a:r>
-              <a:t/>
-            </a:r>
             <a:endParaRPr/>
           </a:p>
         </p:txBody>
@@ -7103,14 +7256,14 @@
             <a:avLst/>
           </a:prstGeom>
           <a:noFill/>
-          <a:ln cap="flat" cmpd="sng" w="38100">
+          <a:ln w="38100" cap="flat" cmpd="sng">
             <a:solidFill>
               <a:srgbClr val="D0E0E3"/>
             </a:solidFill>
             <a:prstDash val="solid"/>
             <a:round/>
-            <a:headEnd len="med" w="med" type="none"/>
-            <a:tailEnd len="med" w="med" type="none"/>
+            <a:headEnd type="none" w="med" len="med"/>
+            <a:tailEnd type="none" w="med" len="med"/>
           </a:ln>
         </p:spPr>
       </p:cxnSp>
@@ -7162,12 +7315,12 @@
           </a:ln>
         </p:spPr>
         <p:txBody>
-          <a:bodyPr anchorCtr="0" anchor="t" bIns="91425" lIns="91425" spcFirstLastPara="1" rIns="91425" wrap="square" tIns="91425">
+          <a:bodyPr spcFirstLastPara="1" wrap="square" lIns="91425" tIns="91425" rIns="91425" bIns="91425" anchor="t" anchorCtr="0">
             <a:noAutofit/>
           </a:bodyPr>
           <a:lstStyle/>
           <a:p>
-            <a:pPr indent="0" lvl="0" marL="0" rtl="0" algn="l">
+            <a:pPr marL="0" lvl="0" indent="0" algn="l" rtl="0">
               <a:spcBef>
                 <a:spcPts val="0"/>
               </a:spcBef>
@@ -7199,7 +7352,7 @@
             </a:endParaRPr>
           </a:p>
           <a:p>
-            <a:pPr indent="0" lvl="0" marL="0" rtl="0" algn="l">
+            <a:pPr marL="0" lvl="0" indent="0" algn="l" rtl="0">
               <a:spcBef>
                 <a:spcPts val="0"/>
               </a:spcBef>
@@ -7208,9 +7361,6 @@
               </a:spcAft>
               <a:buNone/>
             </a:pPr>
-            <a:r>
-              <a:t/>
-            </a:r>
             <a:endParaRPr sz="1800">
               <a:solidFill>
                 <a:srgbClr val="D0E0E3"/>
@@ -7222,7 +7372,7 @@
             </a:endParaRPr>
           </a:p>
           <a:p>
-            <a:pPr indent="0" lvl="0" marL="0" rtl="0" algn="l">
+            <a:pPr marL="0" lvl="0" indent="0" algn="l" rtl="0">
               <a:spcBef>
                 <a:spcPts val="0"/>
               </a:spcBef>
@@ -7231,13 +7381,10 @@
               </a:spcAft>
               <a:buNone/>
             </a:pPr>
-            <a:r>
-              <a:t/>
-            </a:r>
             <a:endParaRPr/>
           </a:p>
           <a:p>
-            <a:pPr indent="0" lvl="0" marL="0" rtl="0" algn="l">
+            <a:pPr marL="0" lvl="0" indent="0" algn="l" rtl="0">
               <a:spcBef>
                 <a:spcPts val="0"/>
               </a:spcBef>
@@ -7246,9 +7393,6 @@
               </a:spcAft>
               <a:buNone/>
             </a:pPr>
-            <a:r>
-              <a:t/>
-            </a:r>
             <a:endParaRPr/>
           </a:p>
         </p:txBody>
@@ -7262,18 +7406,19 @@
 </file>
 
 <file path=ppt/slides/slide11.xml><?xml version="1.0" encoding="utf-8"?>
-<p:sld xmlns:a="http://schemas.openxmlformats.org/drawingml/2006/main" xmlns:r="http://schemas.openxmlformats.org/officeDocument/2006/relationships" xmlns:mc="http://schemas.openxmlformats.org/markup-compatibility/2006" xmlns:mv="urn:schemas-microsoft-com:mac:vml" xmlns:p="http://schemas.openxmlformats.org/presentationml/2006/main" xmlns:c="http://schemas.openxmlformats.org/drawingml/2006/chart" xmlns:dgm="http://schemas.openxmlformats.org/drawingml/2006/diagram" xmlns:o="urn:schemas-microsoft-com:office:office" xmlns:v="urn:schemas-microsoft-com:vml" xmlns:pvml="urn:schemas-microsoft-com:office:powerpoint" xmlns:com="http://schemas.openxmlformats.org/drawingml/2006/compatibility" xmlns:p14="http://schemas.microsoft.com/office/powerpoint/2010/main" xmlns:p15="http://schemas.microsoft.com/office/powerpoint/2012/main">
+<p:sld xmlns:a="http://schemas.openxmlformats.org/drawingml/2006/main" xmlns:r="http://schemas.openxmlformats.org/officeDocument/2006/relationships" xmlns:p="http://schemas.openxmlformats.org/presentationml/2006/main">
   <p:cSld>
     <p:bg>
       <p:bgPr>
         <a:solidFill>
           <a:srgbClr val="76A5AF"/>
         </a:solidFill>
+        <a:effectLst/>
       </p:bgPr>
     </p:bg>
     <p:spTree>
       <p:nvGrpSpPr>
-        <p:cNvPr id="120" name="Shape 120"/>
+        <p:cNvPr id="1" name="Shape 120"/>
         <p:cNvGrpSpPr/>
         <p:nvPr/>
       </p:nvGrpSpPr>
@@ -7304,23 +7449,23 @@
               <a:alpha val="45770"/>
             </a:srgbClr>
           </a:solidFill>
-          <a:ln cap="flat" cmpd="sng" w="9525">
+          <a:ln w="9525" cap="flat" cmpd="sng">
             <a:solidFill>
               <a:schemeClr val="dk2"/>
             </a:solidFill>
             <a:prstDash val="solid"/>
             <a:round/>
-            <a:headEnd len="sm" w="sm" type="none"/>
-            <a:tailEnd len="sm" w="sm" type="none"/>
+            <a:headEnd type="none" w="sm" len="sm"/>
+            <a:tailEnd type="none" w="sm" len="sm"/>
           </a:ln>
         </p:spPr>
         <p:txBody>
-          <a:bodyPr anchorCtr="0" anchor="ctr" bIns="91425" lIns="91425" spcFirstLastPara="1" rIns="91425" wrap="square" tIns="91425">
+          <a:bodyPr spcFirstLastPara="1" wrap="square" lIns="91425" tIns="91425" rIns="91425" bIns="91425" anchor="ctr" anchorCtr="0">
             <a:noAutofit/>
           </a:bodyPr>
           <a:lstStyle/>
           <a:p>
-            <a:pPr indent="0" lvl="0" marL="0" rtl="0" algn="l">
+            <a:pPr marL="0" lvl="0" indent="0" algn="l" rtl="0">
               <a:spcBef>
                 <a:spcPts val="0"/>
               </a:spcBef>
@@ -7329,9 +7474,6 @@
               </a:spcAft>
               <a:buNone/>
             </a:pPr>
-            <a:r>
-              <a:t/>
-            </a:r>
             <a:endParaRPr/>
           </a:p>
         </p:txBody>
@@ -7379,14 +7521,14 @@
             <a:avLst/>
           </a:prstGeom>
           <a:noFill/>
-          <a:ln cap="flat" cmpd="sng" w="38100">
+          <a:ln w="38100" cap="flat" cmpd="sng">
             <a:solidFill>
               <a:srgbClr val="D0E0E3"/>
             </a:solidFill>
             <a:prstDash val="solid"/>
             <a:round/>
-            <a:headEnd len="med" w="med" type="none"/>
-            <a:tailEnd len="med" w="med" type="none"/>
+            <a:headEnd type="none" w="med" len="med"/>
+            <a:tailEnd type="none" w="med" len="med"/>
           </a:ln>
         </p:spPr>
       </p:cxnSp>
@@ -7410,12 +7552,12 @@
           </a:ln>
         </p:spPr>
         <p:txBody>
-          <a:bodyPr anchorCtr="0" anchor="t" bIns="91425" lIns="91425" spcFirstLastPara="1" rIns="91425" wrap="square" tIns="91425">
+          <a:bodyPr spcFirstLastPara="1" wrap="square" lIns="91425" tIns="91425" rIns="91425" bIns="91425" anchor="t" anchorCtr="0">
             <a:noAutofit/>
           </a:bodyPr>
           <a:lstStyle/>
           <a:p>
-            <a:pPr indent="0" lvl="0" marL="0" rtl="0" algn="l">
+            <a:pPr marL="0" lvl="0" indent="0" algn="l" rtl="0">
               <a:spcBef>
                 <a:spcPts val="0"/>
               </a:spcBef>
@@ -7447,7 +7589,7 @@
             </a:endParaRPr>
           </a:p>
           <a:p>
-            <a:pPr indent="0" lvl="0" marL="0" rtl="0" algn="l">
+            <a:pPr marL="0" lvl="0" indent="0" algn="l" rtl="0">
               <a:spcBef>
                 <a:spcPts val="0"/>
               </a:spcBef>
@@ -7456,9 +7598,6 @@
               </a:spcAft>
               <a:buNone/>
             </a:pPr>
-            <a:r>
-              <a:t/>
-            </a:r>
             <a:endParaRPr sz="1800">
               <a:solidFill>
                 <a:srgbClr val="FFD966"/>
@@ -7470,7 +7609,7 @@
             </a:endParaRPr>
           </a:p>
           <a:p>
-            <a:pPr indent="0" lvl="0" marL="0" rtl="0" algn="l">
+            <a:pPr marL="0" lvl="0" indent="0" algn="l" rtl="0">
               <a:spcBef>
                 <a:spcPts val="0"/>
               </a:spcBef>
@@ -7502,7 +7641,7 @@
             </a:endParaRPr>
           </a:p>
           <a:p>
-            <a:pPr indent="0" lvl="0" marL="0" rtl="0" algn="l">
+            <a:pPr marL="0" lvl="0" indent="0" algn="l" rtl="0">
               <a:spcBef>
                 <a:spcPts val="0"/>
               </a:spcBef>
@@ -7511,9 +7650,6 @@
               </a:spcAft>
               <a:buNone/>
             </a:pPr>
-            <a:r>
-              <a:t/>
-            </a:r>
             <a:endParaRPr sz="1800">
               <a:solidFill>
                 <a:srgbClr val="FFD966"/>
@@ -7525,7 +7661,7 @@
             </a:endParaRPr>
           </a:p>
           <a:p>
-            <a:pPr indent="0" lvl="0" marL="0" rtl="0" algn="l">
+            <a:pPr marL="0" lvl="0" indent="0" algn="l" rtl="0">
               <a:spcBef>
                 <a:spcPts val="0"/>
               </a:spcBef>
@@ -7567,18 +7703,19 @@
 </file>
 
 <file path=ppt/slides/slide12.xml><?xml version="1.0" encoding="utf-8"?>
-<p:sld xmlns:a="http://schemas.openxmlformats.org/drawingml/2006/main" xmlns:r="http://schemas.openxmlformats.org/officeDocument/2006/relationships" xmlns:mc="http://schemas.openxmlformats.org/markup-compatibility/2006" xmlns:mv="urn:schemas-microsoft-com:mac:vml" xmlns:p="http://schemas.openxmlformats.org/presentationml/2006/main" xmlns:c="http://schemas.openxmlformats.org/drawingml/2006/chart" xmlns:dgm="http://schemas.openxmlformats.org/drawingml/2006/diagram" xmlns:o="urn:schemas-microsoft-com:office:office" xmlns:v="urn:schemas-microsoft-com:vml" xmlns:pvml="urn:schemas-microsoft-com:office:powerpoint" xmlns:com="http://schemas.openxmlformats.org/drawingml/2006/compatibility" xmlns:p14="http://schemas.microsoft.com/office/powerpoint/2010/main" xmlns:p15="http://schemas.microsoft.com/office/powerpoint/2012/main">
+<p:sld xmlns:a="http://schemas.openxmlformats.org/drawingml/2006/main" xmlns:r="http://schemas.openxmlformats.org/officeDocument/2006/relationships" xmlns:p="http://schemas.openxmlformats.org/presentationml/2006/main">
   <p:cSld>
     <p:bg>
       <p:bgPr>
         <a:solidFill>
           <a:srgbClr val="76A5AF"/>
         </a:solidFill>
+        <a:effectLst/>
       </p:bgPr>
     </p:bg>
     <p:spTree>
       <p:nvGrpSpPr>
-        <p:cNvPr id="128" name="Shape 128"/>
+        <p:cNvPr id="1" name="Shape 128"/>
         <p:cNvGrpSpPr/>
         <p:nvPr/>
       </p:nvGrpSpPr>
@@ -7610,12 +7747,12 @@
           </a:ln>
         </p:spPr>
         <p:txBody>
-          <a:bodyPr anchorCtr="0" anchor="t" bIns="91425" lIns="91425" spcFirstLastPara="1" rIns="91425" wrap="square" tIns="91425">
+          <a:bodyPr spcFirstLastPara="1" wrap="square" lIns="91425" tIns="91425" rIns="91425" bIns="91425" anchor="t" anchorCtr="0">
             <a:noAutofit/>
           </a:bodyPr>
           <a:lstStyle/>
           <a:p>
-            <a:pPr indent="0" lvl="0" marL="0" rtl="0" algn="l">
+            <a:pPr marL="0" lvl="0" indent="0" algn="l" rtl="0">
               <a:spcBef>
                 <a:spcPts val="0"/>
               </a:spcBef>
@@ -7647,7 +7784,7 @@
             </a:endParaRPr>
           </a:p>
           <a:p>
-            <a:pPr indent="0" lvl="0" marL="0" rtl="0" algn="l">
+            <a:pPr marL="0" lvl="0" indent="0" algn="l" rtl="0">
               <a:spcBef>
                 <a:spcPts val="0"/>
               </a:spcBef>
@@ -7656,13 +7793,10 @@
               </a:spcAft>
               <a:buNone/>
             </a:pPr>
-            <a:r>
-              <a:t/>
-            </a:r>
             <a:endParaRPr/>
           </a:p>
           <a:p>
-            <a:pPr indent="0" lvl="0" marL="0" rtl="0" algn="l">
+            <a:pPr marL="0" lvl="0" indent="0" algn="l" rtl="0">
               <a:spcBef>
                 <a:spcPts val="0"/>
               </a:spcBef>
@@ -7671,9 +7805,6 @@
               </a:spcAft>
               <a:buNone/>
             </a:pPr>
-            <a:r>
-              <a:t/>
-            </a:r>
             <a:endParaRPr/>
           </a:p>
         </p:txBody>
@@ -7726,12 +7857,12 @@
           </a:ln>
         </p:spPr>
         <p:txBody>
-          <a:bodyPr anchorCtr="0" anchor="t" bIns="91425" lIns="91425" spcFirstLastPara="1" rIns="91425" wrap="square" tIns="91425">
+          <a:bodyPr spcFirstLastPara="1" wrap="square" lIns="91425" tIns="91425" rIns="91425" bIns="91425" anchor="t" anchorCtr="0">
             <a:noAutofit/>
           </a:bodyPr>
           <a:lstStyle/>
           <a:p>
-            <a:pPr indent="0" lvl="0" marL="0" rtl="0" algn="l">
+            <a:pPr marL="0" lvl="0" indent="0" algn="l" rtl="0">
               <a:spcBef>
                 <a:spcPts val="0"/>
               </a:spcBef>
@@ -7857,18 +7988,19 @@
 </file>
 
 <file path=ppt/slides/slide2.xml><?xml version="1.0" encoding="utf-8"?>
-<p:sld xmlns:a="http://schemas.openxmlformats.org/drawingml/2006/main" xmlns:r="http://schemas.openxmlformats.org/officeDocument/2006/relationships" xmlns:mc="http://schemas.openxmlformats.org/markup-compatibility/2006" xmlns:mv="urn:schemas-microsoft-com:mac:vml" xmlns:p="http://schemas.openxmlformats.org/presentationml/2006/main" xmlns:c="http://schemas.openxmlformats.org/drawingml/2006/chart" xmlns:dgm="http://schemas.openxmlformats.org/drawingml/2006/diagram" xmlns:o="urn:schemas-microsoft-com:office:office" xmlns:v="urn:schemas-microsoft-com:vml" xmlns:pvml="urn:schemas-microsoft-com:office:powerpoint" xmlns:com="http://schemas.openxmlformats.org/drawingml/2006/compatibility" xmlns:p14="http://schemas.microsoft.com/office/powerpoint/2010/main" xmlns:p15="http://schemas.microsoft.com/office/powerpoint/2012/main">
+<p:sld xmlns:a="http://schemas.openxmlformats.org/drawingml/2006/main" xmlns:r="http://schemas.openxmlformats.org/officeDocument/2006/relationships" xmlns:p="http://schemas.openxmlformats.org/presentationml/2006/main">
   <p:cSld>
     <p:bg>
       <p:bgPr>
         <a:solidFill>
           <a:srgbClr val="76A5AF"/>
         </a:solidFill>
+        <a:effectLst/>
       </p:bgPr>
     </p:bg>
     <p:spTree>
       <p:nvGrpSpPr>
-        <p:cNvPr id="63" name="Shape 63"/>
+        <p:cNvPr id="1" name="Shape 63"/>
         <p:cNvGrpSpPr/>
         <p:nvPr/>
       </p:nvGrpSpPr>
@@ -7900,12 +8032,12 @@
           </a:ln>
         </p:spPr>
         <p:txBody>
-          <a:bodyPr anchorCtr="0" anchor="t" bIns="91425" lIns="91425" spcFirstLastPara="1" rIns="91425" wrap="square" tIns="91425">
+          <a:bodyPr spcFirstLastPara="1" wrap="square" lIns="91425" tIns="91425" rIns="91425" bIns="91425" anchor="t" anchorCtr="0">
             <a:noAutofit/>
           </a:bodyPr>
           <a:lstStyle/>
           <a:p>
-            <a:pPr indent="0" lvl="0" marL="457200" rtl="0" algn="l">
+            <a:pPr marL="457200" lvl="0" indent="0" algn="l" rtl="0">
               <a:spcBef>
                 <a:spcPts val="0"/>
               </a:spcBef>
@@ -7937,7 +8069,7 @@
             </a:endParaRPr>
           </a:p>
           <a:p>
-            <a:pPr indent="0" lvl="0" marL="457200" rtl="0" algn="l">
+            <a:pPr marL="457200" lvl="0" indent="0" algn="l" rtl="0">
               <a:spcBef>
                 <a:spcPts val="0"/>
               </a:spcBef>
@@ -7946,9 +8078,6 @@
               </a:spcAft>
               <a:buNone/>
             </a:pPr>
-            <a:r>
-              <a:t/>
-            </a:r>
             <a:endParaRPr>
               <a:latin typeface="Century Gothic"/>
               <a:ea typeface="Century Gothic"/>
@@ -7978,12 +8107,12 @@
           </a:ln>
         </p:spPr>
         <p:txBody>
-          <a:bodyPr anchorCtr="0" anchor="t" bIns="91425" lIns="91425" spcFirstLastPara="1" rIns="91425" wrap="square" tIns="91425">
+          <a:bodyPr spcFirstLastPara="1" wrap="square" lIns="91425" tIns="91425" rIns="91425" bIns="91425" anchor="t" anchorCtr="0">
             <a:noAutofit/>
           </a:bodyPr>
           <a:lstStyle/>
           <a:p>
-            <a:pPr indent="0" lvl="0" marL="0" rtl="0" algn="l">
+            <a:pPr marL="0" lvl="0" indent="0" algn="l" rtl="0">
               <a:spcBef>
                 <a:spcPts val="0"/>
               </a:spcBef>
@@ -8002,43 +8131,7 @@
                 <a:cs typeface="Century Gothic"/>
                 <a:sym typeface="Century Gothic"/>
               </a:rPr>
-              <a:t>To support </a:t>
-            </a:r>
-            <a:r>
-              <a:rPr lang="en" sz="3000">
-                <a:solidFill>
-                  <a:srgbClr val="D0E0E3"/>
-                </a:solidFill>
-                <a:latin typeface="Century Gothic"/>
-                <a:ea typeface="Century Gothic"/>
-                <a:cs typeface="Century Gothic"/>
-                <a:sym typeface="Century Gothic"/>
-              </a:rPr>
-              <a:t>meshes of any kind of shape to allow level designers to test out </a:t>
-            </a:r>
-            <a:r>
-              <a:rPr lang="en" sz="3000">
-                <a:solidFill>
-                  <a:srgbClr val="D0E0E3"/>
-                </a:solidFill>
-                <a:latin typeface="Century Gothic"/>
-                <a:ea typeface="Century Gothic"/>
-                <a:cs typeface="Century Gothic"/>
-                <a:sym typeface="Century Gothic"/>
-              </a:rPr>
-              <a:t>unorthodox</a:t>
-            </a:r>
-            <a:r>
-              <a:rPr lang="en" sz="3000">
-                <a:solidFill>
-                  <a:srgbClr val="D0E0E3"/>
-                </a:solidFill>
-                <a:latin typeface="Century Gothic"/>
-                <a:ea typeface="Century Gothic"/>
-                <a:cs typeface="Century Gothic"/>
-                <a:sym typeface="Century Gothic"/>
-              </a:rPr>
-              <a:t> shapes</a:t>
+              <a:t>To support meshes of any kind of shape to allow level designers to test out unorthodox shapes</a:t>
             </a:r>
             <a:endParaRPr sz="3000">
               <a:solidFill>
@@ -8051,7 +8144,7 @@
             </a:endParaRPr>
           </a:p>
           <a:p>
-            <a:pPr indent="0" lvl="0" marL="0" rtl="0" algn="l">
+            <a:pPr marL="0" lvl="0" indent="0" algn="l" rtl="0">
               <a:spcBef>
                 <a:spcPts val="0"/>
               </a:spcBef>
@@ -8060,13 +8153,10 @@
               </a:spcAft>
               <a:buNone/>
             </a:pPr>
-            <a:r>
-              <a:t/>
-            </a:r>
             <a:endParaRPr/>
           </a:p>
           <a:p>
-            <a:pPr indent="0" lvl="0" marL="0" rtl="0" algn="l">
+            <a:pPr marL="0" lvl="0" indent="0" algn="l" rtl="0">
               <a:spcBef>
                 <a:spcPts val="0"/>
               </a:spcBef>
@@ -8075,9 +8165,6 @@
               </a:spcAft>
               <a:buNone/>
             </a:pPr>
-            <a:r>
-              <a:t/>
-            </a:r>
             <a:endParaRPr/>
           </a:p>
         </p:txBody>
@@ -8119,18 +8206,19 @@
 </file>
 
 <file path=ppt/slides/slide3.xml><?xml version="1.0" encoding="utf-8"?>
-<p:sld xmlns:a="http://schemas.openxmlformats.org/drawingml/2006/main" xmlns:r="http://schemas.openxmlformats.org/officeDocument/2006/relationships" xmlns:mc="http://schemas.openxmlformats.org/markup-compatibility/2006" xmlns:mv="urn:schemas-microsoft-com:mac:vml" xmlns:p="http://schemas.openxmlformats.org/presentationml/2006/main" xmlns:c="http://schemas.openxmlformats.org/drawingml/2006/chart" xmlns:dgm="http://schemas.openxmlformats.org/drawingml/2006/diagram" xmlns:o="urn:schemas-microsoft-com:office:office" xmlns:v="urn:schemas-microsoft-com:vml" xmlns:pvml="urn:schemas-microsoft-com:office:powerpoint" xmlns:com="http://schemas.openxmlformats.org/drawingml/2006/compatibility" xmlns:p14="http://schemas.microsoft.com/office/powerpoint/2010/main" xmlns:p15="http://schemas.microsoft.com/office/powerpoint/2012/main">
+<p:sld xmlns:a="http://schemas.openxmlformats.org/drawingml/2006/main" xmlns:r="http://schemas.openxmlformats.org/officeDocument/2006/relationships" xmlns:p="http://schemas.openxmlformats.org/presentationml/2006/main">
   <p:cSld>
     <p:bg>
       <p:bgPr>
         <a:solidFill>
           <a:srgbClr val="76A5AF"/>
         </a:solidFill>
+        <a:effectLst/>
       </p:bgPr>
     </p:bg>
     <p:spTree>
       <p:nvGrpSpPr>
-        <p:cNvPr id="70" name="Shape 70"/>
+        <p:cNvPr id="1" name="Shape 70"/>
         <p:cNvGrpSpPr/>
         <p:nvPr/>
       </p:nvGrpSpPr>
@@ -8149,17 +8237,14 @@
           <p:nvPr/>
         </p:nvPicPr>
         <p:blipFill>
-          <a:blip r:embed="rId3">
-            <a:alphaModFix/>
-          </a:blip>
-          <a:stretch>
-            <a:fillRect/>
-          </a:stretch>
+          <a:blip r:embed="rId3"/>
+          <a:srcRect/>
+          <a:stretch/>
         </p:blipFill>
         <p:spPr>
           <a:xfrm>
             <a:off x="1000125" y="557213"/>
-            <a:ext cx="7143750" cy="4029075"/>
+            <a:ext cx="7143750" cy="4029074"/>
           </a:xfrm>
           <a:prstGeom prst="rect">
             <a:avLst/>
@@ -8190,12 +8275,12 @@
           </a:ln>
         </p:spPr>
         <p:txBody>
-          <a:bodyPr anchorCtr="0" anchor="t" bIns="91425" lIns="91425" spcFirstLastPara="1" rIns="91425" wrap="square" tIns="91425">
+          <a:bodyPr spcFirstLastPara="1" wrap="square" lIns="91425" tIns="91425" rIns="91425" bIns="91425" anchor="t" anchorCtr="0">
             <a:noAutofit/>
           </a:bodyPr>
           <a:lstStyle/>
           <a:p>
-            <a:pPr indent="0" lvl="0" marL="457200" rtl="0" algn="l">
+            <a:pPr marL="457200" lvl="0" indent="0" algn="l" rtl="0">
               <a:spcBef>
                 <a:spcPts val="0"/>
               </a:spcBef>
@@ -8221,7 +8306,7 @@
             </a:endParaRPr>
           </a:p>
           <a:p>
-            <a:pPr indent="0" lvl="0" marL="457200" rtl="0" algn="l">
+            <a:pPr marL="457200" lvl="0" indent="0" algn="l" rtl="0">
               <a:spcBef>
                 <a:spcPts val="0"/>
               </a:spcBef>
@@ -8230,9 +8315,6 @@
               </a:spcAft>
               <a:buNone/>
             </a:pPr>
-            <a:r>
-              <a:t/>
-            </a:r>
             <a:endParaRPr>
               <a:latin typeface="Century Gothic"/>
               <a:ea typeface="Century Gothic"/>
@@ -8251,18 +8333,19 @@
 </file>
 
 <file path=ppt/slides/slide4.xml><?xml version="1.0" encoding="utf-8"?>
-<p:sld xmlns:a="http://schemas.openxmlformats.org/drawingml/2006/main" xmlns:r="http://schemas.openxmlformats.org/officeDocument/2006/relationships" xmlns:mc="http://schemas.openxmlformats.org/markup-compatibility/2006" xmlns:mv="urn:schemas-microsoft-com:mac:vml" xmlns:p="http://schemas.openxmlformats.org/presentationml/2006/main" xmlns:c="http://schemas.openxmlformats.org/drawingml/2006/chart" xmlns:dgm="http://schemas.openxmlformats.org/drawingml/2006/diagram" xmlns:o="urn:schemas-microsoft-com:office:office" xmlns:v="urn:schemas-microsoft-com:vml" xmlns:pvml="urn:schemas-microsoft-com:office:powerpoint" xmlns:com="http://schemas.openxmlformats.org/drawingml/2006/compatibility" xmlns:p14="http://schemas.microsoft.com/office/powerpoint/2010/main" xmlns:p15="http://schemas.microsoft.com/office/powerpoint/2012/main">
+<p:sld xmlns:a="http://schemas.openxmlformats.org/drawingml/2006/main" xmlns:r="http://schemas.openxmlformats.org/officeDocument/2006/relationships" xmlns:p="http://schemas.openxmlformats.org/presentationml/2006/main">
   <p:cSld>
     <p:bg>
       <p:bgPr>
         <a:solidFill>
           <a:srgbClr val="76A5AF"/>
         </a:solidFill>
+        <a:effectLst/>
       </p:bgPr>
     </p:bg>
     <p:spTree>
       <p:nvGrpSpPr>
-        <p:cNvPr id="76" name="Shape 76"/>
+        <p:cNvPr id="1" name="Shape 76"/>
         <p:cNvGrpSpPr/>
         <p:nvPr/>
       </p:nvGrpSpPr>
@@ -8294,12 +8377,12 @@
           </a:ln>
         </p:spPr>
         <p:txBody>
-          <a:bodyPr anchorCtr="0" anchor="t" bIns="91425" lIns="91425" spcFirstLastPara="1" rIns="91425" wrap="square" tIns="91425">
+          <a:bodyPr spcFirstLastPara="1" wrap="square" lIns="91425" tIns="91425" rIns="91425" bIns="91425" anchor="t" anchorCtr="0">
             <a:noAutofit/>
           </a:bodyPr>
           <a:lstStyle/>
           <a:p>
-            <a:pPr indent="-317500" lvl="0" marL="457200" rtl="0" algn="l">
+            <a:pPr marL="457200" lvl="0" indent="-317500" algn="l" rtl="0">
               <a:spcBef>
                 <a:spcPts val="0"/>
               </a:spcBef>
@@ -8316,7 +8399,7 @@
             <a:endParaRPr/>
           </a:p>
           <a:p>
-            <a:pPr indent="-317500" lvl="0" marL="457200" rtl="0" algn="l">
+            <a:pPr marL="457200" lvl="0" indent="-317500" algn="l" rtl="0">
               <a:spcBef>
                 <a:spcPts val="0"/>
               </a:spcBef>
@@ -8333,7 +8416,7 @@
             <a:endParaRPr/>
           </a:p>
           <a:p>
-            <a:pPr indent="-317500" lvl="0" marL="457200" rtl="0" algn="l">
+            <a:pPr marL="457200" lvl="0" indent="-317500" algn="l" rtl="0">
               <a:spcBef>
                 <a:spcPts val="0"/>
               </a:spcBef>
@@ -8350,7 +8433,7 @@
             <a:endParaRPr/>
           </a:p>
           <a:p>
-            <a:pPr indent="-317500" lvl="0" marL="457200" rtl="0" algn="l">
+            <a:pPr marL="457200" lvl="0" indent="-317500" algn="l" rtl="0">
               <a:spcBef>
                 <a:spcPts val="0"/>
               </a:spcBef>
@@ -8367,7 +8450,7 @@
             <a:endParaRPr/>
           </a:p>
           <a:p>
-            <a:pPr indent="-317500" lvl="0" marL="457200" rtl="0" algn="l">
+            <a:pPr marL="457200" lvl="0" indent="-317500" algn="l" rtl="0">
               <a:spcBef>
                 <a:spcPts val="0"/>
               </a:spcBef>
@@ -8405,12 +8488,12 @@
           </a:ln>
         </p:spPr>
         <p:txBody>
-          <a:bodyPr anchorCtr="0" anchor="t" bIns="91425" lIns="91425" spcFirstLastPara="1" rIns="91425" wrap="square" tIns="91425">
+          <a:bodyPr spcFirstLastPara="1" wrap="square" lIns="91425" tIns="91425" rIns="91425" bIns="91425" anchor="t" anchorCtr="0">
             <a:noAutofit/>
           </a:bodyPr>
           <a:lstStyle/>
           <a:p>
-            <a:pPr indent="0" lvl="0" marL="0" rtl="0" algn="l">
+            <a:pPr marL="0" lvl="0" indent="0" algn="l" rtl="0">
               <a:spcBef>
                 <a:spcPts val="0"/>
               </a:spcBef>
@@ -8444,18 +8527,19 @@
 </file>
 
 <file path=ppt/slides/slide5.xml><?xml version="1.0" encoding="utf-8"?>
-<p:sld xmlns:a="http://schemas.openxmlformats.org/drawingml/2006/main" xmlns:r="http://schemas.openxmlformats.org/officeDocument/2006/relationships" xmlns:mc="http://schemas.openxmlformats.org/markup-compatibility/2006" xmlns:mv="urn:schemas-microsoft-com:mac:vml" xmlns:p="http://schemas.openxmlformats.org/presentationml/2006/main" xmlns:c="http://schemas.openxmlformats.org/drawingml/2006/chart" xmlns:dgm="http://schemas.openxmlformats.org/drawingml/2006/diagram" xmlns:o="urn:schemas-microsoft-com:office:office" xmlns:v="urn:schemas-microsoft-com:vml" xmlns:pvml="urn:schemas-microsoft-com:office:powerpoint" xmlns:com="http://schemas.openxmlformats.org/drawingml/2006/compatibility" xmlns:p14="http://schemas.microsoft.com/office/powerpoint/2010/main" xmlns:p15="http://schemas.microsoft.com/office/powerpoint/2012/main">
+<p:sld xmlns:a="http://schemas.openxmlformats.org/drawingml/2006/main" xmlns:r="http://schemas.openxmlformats.org/officeDocument/2006/relationships" xmlns:p="http://schemas.openxmlformats.org/presentationml/2006/main">
   <p:cSld>
     <p:bg>
       <p:bgPr>
         <a:solidFill>
           <a:srgbClr val="76A5AF"/>
         </a:solidFill>
+        <a:effectLst/>
       </p:bgPr>
     </p:bg>
     <p:spTree>
       <p:nvGrpSpPr>
-        <p:cNvPr id="82" name="Shape 82"/>
+        <p:cNvPr id="1" name="Shape 82"/>
         <p:cNvGrpSpPr/>
         <p:nvPr/>
       </p:nvGrpSpPr>
@@ -8487,12 +8571,12 @@
           </a:ln>
         </p:spPr>
         <p:txBody>
-          <a:bodyPr anchorCtr="0" anchor="t" bIns="91425" lIns="91425" spcFirstLastPara="1" rIns="91425" wrap="square" tIns="91425">
+          <a:bodyPr spcFirstLastPara="1" wrap="square" lIns="91425" tIns="91425" rIns="91425" bIns="91425" anchor="t" anchorCtr="0">
             <a:noAutofit/>
           </a:bodyPr>
           <a:lstStyle/>
           <a:p>
-            <a:pPr indent="-317500" lvl="0" marL="457200" rtl="0" algn="l">
+            <a:pPr marL="457200" lvl="0" indent="-317500" algn="l" rtl="0">
               <a:spcBef>
                 <a:spcPts val="0"/>
               </a:spcBef>
@@ -8509,7 +8593,7 @@
             <a:endParaRPr/>
           </a:p>
           <a:p>
-            <a:pPr indent="-317500" lvl="0" marL="457200" rtl="0" algn="l">
+            <a:pPr marL="457200" lvl="0" indent="-317500" algn="l" rtl="0">
               <a:spcBef>
                 <a:spcPts val="0"/>
               </a:spcBef>
@@ -8526,7 +8610,7 @@
             <a:endParaRPr/>
           </a:p>
           <a:p>
-            <a:pPr indent="-317500" lvl="0" marL="457200" rtl="0" algn="l">
+            <a:pPr marL="457200" lvl="0" indent="-317500" algn="l" rtl="0">
               <a:spcBef>
                 <a:spcPts val="0"/>
               </a:spcBef>
@@ -8543,7 +8627,7 @@
             <a:endParaRPr/>
           </a:p>
           <a:p>
-            <a:pPr indent="-317500" lvl="0" marL="457200" rtl="0" algn="l">
+            <a:pPr marL="457200" lvl="0" indent="-317500" algn="l" rtl="0">
               <a:spcBef>
                 <a:spcPts val="0"/>
               </a:spcBef>
@@ -8560,7 +8644,7 @@
             <a:endParaRPr/>
           </a:p>
           <a:p>
-            <a:pPr indent="-317500" lvl="0" marL="457200" rtl="0" algn="l">
+            <a:pPr marL="457200" lvl="0" indent="-317500" algn="l" rtl="0">
               <a:spcBef>
                 <a:spcPts val="0"/>
               </a:spcBef>
@@ -8598,12 +8682,12 @@
           </a:ln>
         </p:spPr>
         <p:txBody>
-          <a:bodyPr anchorCtr="0" anchor="t" bIns="91425" lIns="91425" spcFirstLastPara="1" rIns="91425" wrap="square" tIns="91425">
+          <a:bodyPr spcFirstLastPara="1" wrap="square" lIns="91425" tIns="91425" rIns="91425" bIns="91425" anchor="t" anchorCtr="0">
             <a:noAutofit/>
           </a:bodyPr>
           <a:lstStyle/>
           <a:p>
-            <a:pPr indent="0" lvl="0" marL="0" rtl="0" algn="l">
+            <a:pPr marL="0" lvl="0" indent="0" algn="l" rtl="0">
               <a:spcBef>
                 <a:spcPts val="0"/>
               </a:spcBef>
@@ -8637,18 +8721,19 @@
 </file>
 
 <file path=ppt/slides/slide6.xml><?xml version="1.0" encoding="utf-8"?>
-<p:sld xmlns:a="http://schemas.openxmlformats.org/drawingml/2006/main" xmlns:r="http://schemas.openxmlformats.org/officeDocument/2006/relationships" xmlns:mc="http://schemas.openxmlformats.org/markup-compatibility/2006" xmlns:mv="urn:schemas-microsoft-com:mac:vml" xmlns:p="http://schemas.openxmlformats.org/presentationml/2006/main" xmlns:c="http://schemas.openxmlformats.org/drawingml/2006/chart" xmlns:dgm="http://schemas.openxmlformats.org/drawingml/2006/diagram" xmlns:o="urn:schemas-microsoft-com:office:office" xmlns:v="urn:schemas-microsoft-com:vml" xmlns:pvml="urn:schemas-microsoft-com:office:powerpoint" xmlns:com="http://schemas.openxmlformats.org/drawingml/2006/compatibility" xmlns:p14="http://schemas.microsoft.com/office/powerpoint/2010/main" xmlns:p15="http://schemas.microsoft.com/office/powerpoint/2012/main">
+<p:sld xmlns:a="http://schemas.openxmlformats.org/drawingml/2006/main" xmlns:r="http://schemas.openxmlformats.org/officeDocument/2006/relationships" xmlns:p="http://schemas.openxmlformats.org/presentationml/2006/main">
   <p:cSld>
     <p:bg>
       <p:bgPr>
         <a:solidFill>
           <a:srgbClr val="76A5AF"/>
         </a:solidFill>
+        <a:effectLst/>
       </p:bgPr>
     </p:bg>
     <p:spTree>
       <p:nvGrpSpPr>
-        <p:cNvPr id="88" name="Shape 88"/>
+        <p:cNvPr id="1" name="Shape 88"/>
         <p:cNvGrpSpPr/>
         <p:nvPr/>
       </p:nvGrpSpPr>
@@ -8680,12 +8765,12 @@
           </a:ln>
         </p:spPr>
         <p:txBody>
-          <a:bodyPr anchorCtr="0" anchor="t" bIns="91425" lIns="91425" spcFirstLastPara="1" rIns="91425" wrap="square" tIns="91425">
+          <a:bodyPr spcFirstLastPara="1" wrap="square" lIns="91425" tIns="91425" rIns="91425" bIns="91425" anchor="t" anchorCtr="0">
             <a:noAutofit/>
           </a:bodyPr>
           <a:lstStyle/>
           <a:p>
-            <a:pPr indent="-317500" lvl="0" marL="457200" rtl="0" algn="l">
+            <a:pPr marL="457200" lvl="0" indent="-317500" algn="l" rtl="0">
               <a:spcBef>
                 <a:spcPts val="0"/>
               </a:spcBef>
@@ -8702,7 +8787,7 @@
             <a:endParaRPr/>
           </a:p>
           <a:p>
-            <a:pPr indent="-317500" lvl="0" marL="457200" rtl="0" algn="l">
+            <a:pPr marL="457200" lvl="0" indent="-317500" algn="l" rtl="0">
               <a:spcBef>
                 <a:spcPts val="0"/>
               </a:spcBef>
@@ -8719,7 +8804,7 @@
             <a:endParaRPr/>
           </a:p>
           <a:p>
-            <a:pPr indent="-317500" lvl="0" marL="457200" rtl="0" algn="l">
+            <a:pPr marL="457200" lvl="0" indent="-317500" algn="l" rtl="0">
               <a:spcBef>
                 <a:spcPts val="0"/>
               </a:spcBef>
@@ -8736,7 +8821,7 @@
             <a:endParaRPr/>
           </a:p>
           <a:p>
-            <a:pPr indent="-317500" lvl="0" marL="457200" rtl="0" algn="l">
+            <a:pPr marL="457200" lvl="0" indent="-317500" algn="l" rtl="0">
               <a:spcBef>
                 <a:spcPts val="0"/>
               </a:spcBef>
@@ -8753,7 +8838,7 @@
             <a:endParaRPr/>
           </a:p>
           <a:p>
-            <a:pPr indent="-317500" lvl="0" marL="457200" rtl="0" algn="l">
+            <a:pPr marL="457200" lvl="0" indent="-317500" algn="l" rtl="0">
               <a:spcBef>
                 <a:spcPts val="0"/>
               </a:spcBef>
@@ -8791,12 +8876,12 @@
           </a:ln>
         </p:spPr>
         <p:txBody>
-          <a:bodyPr anchorCtr="0" anchor="t" bIns="91425" lIns="91425" spcFirstLastPara="1" rIns="91425" wrap="square" tIns="91425">
+          <a:bodyPr spcFirstLastPara="1" wrap="square" lIns="91425" tIns="91425" rIns="91425" bIns="91425" anchor="t" anchorCtr="0">
             <a:noAutofit/>
           </a:bodyPr>
           <a:lstStyle/>
           <a:p>
-            <a:pPr indent="0" lvl="0" marL="0" rtl="0" algn="l">
+            <a:pPr marL="0" lvl="0" indent="0" algn="l" rtl="0">
               <a:spcBef>
                 <a:spcPts val="0"/>
               </a:spcBef>
@@ -8830,18 +8915,19 @@
 </file>
 
 <file path=ppt/slides/slide7.xml><?xml version="1.0" encoding="utf-8"?>
-<p:sld xmlns:a="http://schemas.openxmlformats.org/drawingml/2006/main" xmlns:r="http://schemas.openxmlformats.org/officeDocument/2006/relationships" xmlns:mc="http://schemas.openxmlformats.org/markup-compatibility/2006" xmlns:mv="urn:schemas-microsoft-com:mac:vml" xmlns:p="http://schemas.openxmlformats.org/presentationml/2006/main" xmlns:c="http://schemas.openxmlformats.org/drawingml/2006/chart" xmlns:dgm="http://schemas.openxmlformats.org/drawingml/2006/diagram" xmlns:o="urn:schemas-microsoft-com:office:office" xmlns:v="urn:schemas-microsoft-com:vml" xmlns:pvml="urn:schemas-microsoft-com:office:powerpoint" xmlns:com="http://schemas.openxmlformats.org/drawingml/2006/compatibility" xmlns:p14="http://schemas.microsoft.com/office/powerpoint/2010/main" xmlns:p15="http://schemas.microsoft.com/office/powerpoint/2012/main">
+<p:sld xmlns:a="http://schemas.openxmlformats.org/drawingml/2006/main" xmlns:r="http://schemas.openxmlformats.org/officeDocument/2006/relationships" xmlns:p="http://schemas.openxmlformats.org/presentationml/2006/main">
   <p:cSld>
     <p:bg>
       <p:bgPr>
         <a:solidFill>
           <a:srgbClr val="76A5AF"/>
         </a:solidFill>
+        <a:effectLst/>
       </p:bgPr>
     </p:bg>
     <p:spTree>
       <p:nvGrpSpPr>
-        <p:cNvPr id="94" name="Shape 94"/>
+        <p:cNvPr id="1" name="Shape 94"/>
         <p:cNvGrpSpPr/>
         <p:nvPr/>
       </p:nvGrpSpPr>
@@ -8873,12 +8959,12 @@
           </a:ln>
         </p:spPr>
         <p:txBody>
-          <a:bodyPr anchorCtr="0" anchor="t" bIns="91425" lIns="91425" spcFirstLastPara="1" rIns="91425" wrap="square" tIns="91425">
+          <a:bodyPr spcFirstLastPara="1" wrap="square" lIns="91425" tIns="91425" rIns="91425" bIns="91425" anchor="t" anchorCtr="0">
             <a:noAutofit/>
           </a:bodyPr>
           <a:lstStyle/>
           <a:p>
-            <a:pPr indent="-317500" lvl="0" marL="457200" rtl="0" algn="l">
+            <a:pPr marL="457200" lvl="0" indent="-317500" algn="l" rtl="0">
               <a:spcBef>
                 <a:spcPts val="0"/>
               </a:spcBef>
@@ -8895,7 +8981,7 @@
             <a:endParaRPr/>
           </a:p>
           <a:p>
-            <a:pPr indent="-317500" lvl="0" marL="457200" rtl="0" algn="l">
+            <a:pPr marL="457200" lvl="0" indent="-317500" algn="l" rtl="0">
               <a:spcBef>
                 <a:spcPts val="0"/>
               </a:spcBef>
@@ -8912,7 +8998,7 @@
             <a:endParaRPr/>
           </a:p>
           <a:p>
-            <a:pPr indent="-317500" lvl="0" marL="457200" rtl="0" algn="l">
+            <a:pPr marL="457200" lvl="0" indent="-317500" algn="l" rtl="0">
               <a:spcBef>
                 <a:spcPts val="0"/>
               </a:spcBef>
@@ -8929,7 +9015,7 @@
             <a:endParaRPr/>
           </a:p>
           <a:p>
-            <a:pPr indent="-317500" lvl="0" marL="457200" rtl="0" algn="l">
+            <a:pPr marL="457200" lvl="0" indent="-317500" algn="l" rtl="0">
               <a:spcBef>
                 <a:spcPts val="0"/>
               </a:spcBef>
@@ -8946,7 +9032,7 @@
             <a:endParaRPr/>
           </a:p>
           <a:p>
-            <a:pPr indent="-317500" lvl="0" marL="457200" rtl="0" algn="l">
+            <a:pPr marL="457200" lvl="0" indent="-317500" algn="l" rtl="0">
               <a:spcBef>
                 <a:spcPts val="0"/>
               </a:spcBef>
@@ -8984,12 +9070,12 @@
           </a:ln>
         </p:spPr>
         <p:txBody>
-          <a:bodyPr anchorCtr="0" anchor="t" bIns="91425" lIns="91425" spcFirstLastPara="1" rIns="91425" wrap="square" tIns="91425">
+          <a:bodyPr spcFirstLastPara="1" wrap="square" lIns="91425" tIns="91425" rIns="91425" bIns="91425" anchor="t" anchorCtr="0">
             <a:noAutofit/>
           </a:bodyPr>
           <a:lstStyle/>
           <a:p>
-            <a:pPr indent="0" lvl="0" marL="0" rtl="0" algn="l">
+            <a:pPr marL="0" lvl="0" indent="0" algn="l" rtl="0">
               <a:spcBef>
                 <a:spcPts val="0"/>
               </a:spcBef>
@@ -9023,18 +9109,19 @@
 </file>
 
 <file path=ppt/slides/slide8.xml><?xml version="1.0" encoding="utf-8"?>
-<p:sld xmlns:a="http://schemas.openxmlformats.org/drawingml/2006/main" xmlns:r="http://schemas.openxmlformats.org/officeDocument/2006/relationships" xmlns:mc="http://schemas.openxmlformats.org/markup-compatibility/2006" xmlns:mv="urn:schemas-microsoft-com:mac:vml" xmlns:p="http://schemas.openxmlformats.org/presentationml/2006/main" xmlns:c="http://schemas.openxmlformats.org/drawingml/2006/chart" xmlns:dgm="http://schemas.openxmlformats.org/drawingml/2006/diagram" xmlns:o="urn:schemas-microsoft-com:office:office" xmlns:v="urn:schemas-microsoft-com:vml" xmlns:pvml="urn:schemas-microsoft-com:office:powerpoint" xmlns:com="http://schemas.openxmlformats.org/drawingml/2006/compatibility" xmlns:p14="http://schemas.microsoft.com/office/powerpoint/2010/main" xmlns:p15="http://schemas.microsoft.com/office/powerpoint/2012/main">
+<p:sld xmlns:a="http://schemas.openxmlformats.org/drawingml/2006/main" xmlns:r="http://schemas.openxmlformats.org/officeDocument/2006/relationships" xmlns:p="http://schemas.openxmlformats.org/presentationml/2006/main">
   <p:cSld>
     <p:bg>
       <p:bgPr>
         <a:solidFill>
           <a:srgbClr val="76A5AF"/>
         </a:solidFill>
+        <a:effectLst/>
       </p:bgPr>
     </p:bg>
     <p:spTree>
       <p:nvGrpSpPr>
-        <p:cNvPr id="100" name="Shape 100"/>
+        <p:cNvPr id="1" name="Shape 100"/>
         <p:cNvGrpSpPr/>
         <p:nvPr/>
       </p:nvGrpSpPr>
@@ -9066,12 +9153,12 @@
           </a:ln>
         </p:spPr>
         <p:txBody>
-          <a:bodyPr anchorCtr="0" anchor="t" bIns="91425" lIns="91425" spcFirstLastPara="1" rIns="91425" wrap="square" tIns="91425">
+          <a:bodyPr spcFirstLastPara="1" wrap="square" lIns="91425" tIns="91425" rIns="91425" bIns="91425" anchor="t" anchorCtr="0">
             <a:noAutofit/>
           </a:bodyPr>
           <a:lstStyle/>
           <a:p>
-            <a:pPr indent="0" lvl="0" marL="457200" rtl="0" algn="l">
+            <a:pPr marL="457200" lvl="0" indent="0" algn="l" rtl="0">
               <a:spcBef>
                 <a:spcPts val="0"/>
               </a:spcBef>
@@ -9080,13 +9167,10 @@
               </a:spcAft>
               <a:buNone/>
             </a:pPr>
-            <a:r>
-              <a:t/>
-            </a:r>
             <a:endParaRPr/>
           </a:p>
           <a:p>
-            <a:pPr indent="0" lvl="0" marL="0" rtl="0" algn="l">
+            <a:pPr marL="0" lvl="0" indent="0" algn="l" rtl="0">
               <a:spcBef>
                 <a:spcPts val="0"/>
               </a:spcBef>
@@ -9123,12 +9207,12 @@
           </a:ln>
         </p:spPr>
         <p:txBody>
-          <a:bodyPr anchorCtr="0" anchor="t" bIns="91425" lIns="91425" spcFirstLastPara="1" rIns="91425" wrap="square" tIns="91425">
+          <a:bodyPr spcFirstLastPara="1" wrap="square" lIns="91425" tIns="91425" rIns="91425" bIns="91425" anchor="t" anchorCtr="0">
             <a:noAutofit/>
           </a:bodyPr>
           <a:lstStyle/>
           <a:p>
-            <a:pPr indent="0" lvl="0" marL="0" rtl="0" algn="l">
+            <a:pPr marL="0" lvl="0" indent="0" algn="l" rtl="0">
               <a:spcBef>
                 <a:spcPts val="0"/>
               </a:spcBef>
@@ -9160,17 +9244,14 @@
           <p:nvPr/>
         </p:nvPicPr>
         <p:blipFill>
-          <a:blip r:embed="rId3">
-            <a:alphaModFix/>
-          </a:blip>
-          <a:stretch>
-            <a:fillRect/>
-          </a:stretch>
+          <a:blip r:embed="rId3"/>
+          <a:srcRect/>
+          <a:stretch/>
         </p:blipFill>
         <p:spPr>
           <a:xfrm>
-            <a:off x="152400" y="152400"/>
-            <a:ext cx="3262634" cy="2446976"/>
+            <a:off x="376246" y="152400"/>
+            <a:ext cx="2814942" cy="2446976"/>
           </a:xfrm>
           <a:prstGeom prst="rect">
             <a:avLst/>
@@ -9190,18 +9271,19 @@
 </file>
 
 <file path=ppt/slides/slide9.xml><?xml version="1.0" encoding="utf-8"?>
-<p:sld xmlns:a="http://schemas.openxmlformats.org/drawingml/2006/main" xmlns:r="http://schemas.openxmlformats.org/officeDocument/2006/relationships" xmlns:mc="http://schemas.openxmlformats.org/markup-compatibility/2006" xmlns:mv="urn:schemas-microsoft-com:mac:vml" xmlns:p="http://schemas.openxmlformats.org/presentationml/2006/main" xmlns:c="http://schemas.openxmlformats.org/drawingml/2006/chart" xmlns:dgm="http://schemas.openxmlformats.org/drawingml/2006/diagram" xmlns:o="urn:schemas-microsoft-com:office:office" xmlns:v="urn:schemas-microsoft-com:vml" xmlns:pvml="urn:schemas-microsoft-com:office:powerpoint" xmlns:com="http://schemas.openxmlformats.org/drawingml/2006/compatibility" xmlns:p14="http://schemas.microsoft.com/office/powerpoint/2010/main" xmlns:p15="http://schemas.microsoft.com/office/powerpoint/2012/main">
+<p:sld xmlns:a="http://schemas.openxmlformats.org/drawingml/2006/main" xmlns:r="http://schemas.openxmlformats.org/officeDocument/2006/relationships" xmlns:p="http://schemas.openxmlformats.org/presentationml/2006/main">
   <p:cSld>
     <p:bg>
       <p:bgPr>
         <a:solidFill>
           <a:srgbClr val="76A5AF"/>
         </a:solidFill>
+        <a:effectLst/>
       </p:bgPr>
     </p:bg>
     <p:spTree>
       <p:nvGrpSpPr>
-        <p:cNvPr id="107" name="Shape 107"/>
+        <p:cNvPr id="1" name="Shape 107"/>
         <p:cNvGrpSpPr/>
         <p:nvPr/>
       </p:nvGrpSpPr>
@@ -9220,17 +9302,14 @@
           <p:nvPr/>
         </p:nvPicPr>
         <p:blipFill>
-          <a:blip r:embed="rId3">
-            <a:alphaModFix/>
-          </a:blip>
-          <a:stretch>
-            <a:fillRect/>
-          </a:stretch>
+          <a:blip r:embed="rId3"/>
+          <a:srcRect/>
+          <a:stretch/>
         </p:blipFill>
         <p:spPr>
           <a:xfrm>
-            <a:off x="0" y="-34300"/>
-            <a:ext cx="9220224" cy="5220675"/>
+            <a:off x="7550" y="-34300"/>
+            <a:ext cx="9205124" cy="5220675"/>
           </a:xfrm>
           <a:prstGeom prst="rect">
             <a:avLst/>
@@ -9250,7 +9329,7 @@
 </file>
 
 <file path=ppt/theme/theme1.xml><?xml version="1.0" encoding="utf-8"?>
-<a:theme xmlns:a="http://schemas.openxmlformats.org/drawingml/2006/main" xmlns:r="http://schemas.openxmlformats.org/officeDocument/2006/relationships" name="Simple Light">
+<a:theme xmlns:a="http://schemas.openxmlformats.org/drawingml/2006/main" name="Simple Light">
   <a:themeElements>
     <a:clrScheme name="Simple Light">
       <a:dk1>
@@ -9525,11 +9604,13 @@
       </a:bgFillStyleLst>
     </a:fmtScheme>
   </a:themeElements>
+  <a:objectDefaults/>
+  <a:extraClrSchemeLst/>
 </a:theme>
 </file>
 
 <file path=ppt/theme/theme2.xml><?xml version="1.0" encoding="utf-8"?>
-<a:theme xmlns:a="http://schemas.openxmlformats.org/drawingml/2006/main" xmlns:r="http://schemas.openxmlformats.org/officeDocument/2006/relationships">
+<a:theme xmlns:a="http://schemas.openxmlformats.org/drawingml/2006/main">
   <a:themeElements>
     <a:clrScheme name="Default">
       <a:dk1>
@@ -9804,5 +9885,7 @@
       </a:bgFillStyleLst>
     </a:fmtScheme>
   </a:themeElements>
+  <a:objectDefaults/>
+  <a:extraClrSchemeLst/>
 </a:theme>
 </file>